--- a/IntroSWEng.FinalPresentations.pptx
+++ b/IntroSWEng.FinalPresentations.pptx
@@ -5,32 +5,34 @@
     <p:sldMasterId id="2147483648" r:id="rId1"/>
   </p:sldMasterIdLst>
   <p:notesMasterIdLst>
-    <p:notesMasterId r:id="rId22"/>
+    <p:notesMasterId r:id="rId24"/>
   </p:notesMasterIdLst>
   <p:handoutMasterIdLst>
-    <p:handoutMasterId r:id="rId23"/>
+    <p:handoutMasterId r:id="rId25"/>
   </p:handoutMasterIdLst>
   <p:sldIdLst>
     <p:sldId id="260" r:id="rId2"/>
     <p:sldId id="257" r:id="rId3"/>
     <p:sldId id="259" r:id="rId4"/>
-    <p:sldId id="262" r:id="rId5"/>
-    <p:sldId id="263" r:id="rId6"/>
+    <p:sldId id="263" r:id="rId5"/>
+    <p:sldId id="262" r:id="rId6"/>
     <p:sldId id="264" r:id="rId7"/>
     <p:sldId id="265" r:id="rId8"/>
-    <p:sldId id="266" r:id="rId9"/>
-    <p:sldId id="277" r:id="rId10"/>
-    <p:sldId id="267" r:id="rId11"/>
-    <p:sldId id="268" r:id="rId12"/>
-    <p:sldId id="269" r:id="rId13"/>
-    <p:sldId id="270" r:id="rId14"/>
-    <p:sldId id="271" r:id="rId15"/>
-    <p:sldId id="272" r:id="rId16"/>
-    <p:sldId id="273" r:id="rId17"/>
-    <p:sldId id="274" r:id="rId18"/>
-    <p:sldId id="275" r:id="rId19"/>
-    <p:sldId id="276" r:id="rId20"/>
-    <p:sldId id="261" r:id="rId21"/>
+    <p:sldId id="279" r:id="rId9"/>
+    <p:sldId id="278" r:id="rId10"/>
+    <p:sldId id="266" r:id="rId11"/>
+    <p:sldId id="277" r:id="rId12"/>
+    <p:sldId id="267" r:id="rId13"/>
+    <p:sldId id="268" r:id="rId14"/>
+    <p:sldId id="269" r:id="rId15"/>
+    <p:sldId id="270" r:id="rId16"/>
+    <p:sldId id="271" r:id="rId17"/>
+    <p:sldId id="272" r:id="rId18"/>
+    <p:sldId id="273" r:id="rId19"/>
+    <p:sldId id="274" r:id="rId20"/>
+    <p:sldId id="275" r:id="rId21"/>
+    <p:sldId id="276" r:id="rId22"/>
+    <p:sldId id="261" r:id="rId23"/>
   </p:sldIdLst>
   <p:sldSz cx="9144000" cy="6858000" type="screen4x3"/>
   <p:notesSz cx="6858000" cy="9144000"/>
@@ -231,7 +233,7 @@
             <a:fld id="{0252902A-18E7-6440-A09B-741E2A2B6D42}" type="datetimeFigureOut">
               <a:rPr lang="es-ES" smtClean="0"/>
               <a:pPr/>
-              <a:t>05/06/2021</a:t>
+              <a:t>06/06/2021</a:t>
             </a:fld>
             <a:endParaRPr lang="es-ES"/>
           </a:p>
@@ -399,7 +401,7 @@
             <a:fld id="{4FA7064A-13DB-A34E-B31E-2D0AF10C5A7A}" type="datetimeFigureOut">
               <a:rPr lang="es-ES" smtClean="0"/>
               <a:pPr/>
-              <a:t>05/06/2021</a:t>
+              <a:t>06/06/2021</a:t>
             </a:fld>
             <a:endParaRPr lang="es-ES"/>
           </a:p>
@@ -792,7 +794,7 @@
             <a:fld id="{C30C6821-A329-462D-8729-A495B1ADAF6C}" type="slidenum">
               <a:rPr lang="es-ES_tradnl"/>
               <a:pPr/>
-              <a:t>11</a:t>
+              <a:t>10</a:t>
             </a:fld>
             <a:endParaRPr lang="es-ES_tradnl"/>
           </a:p>
@@ -1701,6 +1703,178 @@
 </p:notes>
 </file>
 
+<file path=ppt/notesSlides/notesSlide20.xml><?xml version="1.0" encoding="utf-8"?>
+<p:notes xmlns:a="http://schemas.openxmlformats.org/drawingml/2006/main" xmlns:r="http://schemas.openxmlformats.org/officeDocument/2006/relationships" xmlns:p="http://schemas.openxmlformats.org/presentationml/2006/main">
+  <p:cSld>
+    <p:spTree>
+      <p:nvGrpSpPr>
+        <p:cNvPr id="1" name=""/>
+        <p:cNvGrpSpPr/>
+        <p:nvPr/>
+      </p:nvGrpSpPr>
+      <p:grpSpPr>
+        <a:xfrm>
+          <a:off x="0" y="0"/>
+          <a:ext cx="0" cy="0"/>
+          <a:chOff x="0" y="0"/>
+          <a:chExt cx="0" cy="0"/>
+        </a:xfrm>
+      </p:grpSpPr>
+      <p:sp>
+        <p:nvSpPr>
+          <p:cNvPr id="7" name="Rectangle 5"/>
+          <p:cNvSpPr>
+            <a:spLocks noGrp="1" noChangeArrowheads="1"/>
+          </p:cNvSpPr>
+          <p:nvPr>
+            <p:ph type="sldNum" sz="quarter" idx="5"/>
+          </p:nvPr>
+        </p:nvSpPr>
+        <p:spPr>
+          <a:ln/>
+        </p:spPr>
+        <p:txBody>
+          <a:bodyPr/>
+          <a:lstStyle/>
+          <a:p>
+            <a:fld id="{C30C6821-A329-462D-8729-A495B1ADAF6C}" type="slidenum">
+              <a:rPr lang="es-ES_tradnl"/>
+              <a:pPr/>
+              <a:t>21</a:t>
+            </a:fld>
+            <a:endParaRPr lang="es-ES_tradnl"/>
+          </a:p>
+        </p:txBody>
+      </p:sp>
+      <p:sp>
+        <p:nvSpPr>
+          <p:cNvPr id="7170" name="Rectangle 2"/>
+          <p:cNvSpPr>
+            <a:spLocks noGrp="1" noRot="1" noChangeAspect="1" noChangeArrowheads="1" noTextEdit="1"/>
+          </p:cNvSpPr>
+          <p:nvPr>
+            <p:ph type="sldImg"/>
+          </p:nvPr>
+        </p:nvSpPr>
+        <p:spPr>
+          <a:ln cap="flat"/>
+        </p:spPr>
+      </p:sp>
+      <p:sp>
+        <p:nvSpPr>
+          <p:cNvPr id="7171" name="Rectangle 3"/>
+          <p:cNvSpPr>
+            <a:spLocks noGrp="1" noChangeArrowheads="1"/>
+          </p:cNvSpPr>
+          <p:nvPr>
+            <p:ph type="body" idx="1"/>
+          </p:nvPr>
+        </p:nvSpPr>
+        <p:spPr>
+          <a:ln/>
+        </p:spPr>
+        <p:txBody>
+          <a:bodyPr/>
+          <a:lstStyle/>
+          <a:p>
+            <a:endParaRPr lang="es-ES"/>
+          </a:p>
+        </p:txBody>
+      </p:sp>
+    </p:spTree>
+  </p:cSld>
+  <p:clrMapOvr>
+    <a:masterClrMapping/>
+  </p:clrMapOvr>
+</p:notes>
+</file>
+
+<file path=ppt/notesSlides/notesSlide21.xml><?xml version="1.0" encoding="utf-8"?>
+<p:notes xmlns:a="http://schemas.openxmlformats.org/drawingml/2006/main" xmlns:r="http://schemas.openxmlformats.org/officeDocument/2006/relationships" xmlns:p="http://schemas.openxmlformats.org/presentationml/2006/main">
+  <p:cSld>
+    <p:spTree>
+      <p:nvGrpSpPr>
+        <p:cNvPr id="1" name=""/>
+        <p:cNvGrpSpPr/>
+        <p:nvPr/>
+      </p:nvGrpSpPr>
+      <p:grpSpPr>
+        <a:xfrm>
+          <a:off x="0" y="0"/>
+          <a:ext cx="0" cy="0"/>
+          <a:chOff x="0" y="0"/>
+          <a:chExt cx="0" cy="0"/>
+        </a:xfrm>
+      </p:grpSpPr>
+      <p:sp>
+        <p:nvSpPr>
+          <p:cNvPr id="7" name="Rectangle 5"/>
+          <p:cNvSpPr>
+            <a:spLocks noGrp="1" noChangeArrowheads="1"/>
+          </p:cNvSpPr>
+          <p:nvPr>
+            <p:ph type="sldNum" sz="quarter" idx="5"/>
+          </p:nvPr>
+        </p:nvSpPr>
+        <p:spPr>
+          <a:ln/>
+        </p:spPr>
+        <p:txBody>
+          <a:bodyPr/>
+          <a:lstStyle/>
+          <a:p>
+            <a:fld id="{C30C6821-A329-462D-8729-A495B1ADAF6C}" type="slidenum">
+              <a:rPr lang="es-ES_tradnl"/>
+              <a:pPr/>
+              <a:t>22</a:t>
+            </a:fld>
+            <a:endParaRPr lang="es-ES_tradnl"/>
+          </a:p>
+        </p:txBody>
+      </p:sp>
+      <p:sp>
+        <p:nvSpPr>
+          <p:cNvPr id="7170" name="Rectangle 2"/>
+          <p:cNvSpPr>
+            <a:spLocks noGrp="1" noRot="1" noChangeAspect="1" noChangeArrowheads="1" noTextEdit="1"/>
+          </p:cNvSpPr>
+          <p:nvPr>
+            <p:ph type="sldImg"/>
+          </p:nvPr>
+        </p:nvSpPr>
+        <p:spPr>
+          <a:ln cap="flat"/>
+        </p:spPr>
+      </p:sp>
+      <p:sp>
+        <p:nvSpPr>
+          <p:cNvPr id="7171" name="Rectangle 3"/>
+          <p:cNvSpPr>
+            <a:spLocks noGrp="1" noChangeArrowheads="1"/>
+          </p:cNvSpPr>
+          <p:nvPr>
+            <p:ph type="body" idx="1"/>
+          </p:nvPr>
+        </p:nvSpPr>
+        <p:spPr>
+          <a:ln/>
+        </p:spPr>
+        <p:txBody>
+          <a:bodyPr/>
+          <a:lstStyle/>
+          <a:p>
+            <a:endParaRPr lang="es-ES"/>
+          </a:p>
+        </p:txBody>
+      </p:sp>
+    </p:spTree>
+  </p:cSld>
+  <p:clrMapOvr>
+    <a:masterClrMapping/>
+  </p:clrMapOvr>
+</p:notes>
+</file>
+
 <file path=ppt/notesSlides/notesSlide3.xml><?xml version="1.0" encoding="utf-8"?>
 <p:notes xmlns:a="http://schemas.openxmlformats.org/drawingml/2006/main" xmlns:r="http://schemas.openxmlformats.org/officeDocument/2006/relationships" xmlns:p="http://schemas.openxmlformats.org/presentationml/2006/main">
   <p:cSld>
@@ -1861,7 +2035,7 @@
           <a:bodyPr/>
           <a:lstStyle/>
           <a:p>
-            <a:endParaRPr lang="es-ES" dirty="0"/>
+            <a:endParaRPr lang="es-ES"/>
           </a:p>
         </p:txBody>
       </p:sp>
@@ -1947,7 +2121,7 @@
           <a:bodyPr/>
           <a:lstStyle/>
           <a:p>
-            <a:endParaRPr lang="es-ES"/>
+            <a:endParaRPr lang="es-ES" dirty="0"/>
           </a:p>
         </p:txBody>
       </p:sp>
@@ -2210,6 +2384,11 @@
         </p:txBody>
       </p:sp>
     </p:spTree>
+    <p:extLst>
+      <p:ext uri="{BB962C8B-B14F-4D97-AF65-F5344CB8AC3E}">
+        <p14:creationId xmlns:p14="http://schemas.microsoft.com/office/powerpoint/2010/main" val="557425977"/>
+      </p:ext>
+    </p:extLst>
   </p:cSld>
   <p:clrMapOvr>
     <a:masterClrMapping/>
@@ -2254,7 +2433,7 @@
             <a:fld id="{C30C6821-A329-462D-8729-A495B1ADAF6C}" type="slidenum">
               <a:rPr lang="es-ES_tradnl"/>
               <a:pPr/>
-              <a:t>10</a:t>
+              <a:t>9</a:t>
             </a:fld>
             <a:endParaRPr lang="es-ES_tradnl"/>
           </a:p>
@@ -2296,6 +2475,11 @@
         </p:txBody>
       </p:sp>
     </p:spTree>
+    <p:extLst>
+      <p:ext uri="{BB962C8B-B14F-4D97-AF65-F5344CB8AC3E}">
+        <p14:creationId xmlns:p14="http://schemas.microsoft.com/office/powerpoint/2010/main" val="3080548510"/>
+      </p:ext>
+    </p:extLst>
   </p:cSld>
   <p:clrMapOvr>
     <a:masterClrMapping/>
@@ -8429,7 +8613,7 @@
             <p:ph sz="quarter" idx="1"/>
             <p:extLst>
               <p:ext uri="{D42A27DB-BD31-4B8C-83A1-F6EECF244321}">
-                <p14:modId xmlns:p14="http://schemas.microsoft.com/office/powerpoint/2010/main" val="3696384701"/>
+                <p14:modId xmlns:p14="http://schemas.microsoft.com/office/powerpoint/2010/main" val="2289675555"/>
               </p:ext>
             </p:extLst>
           </p:nvPr>
@@ -8646,7 +8830,7 @@
                       </a:pPr>
                       <a:r>
                         <a:rPr lang="es-ES" sz="1800" dirty="0"/>
-                        <a:t>Carlos</a:t>
+                        <a:t>Carlos Javier Gutiérrez</a:t>
                       </a:r>
                       <a:endParaRPr lang="en-GB" sz="1800" dirty="0"/>
                     </a:p>
@@ -9252,11 +9436,57 @@
             <p:ph type="title"/>
           </p:nvPr>
         </p:nvSpPr>
-        <p:spPr/>
-        <p:txBody>
-          <a:bodyPr/>
-          <a:lstStyle/>
-          <a:p>
+        <p:spPr>
+          <a:xfrm>
+            <a:off x="304800" y="262144"/>
+            <a:ext cx="8534400" cy="758952"/>
+          </a:xfrm>
+        </p:spPr>
+        <p:txBody>
+          <a:bodyPr>
+            <a:normAutofit fontScale="90000"/>
+          </a:bodyPr>
+          <a:lstStyle/>
+          <a:p>
+            <a:r>
+              <a:rPr lang="es-ES" dirty="0"/>
+              <a:t>Software </a:t>
+            </a:r>
+            <a:r>
+              <a:rPr lang="es-ES" dirty="0" err="1"/>
+              <a:t>engineering</a:t>
+            </a:r>
+            <a:r>
+              <a:rPr lang="es-ES" dirty="0"/>
+              <a:t> </a:t>
+            </a:r>
+            <a:r>
+              <a:rPr lang="es-ES" dirty="0" err="1"/>
+              <a:t>activities</a:t>
+            </a:r>
+            <a:br>
+              <a:rPr lang="es-ES" dirty="0"/>
+            </a:br>
+            <a:r>
+              <a:rPr lang="es-ES" dirty="0"/>
+              <a:t>(</a:t>
+            </a:r>
+            <a:r>
+              <a:rPr lang="es-ES" dirty="0" err="1"/>
+              <a:t>Implementation</a:t>
+            </a:r>
+            <a:r>
+              <a:rPr lang="es-ES" dirty="0"/>
+              <a:t> </a:t>
+            </a:r>
+            <a:r>
+              <a:rPr lang="es-ES" dirty="0" err="1"/>
+              <a:t>model</a:t>
+            </a:r>
+            <a:r>
+              <a:rPr lang="es-ES" dirty="0"/>
+              <a:t>)</a:t>
+            </a:r>
             <a:endParaRPr lang="en-US" noProof="0" dirty="0"/>
           </a:p>
         </p:txBody>
@@ -9285,7 +9515,7 @@
           <p:cNvPr id="4" name="Marcador de pie de página 3">
             <a:extLst>
               <a:ext uri="{FF2B5EF4-FFF2-40B4-BE49-F238E27FC236}">
-                <a16:creationId xmlns:a16="http://schemas.microsoft.com/office/drawing/2014/main" id="{BDDE91A7-D4F8-2E4D-A9BD-6AD412D433DC}"/>
+                <a16:creationId xmlns:a16="http://schemas.microsoft.com/office/drawing/2014/main" id="{18F56995-13B3-204A-B331-B4CE95F7AED3}"/>
               </a:ext>
             </a:extLst>
           </p:cNvPr>
@@ -9312,7 +9542,7 @@
     </p:spTree>
     <p:extLst>
       <p:ext uri="{BB962C8B-B14F-4D97-AF65-F5344CB8AC3E}">
-        <p14:creationId xmlns:p14="http://schemas.microsoft.com/office/powerpoint/2010/main" val="2158445742"/>
+        <p14:creationId xmlns:p14="http://schemas.microsoft.com/office/powerpoint/2010/main" val="1895953281"/>
       </p:ext>
     </p:extLst>
   </p:cSld>
@@ -9342,48 +9572,10 @@
       </p:grpSpPr>
       <p:sp>
         <p:nvSpPr>
-          <p:cNvPr id="6148" name="Rectangle 4"/>
-          <p:cNvSpPr>
-            <a:spLocks noGrp="1" noChangeArrowheads="1"/>
-          </p:cNvSpPr>
-          <p:nvPr>
-            <p:ph type="title"/>
-          </p:nvPr>
-        </p:nvSpPr>
-        <p:spPr/>
-        <p:txBody>
-          <a:bodyPr/>
-          <a:lstStyle/>
-          <a:p>
-            <a:endParaRPr lang="en-US" noProof="0" dirty="0"/>
-          </a:p>
-        </p:txBody>
-      </p:sp>
-      <p:sp>
-        <p:nvSpPr>
-          <p:cNvPr id="3" name="Marcador de contenido 2"/>
-          <p:cNvSpPr>
-            <a:spLocks noGrp="1"/>
-          </p:cNvSpPr>
-          <p:nvPr>
-            <p:ph sz="quarter" idx="1"/>
-          </p:nvPr>
-        </p:nvSpPr>
-        <p:spPr/>
-        <p:txBody>
-          <a:bodyPr/>
-          <a:lstStyle/>
-          <a:p>
-            <a:endParaRPr lang="es-ES" dirty="0"/>
-          </a:p>
-        </p:txBody>
-      </p:sp>
-      <p:sp>
-        <p:nvSpPr>
-          <p:cNvPr id="4" name="Marcador de pie de página 3">
+          <p:cNvPr id="2" name="Título 1">
             <a:extLst>
               <a:ext uri="{FF2B5EF4-FFF2-40B4-BE49-F238E27FC236}">
-                <a16:creationId xmlns:a16="http://schemas.microsoft.com/office/drawing/2014/main" id="{54F88E91-00E7-F84C-B398-50C6A0664C05}"/>
+                <a16:creationId xmlns:a16="http://schemas.microsoft.com/office/drawing/2014/main" id="{EDDB7FB3-AB0A-4780-9F6D-5EE0ECC19741}"/>
               </a:ext>
             </a:extLst>
           </p:cNvPr>
@@ -9391,6 +9583,77 @@
             <a:spLocks noGrp="1"/>
           </p:cNvSpPr>
           <p:nvPr>
+            <p:ph type="title"/>
+          </p:nvPr>
+        </p:nvSpPr>
+        <p:spPr>
+          <a:xfrm>
+            <a:off x="301752" y="262144"/>
+            <a:ext cx="8534400" cy="758952"/>
+          </a:xfrm>
+        </p:spPr>
+        <p:txBody>
+          <a:bodyPr>
+            <a:normAutofit fontScale="90000"/>
+          </a:bodyPr>
+          <a:lstStyle/>
+          <a:p>
+            <a:r>
+              <a:rPr lang="es-ES" dirty="0"/>
+              <a:t>Software </a:t>
+            </a:r>
+            <a:r>
+              <a:rPr lang="es-ES" dirty="0" err="1"/>
+              <a:t>engineering</a:t>
+            </a:r>
+            <a:r>
+              <a:rPr lang="es-ES" dirty="0"/>
+              <a:t> </a:t>
+            </a:r>
+            <a:r>
+              <a:rPr lang="es-ES" dirty="0" err="1"/>
+              <a:t>activities</a:t>
+            </a:r>
+            <a:br>
+              <a:rPr lang="es-ES" dirty="0"/>
+            </a:br>
+            <a:r>
+              <a:rPr lang="es-ES" dirty="0"/>
+              <a:t>(</a:t>
+            </a:r>
+            <a:r>
+              <a:rPr lang="es-ES" dirty="0" err="1"/>
+              <a:t>Principles</a:t>
+            </a:r>
+            <a:r>
+              <a:rPr lang="es-ES" dirty="0"/>
+              <a:t>/</a:t>
+            </a:r>
+            <a:r>
+              <a:rPr lang="es-ES" dirty="0" err="1"/>
+              <a:t>Patterns</a:t>
+            </a:r>
+            <a:r>
+              <a:rPr lang="es-ES" dirty="0"/>
+              <a:t>)</a:t>
+            </a:r>
+            <a:endParaRPr lang="en-GB" dirty="0"/>
+          </a:p>
+        </p:txBody>
+      </p:sp>
+      <p:sp>
+        <p:nvSpPr>
+          <p:cNvPr id="3" name="Marcador de pie de página 2">
+            <a:extLst>
+              <a:ext uri="{FF2B5EF4-FFF2-40B4-BE49-F238E27FC236}">
+                <a16:creationId xmlns:a16="http://schemas.microsoft.com/office/drawing/2014/main" id="{0A7B3FCE-D3D7-48D6-BD13-89A4D48DB0A1}"/>
+              </a:ext>
+            </a:extLst>
+          </p:cNvPr>
+          <p:cNvSpPr>
+            <a:spLocks noGrp="1"/>
+          </p:cNvSpPr>
+          <p:nvPr>
             <p:ph type="ftr" sz="quarter" idx="11"/>
           </p:nvPr>
         </p:nvSpPr>
@@ -9404,13 +9667,82 @@
               <a:t>Introduction to Software Engineering - Final Presentations</a:t>
             </a:r>
             <a:endParaRPr lang="en-US" dirty="0"/>
+          </a:p>
+        </p:txBody>
+      </p:sp>
+      <p:sp>
+        <p:nvSpPr>
+          <p:cNvPr id="4" name="Marcador de contenido 3">
+            <a:extLst>
+              <a:ext uri="{FF2B5EF4-FFF2-40B4-BE49-F238E27FC236}">
+                <a16:creationId xmlns:a16="http://schemas.microsoft.com/office/drawing/2014/main" id="{1C69F57B-8E0D-488D-8F28-4914A083C60B}"/>
+              </a:ext>
+            </a:extLst>
+          </p:cNvPr>
+          <p:cNvSpPr>
+            <a:spLocks noGrp="1"/>
+          </p:cNvSpPr>
+          <p:nvPr>
+            <p:ph sz="quarter" idx="1"/>
+          </p:nvPr>
+        </p:nvSpPr>
+        <p:spPr/>
+        <p:txBody>
+          <a:bodyPr/>
+          <a:lstStyle/>
+          <a:p>
+            <a:r>
+              <a:rPr lang="en-GB" dirty="0"/>
+              <a:t>Principles</a:t>
+            </a:r>
+          </a:p>
+          <a:p>
+            <a:pPr lvl="1"/>
+            <a:r>
+              <a:rPr lang="en-GB" dirty="0"/>
+              <a:t>Single responsibility principle (SRP)</a:t>
+            </a:r>
+          </a:p>
+          <a:p>
+            <a:pPr lvl="1"/>
+            <a:r>
+              <a:rPr lang="en-GB" dirty="0"/>
+              <a:t>Interface segregation principle (ISP)</a:t>
+            </a:r>
+          </a:p>
+          <a:p>
+            <a:pPr lvl="1"/>
+            <a:r>
+              <a:rPr lang="en-GB" dirty="0"/>
+              <a:t>Dependency inversion principle (DIP)</a:t>
+            </a:r>
+          </a:p>
+          <a:p>
+            <a:pPr lvl="1"/>
+            <a:r>
+              <a:rPr lang="en-GB" dirty="0"/>
+              <a:t>Don’t repeat yourself (DRY)</a:t>
+            </a:r>
+          </a:p>
+          <a:p>
+            <a:r>
+              <a:rPr lang="en-GB" dirty="0"/>
+              <a:t>Patterns</a:t>
+            </a:r>
+          </a:p>
+          <a:p>
+            <a:pPr lvl="1"/>
+            <a:r>
+              <a:rPr lang="en-GB" dirty="0"/>
+              <a:t>Singleton</a:t>
+            </a:r>
           </a:p>
         </p:txBody>
       </p:sp>
     </p:spTree>
     <p:extLst>
       <p:ext uri="{BB962C8B-B14F-4D97-AF65-F5344CB8AC3E}">
-        <p14:creationId xmlns:p14="http://schemas.microsoft.com/office/powerpoint/2010/main" val="3040751234"/>
+        <p14:creationId xmlns:p14="http://schemas.microsoft.com/office/powerpoint/2010/main" val="2857324025"/>
       </p:ext>
     </p:extLst>
   </p:cSld>
@@ -9440,39 +9772,69 @@
       </p:grpSpPr>
       <p:sp>
         <p:nvSpPr>
-          <p:cNvPr id="6148" name="Rectangle 4"/>
-          <p:cNvSpPr>
-            <a:spLocks noGrp="1" noChangeArrowheads="1"/>
+          <p:cNvPr id="5" name="Título 1">
+            <a:extLst>
+              <a:ext uri="{FF2B5EF4-FFF2-40B4-BE49-F238E27FC236}">
+                <a16:creationId xmlns:a16="http://schemas.microsoft.com/office/drawing/2014/main" id="{F8E42187-B76D-48AC-9008-C59DEF425347}"/>
+              </a:ext>
+            </a:extLst>
+          </p:cNvPr>
+          <p:cNvSpPr>
+            <a:spLocks noGrp="1"/>
           </p:cNvSpPr>
           <p:nvPr>
             <p:ph type="title"/>
           </p:nvPr>
         </p:nvSpPr>
-        <p:spPr/>
-        <p:txBody>
-          <a:bodyPr/>
-          <a:lstStyle/>
-          <a:p>
-            <a:endParaRPr lang="en-US" noProof="0" dirty="0"/>
-          </a:p>
-        </p:txBody>
-      </p:sp>
-      <p:sp>
-        <p:nvSpPr>
-          <p:cNvPr id="3" name="Marcador de contenido 2"/>
-          <p:cNvSpPr>
-            <a:spLocks noGrp="1"/>
-          </p:cNvSpPr>
-          <p:nvPr>
-            <p:ph sz="quarter" idx="1"/>
-          </p:nvPr>
-        </p:nvSpPr>
-        <p:spPr/>
-        <p:txBody>
-          <a:bodyPr/>
-          <a:lstStyle/>
-          <a:p>
-            <a:endParaRPr lang="es-ES" dirty="0"/>
+        <p:spPr>
+          <a:xfrm>
+            <a:off x="301752" y="228600"/>
+            <a:ext cx="8534400" cy="758952"/>
+          </a:xfrm>
+        </p:spPr>
+        <p:txBody>
+          <a:bodyPr anchor="b">
+            <a:normAutofit/>
+          </a:bodyPr>
+          <a:lstStyle/>
+          <a:p>
+            <a:pPr>
+              <a:lnSpc>
+                <a:spcPct val="90000"/>
+              </a:lnSpc>
+            </a:pPr>
+            <a:r>
+              <a:rPr lang="es-ES" sz="2300" dirty="0"/>
+              <a:t>Software </a:t>
+            </a:r>
+            <a:r>
+              <a:rPr lang="es-ES" sz="2300" dirty="0" err="1"/>
+              <a:t>engineering</a:t>
+            </a:r>
+            <a:r>
+              <a:rPr lang="es-ES" sz="2300" dirty="0"/>
+              <a:t> </a:t>
+            </a:r>
+            <a:r>
+              <a:rPr lang="es-ES" sz="2300" dirty="0" err="1"/>
+              <a:t>activities</a:t>
+            </a:r>
+            <a:br>
+              <a:rPr lang="es-ES" sz="2300" dirty="0"/>
+            </a:br>
+            <a:r>
+              <a:rPr lang="es-ES" sz="2300" dirty="0"/>
+              <a:t>(</a:t>
+            </a:r>
+            <a:r>
+              <a:rPr lang="es-ES" sz="2300" dirty="0" err="1"/>
+              <a:t>Testing</a:t>
+            </a:r>
+            <a:r>
+              <a:rPr lang="es-ES" sz="2300" dirty="0"/>
+              <a:t>)</a:t>
+            </a:r>
+            <a:endParaRPr lang="en-GB" sz="2300" dirty="0"/>
           </a:p>
         </p:txBody>
       </p:sp>
@@ -9481,7 +9843,7 @@
           <p:cNvPr id="4" name="Marcador de pie de página 3">
             <a:extLst>
               <a:ext uri="{FF2B5EF4-FFF2-40B4-BE49-F238E27FC236}">
-                <a16:creationId xmlns:a16="http://schemas.microsoft.com/office/drawing/2014/main" id="{56935F0E-3FD1-B24F-A00C-816208B3AA66}"/>
+                <a16:creationId xmlns:a16="http://schemas.microsoft.com/office/drawing/2014/main" id="{BDDE91A7-D4F8-2E4D-A9BD-6AD412D433DC}"/>
               </a:ext>
             </a:extLst>
           </p:cNvPr>
@@ -9492,23 +9854,117 @@
             <p:ph type="ftr" sz="quarter" idx="11"/>
           </p:nvPr>
         </p:nvSpPr>
-        <p:spPr/>
-        <p:txBody>
-          <a:bodyPr/>
-          <a:lstStyle/>
-          <a:p>
+        <p:spPr>
+          <a:xfrm>
+            <a:off x="304800" y="6410848"/>
+            <a:ext cx="5340096" cy="365760"/>
+          </a:xfrm>
+        </p:spPr>
+        <p:txBody>
+          <a:bodyPr>
+            <a:normAutofit/>
+          </a:bodyPr>
+          <a:lstStyle/>
+          <a:p>
+            <a:pPr>
+              <a:spcAft>
+                <a:spcPts val="600"/>
+              </a:spcAft>
+            </a:pPr>
             <a:r>
               <a:rPr lang="en"/>
               <a:t>Introduction to Software Engineering - Final Presentations</a:t>
             </a:r>
-            <a:endParaRPr lang="en-US" dirty="0"/>
-          </a:p>
-        </p:txBody>
-      </p:sp>
+            <a:endParaRPr lang="en-US"/>
+          </a:p>
+        </p:txBody>
+      </p:sp>
+      <p:sp>
+        <p:nvSpPr>
+          <p:cNvPr id="3" name="Marcador de contenido 2"/>
+          <p:cNvSpPr>
+            <a:spLocks noGrp="1"/>
+          </p:cNvSpPr>
+          <p:nvPr>
+            <p:ph sz="half" idx="1"/>
+          </p:nvPr>
+        </p:nvSpPr>
+        <p:spPr>
+          <a:xfrm>
+            <a:off x="301752" y="1371600"/>
+            <a:ext cx="4038600" cy="4681728"/>
+          </a:xfrm>
+        </p:spPr>
+        <p:txBody>
+          <a:bodyPr>
+            <a:normAutofit/>
+          </a:bodyPr>
+          <a:lstStyle/>
+          <a:p>
+            <a:r>
+              <a:rPr lang="es-ES" dirty="0"/>
+              <a:t>Test-</a:t>
+            </a:r>
+            <a:r>
+              <a:rPr lang="es-ES" dirty="0" err="1"/>
+              <a:t>driven</a:t>
+            </a:r>
+            <a:r>
+              <a:rPr lang="es-ES" dirty="0"/>
+              <a:t> </a:t>
+            </a:r>
+            <a:r>
+              <a:rPr lang="es-ES" dirty="0" err="1"/>
+              <a:t>development</a:t>
+            </a:r>
+            <a:r>
+              <a:rPr lang="es-ES" dirty="0"/>
+              <a:t> (TDD)</a:t>
+            </a:r>
+          </a:p>
+        </p:txBody>
+      </p:sp>
+      <p:pic>
+        <p:nvPicPr>
+          <p:cNvPr id="8" name="Imagen 7" descr="Diagrama&#10;&#10;Descripción generada automáticamente">
+            <a:extLst>
+              <a:ext uri="{FF2B5EF4-FFF2-40B4-BE49-F238E27FC236}">
+                <a16:creationId xmlns:a16="http://schemas.microsoft.com/office/drawing/2014/main" id="{CC5D1FE8-A97A-4C96-A86B-81CB987843BF}"/>
+              </a:ext>
+            </a:extLst>
+          </p:cNvPr>
+          <p:cNvPicPr>
+            <a:picLocks noChangeAspect="1"/>
+          </p:cNvPicPr>
+          <p:nvPr/>
+        </p:nvPicPr>
+        <p:blipFill>
+          <a:blip r:embed="rId3" cstate="email">
+            <a:extLst>
+              <a:ext uri="{28A0092B-C50C-407E-A947-70E740481C1C}">
+                <a14:useLocalDpi xmlns:a14="http://schemas.microsoft.com/office/drawing/2010/main" val="0"/>
+              </a:ext>
+            </a:extLst>
+          </a:blip>
+          <a:stretch>
+            <a:fillRect/>
+          </a:stretch>
+        </p:blipFill>
+        <p:spPr>
+          <a:xfrm>
+            <a:off x="4988174" y="1371600"/>
+            <a:ext cx="3663451" cy="4681728"/>
+          </a:xfrm>
+          <a:prstGeom prst="rect">
+            <a:avLst/>
+          </a:prstGeom>
+          <a:noFill/>
+        </p:spPr>
+      </p:pic>
     </p:spTree>
     <p:extLst>
       <p:ext uri="{BB962C8B-B14F-4D97-AF65-F5344CB8AC3E}">
-        <p14:creationId xmlns:p14="http://schemas.microsoft.com/office/powerpoint/2010/main" val="3595600727"/>
+        <p14:creationId xmlns:p14="http://schemas.microsoft.com/office/powerpoint/2010/main" val="2158445742"/>
       </p:ext>
     </p:extLst>
   </p:cSld>
@@ -9546,30 +10002,123 @@
             <p:ph type="title"/>
           </p:nvPr>
         </p:nvSpPr>
+        <p:spPr>
+          <a:xfrm>
+            <a:off x="301752" y="262144"/>
+            <a:ext cx="8534400" cy="758952"/>
+          </a:xfrm>
+        </p:spPr>
+        <p:txBody>
+          <a:bodyPr>
+            <a:normAutofit fontScale="90000"/>
+          </a:bodyPr>
+          <a:lstStyle/>
+          <a:p>
+            <a:r>
+              <a:rPr lang="en-US" noProof="0" dirty="0"/>
+              <a:t>Development/Deployment</a:t>
+            </a:r>
+            <a:br>
+              <a:rPr lang="en-US" noProof="0" dirty="0"/>
+            </a:br>
+            <a:r>
+              <a:rPr lang="en-US" noProof="0" dirty="0"/>
+              <a:t>(Strategy and tools)</a:t>
+            </a:r>
+          </a:p>
+        </p:txBody>
+      </p:sp>
+      <p:sp>
+        <p:nvSpPr>
+          <p:cNvPr id="3" name="Marcador de contenido 2"/>
+          <p:cNvSpPr>
+            <a:spLocks noGrp="1"/>
+          </p:cNvSpPr>
+          <p:nvPr>
+            <p:ph sz="quarter" idx="1"/>
+          </p:nvPr>
+        </p:nvSpPr>
         <p:spPr/>
         <p:txBody>
           <a:bodyPr/>
           <a:lstStyle/>
           <a:p>
-            <a:endParaRPr lang="en-US" noProof="0" dirty="0"/>
-          </a:p>
-        </p:txBody>
-      </p:sp>
-      <p:sp>
-        <p:nvSpPr>
-          <p:cNvPr id="3" name="Marcador de contenido 2"/>
-          <p:cNvSpPr>
-            <a:spLocks noGrp="1"/>
-          </p:cNvSpPr>
-          <p:nvPr>
-            <p:ph sz="quarter" idx="1"/>
-          </p:nvPr>
-        </p:nvSpPr>
-        <p:spPr/>
-        <p:txBody>
-          <a:bodyPr/>
-          <a:lstStyle/>
-          <a:p>
+            <a:r>
+              <a:rPr lang="es-ES" dirty="0" err="1"/>
+              <a:t>Upper</a:t>
+            </a:r>
+            <a:r>
+              <a:rPr lang="es-ES" dirty="0"/>
+              <a:t>-CASE </a:t>
+            </a:r>
+            <a:r>
+              <a:rPr lang="es-ES" dirty="0" err="1"/>
+              <a:t>tools</a:t>
+            </a:r>
+            <a:endParaRPr lang="es-ES" dirty="0"/>
+          </a:p>
+          <a:p>
+            <a:pPr lvl="1"/>
+            <a:r>
+              <a:rPr lang="es-ES" dirty="0" err="1"/>
+              <a:t>MagicDraw</a:t>
+            </a:r>
+            <a:endParaRPr lang="es-ES" dirty="0"/>
+          </a:p>
+          <a:p>
+            <a:pPr lvl="1"/>
+            <a:r>
+              <a:rPr lang="es-ES" dirty="0" err="1"/>
+              <a:t>Discord</a:t>
+            </a:r>
+            <a:endParaRPr lang="es-ES" dirty="0"/>
+          </a:p>
+          <a:p>
+            <a:r>
+              <a:rPr lang="es-ES" dirty="0" err="1"/>
+              <a:t>Lower</a:t>
+            </a:r>
+            <a:r>
+              <a:rPr lang="es-ES" dirty="0"/>
+              <a:t>-CASE </a:t>
+            </a:r>
+            <a:r>
+              <a:rPr lang="es-ES" dirty="0" err="1"/>
+              <a:t>tools</a:t>
+            </a:r>
+            <a:endParaRPr lang="es-ES" dirty="0"/>
+          </a:p>
+          <a:p>
+            <a:pPr lvl="1"/>
+            <a:r>
+              <a:rPr lang="es-ES" dirty="0"/>
+              <a:t>Eclipse</a:t>
+            </a:r>
+          </a:p>
+          <a:p>
+            <a:pPr lvl="1"/>
+            <a:r>
+              <a:rPr lang="es-ES" dirty="0"/>
+              <a:t>GitHub</a:t>
+            </a:r>
+          </a:p>
+          <a:p>
+            <a:pPr lvl="1"/>
+            <a:r>
+              <a:rPr lang="es-ES" dirty="0"/>
+              <a:t>Spring</a:t>
+            </a:r>
+          </a:p>
+          <a:p>
+            <a:pPr lvl="1"/>
+            <a:r>
+              <a:rPr lang="es-ES" dirty="0"/>
+              <a:t>Spring </a:t>
+            </a:r>
+            <a:r>
+              <a:rPr lang="es-ES" dirty="0" err="1"/>
+              <a:t>Boot</a:t>
+            </a:r>
             <a:endParaRPr lang="es-ES" dirty="0"/>
           </a:p>
         </p:txBody>
@@ -9579,7 +10128,7 @@
           <p:cNvPr id="4" name="Marcador de pie de página 3">
             <a:extLst>
               <a:ext uri="{FF2B5EF4-FFF2-40B4-BE49-F238E27FC236}">
-                <a16:creationId xmlns:a16="http://schemas.microsoft.com/office/drawing/2014/main" id="{4A3599CF-A4EA-914E-A8F1-F7DACD2F2BCE}"/>
+                <a16:creationId xmlns:a16="http://schemas.microsoft.com/office/drawing/2014/main" id="{54F88E91-00E7-F84C-B398-50C6A0664C05}"/>
               </a:ext>
             </a:extLst>
           </p:cNvPr>
@@ -9603,10 +10152,226 @@
           </a:p>
         </p:txBody>
       </p:sp>
+      <p:pic>
+        <p:nvPicPr>
+          <p:cNvPr id="5" name="Imagen 4" descr="Icono&#10;&#10;Descripción generada automáticamente">
+            <a:extLst>
+              <a:ext uri="{FF2B5EF4-FFF2-40B4-BE49-F238E27FC236}">
+                <a16:creationId xmlns:a16="http://schemas.microsoft.com/office/drawing/2014/main" id="{B7ED12AB-B510-472F-87FA-0497CF10C5EB}"/>
+              </a:ext>
+            </a:extLst>
+          </p:cNvPr>
+          <p:cNvPicPr>
+            <a:picLocks noChangeAspect="1"/>
+          </p:cNvPicPr>
+          <p:nvPr/>
+        </p:nvPicPr>
+        <p:blipFill>
+          <a:blip r:embed="rId3" cstate="email">
+            <a:extLst>
+              <a:ext uri="{28A0092B-C50C-407E-A947-70E740481C1C}">
+                <a14:useLocalDpi xmlns:a14="http://schemas.microsoft.com/office/drawing/2010/main" val="0"/>
+              </a:ext>
+            </a:extLst>
+          </a:blip>
+          <a:stretch>
+            <a:fillRect/>
+          </a:stretch>
+        </p:blipFill>
+        <p:spPr>
+          <a:xfrm>
+            <a:off x="6841118" y="2020797"/>
+            <a:ext cx="1634791" cy="1634791"/>
+          </a:xfrm>
+          <a:prstGeom prst="rect">
+            <a:avLst/>
+          </a:prstGeom>
+        </p:spPr>
+      </p:pic>
+      <p:pic>
+        <p:nvPicPr>
+          <p:cNvPr id="7" name="Imagen 6" descr="Imagen que contiene nombre de la empresa&#10;&#10;Descripción generada automáticamente">
+            <a:extLst>
+              <a:ext uri="{FF2B5EF4-FFF2-40B4-BE49-F238E27FC236}">
+                <a16:creationId xmlns:a16="http://schemas.microsoft.com/office/drawing/2014/main" id="{5C0E3228-E354-4B8D-B70C-1E2D680C917E}"/>
+              </a:ext>
+            </a:extLst>
+          </p:cNvPr>
+          <p:cNvPicPr>
+            <a:picLocks noChangeAspect="1"/>
+          </p:cNvPicPr>
+          <p:nvPr/>
+        </p:nvPicPr>
+        <p:blipFill>
+          <a:blip r:embed="rId4" cstate="email">
+            <a:extLst>
+              <a:ext uri="{28A0092B-C50C-407E-A947-70E740481C1C}">
+                <a14:useLocalDpi xmlns:a14="http://schemas.microsoft.com/office/drawing/2010/main" val="0"/>
+              </a:ext>
+            </a:extLst>
+          </a:blip>
+          <a:stretch>
+            <a:fillRect/>
+          </a:stretch>
+        </p:blipFill>
+        <p:spPr>
+          <a:xfrm>
+            <a:off x="6220955" y="3935598"/>
+            <a:ext cx="1240326" cy="1162805"/>
+          </a:xfrm>
+          <a:prstGeom prst="rect">
+            <a:avLst/>
+          </a:prstGeom>
+        </p:spPr>
+      </p:pic>
+      <p:pic>
+        <p:nvPicPr>
+          <p:cNvPr id="9" name="Imagen 8" descr="Icono&#10;&#10;Descripción generada automáticamente">
+            <a:extLst>
+              <a:ext uri="{FF2B5EF4-FFF2-40B4-BE49-F238E27FC236}">
+                <a16:creationId xmlns:a16="http://schemas.microsoft.com/office/drawing/2014/main" id="{29B9F176-F156-46B3-B38F-746172EB6036}"/>
+              </a:ext>
+            </a:extLst>
+          </p:cNvPr>
+          <p:cNvPicPr>
+            <a:picLocks noChangeAspect="1"/>
+          </p:cNvPicPr>
+          <p:nvPr/>
+        </p:nvPicPr>
+        <p:blipFill>
+          <a:blip r:embed="rId5" cstate="email">
+            <a:extLst>
+              <a:ext uri="{28A0092B-C50C-407E-A947-70E740481C1C}">
+                <a14:useLocalDpi xmlns:a14="http://schemas.microsoft.com/office/drawing/2010/main" val="0"/>
+              </a:ext>
+            </a:extLst>
+          </a:blip>
+          <a:stretch>
+            <a:fillRect/>
+          </a:stretch>
+        </p:blipFill>
+        <p:spPr>
+          <a:xfrm>
+            <a:off x="4444768" y="1247038"/>
+            <a:ext cx="1913305" cy="1913305"/>
+          </a:xfrm>
+          <a:prstGeom prst="rect">
+            <a:avLst/>
+          </a:prstGeom>
+        </p:spPr>
+      </p:pic>
+      <p:pic>
+        <p:nvPicPr>
+          <p:cNvPr id="11" name="Imagen 10" descr="Logotipo&#10;&#10;Descripción generada automáticamente">
+            <a:extLst>
+              <a:ext uri="{FF2B5EF4-FFF2-40B4-BE49-F238E27FC236}">
+                <a16:creationId xmlns:a16="http://schemas.microsoft.com/office/drawing/2014/main" id="{34DAF943-FA15-460B-A2E5-32CED061EEB5}"/>
+              </a:ext>
+            </a:extLst>
+          </p:cNvPr>
+          <p:cNvPicPr>
+            <a:picLocks noChangeAspect="1"/>
+          </p:cNvPicPr>
+          <p:nvPr/>
+        </p:nvPicPr>
+        <p:blipFill>
+          <a:blip r:embed="rId6" cstate="email">
+            <a:extLst>
+              <a:ext uri="{28A0092B-C50C-407E-A947-70E740481C1C}">
+                <a14:useLocalDpi xmlns:a14="http://schemas.microsoft.com/office/drawing/2010/main" val="0"/>
+              </a:ext>
+            </a:extLst>
+          </a:blip>
+          <a:stretch>
+            <a:fillRect/>
+          </a:stretch>
+        </p:blipFill>
+        <p:spPr>
+          <a:xfrm>
+            <a:off x="7201361" y="4781330"/>
+            <a:ext cx="1634791" cy="1634791"/>
+          </a:xfrm>
+          <a:prstGeom prst="rect">
+            <a:avLst/>
+          </a:prstGeom>
+        </p:spPr>
+      </p:pic>
+      <p:pic>
+        <p:nvPicPr>
+          <p:cNvPr id="13" name="Imagen 12" descr="Imagen que contiene monitor, edificio, azul, televisión&#10;&#10;Descripción generada automáticamente">
+            <a:extLst>
+              <a:ext uri="{FF2B5EF4-FFF2-40B4-BE49-F238E27FC236}">
+                <a16:creationId xmlns:a16="http://schemas.microsoft.com/office/drawing/2014/main" id="{41F0444B-1044-4CE4-B772-866448FFA919}"/>
+              </a:ext>
+            </a:extLst>
+          </p:cNvPr>
+          <p:cNvPicPr>
+            <a:picLocks noChangeAspect="1"/>
+          </p:cNvPicPr>
+          <p:nvPr/>
+        </p:nvPicPr>
+        <p:blipFill>
+          <a:blip r:embed="rId7" cstate="email">
+            <a:extLst>
+              <a:ext uri="{28A0092B-C50C-407E-A947-70E740481C1C}">
+                <a14:useLocalDpi xmlns:a14="http://schemas.microsoft.com/office/drawing/2010/main" val="0"/>
+              </a:ext>
+            </a:extLst>
+          </a:blip>
+          <a:stretch>
+            <a:fillRect/>
+          </a:stretch>
+        </p:blipFill>
+        <p:spPr>
+          <a:xfrm>
+            <a:off x="4232072" y="3160343"/>
+            <a:ext cx="1412824" cy="1412824"/>
+          </a:xfrm>
+          <a:prstGeom prst="rect">
+            <a:avLst/>
+          </a:prstGeom>
+        </p:spPr>
+      </p:pic>
+      <p:pic>
+        <p:nvPicPr>
+          <p:cNvPr id="15" name="Imagen 14" descr="Icono&#10;&#10;Descripción generada automáticamente">
+            <a:extLst>
+              <a:ext uri="{FF2B5EF4-FFF2-40B4-BE49-F238E27FC236}">
+                <a16:creationId xmlns:a16="http://schemas.microsoft.com/office/drawing/2014/main" id="{8AD3D3F4-8C6A-4257-8D08-7C816DB441C0}"/>
+              </a:ext>
+            </a:extLst>
+          </p:cNvPr>
+          <p:cNvPicPr>
+            <a:picLocks noChangeAspect="1"/>
+          </p:cNvPicPr>
+          <p:nvPr/>
+        </p:nvPicPr>
+        <p:blipFill>
+          <a:blip r:embed="rId8" cstate="email">
+            <a:extLst>
+              <a:ext uri="{28A0092B-C50C-407E-A947-70E740481C1C}">
+                <a14:useLocalDpi xmlns:a14="http://schemas.microsoft.com/office/drawing/2010/main" val="0"/>
+              </a:ext>
+            </a:extLst>
+          </a:blip>
+          <a:stretch>
+            <a:fillRect/>
+          </a:stretch>
+        </p:blipFill>
+        <p:spPr>
+          <a:xfrm>
+            <a:off x="4920274" y="4903556"/>
+            <a:ext cx="1300681" cy="1300681"/>
+          </a:xfrm>
+          <a:prstGeom prst="rect">
+            <a:avLst/>
+          </a:prstGeom>
+        </p:spPr>
+      </p:pic>
     </p:spTree>
     <p:extLst>
       <p:ext uri="{BB962C8B-B14F-4D97-AF65-F5344CB8AC3E}">
-        <p14:creationId xmlns:p14="http://schemas.microsoft.com/office/powerpoint/2010/main" val="1051367934"/>
+        <p14:creationId xmlns:p14="http://schemas.microsoft.com/office/powerpoint/2010/main" val="3040751234"/>
       </p:ext>
     </p:extLst>
   </p:cSld>
@@ -9644,31 +10409,237 @@
             <p:ph type="title"/>
           </p:nvPr>
         </p:nvSpPr>
+        <p:spPr>
+          <a:xfrm>
+            <a:off x="392287" y="301027"/>
+            <a:ext cx="8534400" cy="758952"/>
+          </a:xfrm>
+        </p:spPr>
+        <p:txBody>
+          <a:bodyPr>
+            <a:normAutofit fontScale="90000"/>
+          </a:bodyPr>
+          <a:lstStyle/>
+          <a:p>
+            <a:r>
+              <a:rPr lang="en-US" noProof="0" dirty="0"/>
+              <a:t>Development/Deployment</a:t>
+            </a:r>
+            <a:br>
+              <a:rPr lang="en-US" noProof="0" dirty="0"/>
+            </a:br>
+            <a:r>
+              <a:rPr lang="en-US" noProof="0" dirty="0"/>
+              <a:t>(Strategy and tools)</a:t>
+            </a:r>
+          </a:p>
+        </p:txBody>
+      </p:sp>
+      <p:sp>
+        <p:nvSpPr>
+          <p:cNvPr id="3" name="Marcador de contenido 2"/>
+          <p:cNvSpPr>
+            <a:spLocks noGrp="1"/>
+          </p:cNvSpPr>
+          <p:nvPr>
+            <p:ph sz="quarter" idx="1"/>
+          </p:nvPr>
+        </p:nvSpPr>
         <p:spPr/>
         <p:txBody>
           <a:bodyPr/>
           <a:lstStyle/>
           <a:p>
-            <a:endParaRPr lang="en-US" noProof="0" dirty="0"/>
-          </a:p>
-        </p:txBody>
-      </p:sp>
-      <p:sp>
-        <p:nvSpPr>
-          <p:cNvPr id="3" name="Marcador de contenido 2"/>
-          <p:cNvSpPr>
-            <a:spLocks noGrp="1"/>
-          </p:cNvSpPr>
-          <p:nvPr>
-            <p:ph sz="quarter" idx="1"/>
-          </p:nvPr>
-        </p:nvSpPr>
-        <p:spPr/>
-        <p:txBody>
-          <a:bodyPr/>
-          <a:lstStyle/>
-          <a:p>
+            <a:r>
+              <a:rPr lang="es-ES" dirty="0" err="1"/>
+              <a:t>Strategy</a:t>
+            </a:r>
             <a:endParaRPr lang="es-ES" dirty="0"/>
+          </a:p>
+          <a:p>
+            <a:pPr lvl="1"/>
+            <a:r>
+              <a:rPr lang="es-ES" dirty="0" err="1"/>
+              <a:t>Tasks</a:t>
+            </a:r>
+            <a:r>
+              <a:rPr lang="es-ES" dirty="0"/>
+              <a:t> </a:t>
+            </a:r>
+            <a:r>
+              <a:rPr lang="es-ES" dirty="0" err="1"/>
+              <a:t>sorted</a:t>
+            </a:r>
+            <a:r>
+              <a:rPr lang="es-ES" dirty="0"/>
+              <a:t> </a:t>
+            </a:r>
+            <a:r>
+              <a:rPr lang="es-ES" dirty="0" err="1"/>
+              <a:t>out</a:t>
+            </a:r>
+            <a:r>
+              <a:rPr lang="es-ES" dirty="0"/>
+              <a:t> </a:t>
+            </a:r>
+            <a:r>
+              <a:rPr lang="es-ES" dirty="0" err="1"/>
+              <a:t>into</a:t>
+            </a:r>
+            <a:r>
+              <a:rPr lang="es-ES" dirty="0"/>
+              <a:t> </a:t>
+            </a:r>
+            <a:r>
+              <a:rPr lang="es-ES" dirty="0" err="1"/>
+              <a:t>different</a:t>
+            </a:r>
+            <a:r>
+              <a:rPr lang="es-ES" dirty="0"/>
+              <a:t> </a:t>
+            </a:r>
+            <a:r>
+              <a:rPr lang="es-ES" dirty="0" err="1"/>
+              <a:t>groups</a:t>
+            </a:r>
+            <a:r>
+              <a:rPr lang="es-ES" dirty="0"/>
+              <a:t>.</a:t>
+            </a:r>
+          </a:p>
+          <a:p>
+            <a:pPr lvl="1"/>
+            <a:r>
+              <a:rPr lang="es-ES" dirty="0" err="1"/>
+              <a:t>Each</a:t>
+            </a:r>
+            <a:r>
+              <a:rPr lang="es-ES" dirty="0"/>
+              <a:t> </a:t>
+            </a:r>
+            <a:r>
+              <a:rPr lang="es-ES" dirty="0" err="1"/>
+              <a:t>group</a:t>
+            </a:r>
+            <a:r>
+              <a:rPr lang="es-ES" dirty="0"/>
+              <a:t> </a:t>
+            </a:r>
+            <a:r>
+              <a:rPr lang="es-ES" dirty="0" err="1"/>
+              <a:t>covers</a:t>
+            </a:r>
+            <a:r>
+              <a:rPr lang="es-ES" dirty="0"/>
+              <a:t> a </a:t>
+            </a:r>
+            <a:r>
+              <a:rPr lang="es-ES" dirty="0" err="1"/>
+              <a:t>specific</a:t>
+            </a:r>
+            <a:r>
+              <a:rPr lang="es-ES" dirty="0"/>
+              <a:t> </a:t>
+            </a:r>
+            <a:r>
+              <a:rPr lang="es-ES" dirty="0" err="1"/>
+              <a:t>domain</a:t>
+            </a:r>
+            <a:r>
+              <a:rPr lang="es-ES" dirty="0"/>
+              <a:t> (</a:t>
+            </a:r>
+            <a:r>
+              <a:rPr lang="es-ES" dirty="0" err="1"/>
+              <a:t>Programming</a:t>
+            </a:r>
+            <a:r>
+              <a:rPr lang="es-ES" dirty="0"/>
+              <a:t>, </a:t>
+            </a:r>
+            <a:r>
+              <a:rPr lang="es-ES" dirty="0" err="1"/>
+              <a:t>Design</a:t>
+            </a:r>
+            <a:r>
+              <a:rPr lang="es-ES" dirty="0"/>
+              <a:t>…).</a:t>
+            </a:r>
+          </a:p>
+          <a:p>
+            <a:pPr lvl="1"/>
+            <a:r>
+              <a:rPr lang="es-ES" dirty="0" err="1"/>
+              <a:t>Members</a:t>
+            </a:r>
+            <a:r>
+              <a:rPr lang="es-ES" dirty="0"/>
+              <a:t> are </a:t>
+            </a:r>
+            <a:r>
+              <a:rPr lang="es-ES" dirty="0" err="1"/>
+              <a:t>encouraged</a:t>
+            </a:r>
+            <a:r>
+              <a:rPr lang="es-ES" dirty="0"/>
+              <a:t> </a:t>
+            </a:r>
+            <a:r>
+              <a:rPr lang="es-ES" dirty="0" err="1"/>
+              <a:t>to</a:t>
+            </a:r>
+            <a:r>
+              <a:rPr lang="es-ES" dirty="0"/>
+              <a:t> </a:t>
+            </a:r>
+            <a:r>
+              <a:rPr lang="es-ES" dirty="0" err="1"/>
+              <a:t>help</a:t>
+            </a:r>
+            <a:r>
+              <a:rPr lang="es-ES" dirty="0"/>
+              <a:t> </a:t>
+            </a:r>
+            <a:r>
+              <a:rPr lang="es-ES" dirty="0" err="1"/>
+              <a:t>others</a:t>
+            </a:r>
+            <a:r>
+              <a:rPr lang="es-ES" dirty="0"/>
+              <a:t> </a:t>
+            </a:r>
+            <a:r>
+              <a:rPr lang="es-ES" dirty="0" err="1"/>
+              <a:t>regardless</a:t>
+            </a:r>
+            <a:r>
+              <a:rPr lang="es-ES" dirty="0"/>
+              <a:t> </a:t>
+            </a:r>
+            <a:r>
+              <a:rPr lang="es-ES" dirty="0" err="1"/>
+              <a:t>of</a:t>
+            </a:r>
+            <a:r>
+              <a:rPr lang="es-ES" dirty="0"/>
+              <a:t> </a:t>
+            </a:r>
+            <a:r>
+              <a:rPr lang="es-ES" dirty="0" err="1"/>
+              <a:t>the</a:t>
+            </a:r>
+            <a:r>
+              <a:rPr lang="es-ES" dirty="0"/>
+              <a:t> </a:t>
+            </a:r>
+            <a:r>
+              <a:rPr lang="es-ES" dirty="0" err="1"/>
+              <a:t>domain</a:t>
+            </a:r>
+            <a:r>
+              <a:rPr lang="es-ES" dirty="0"/>
+              <a:t>.</a:t>
+            </a:r>
           </a:p>
         </p:txBody>
       </p:sp>
@@ -9677,7 +10648,7 @@
           <p:cNvPr id="4" name="Marcador de pie de página 3">
             <a:extLst>
               <a:ext uri="{FF2B5EF4-FFF2-40B4-BE49-F238E27FC236}">
-                <a16:creationId xmlns:a16="http://schemas.microsoft.com/office/drawing/2014/main" id="{D35142AB-08DA-E14A-AF1C-7BD7E9FBC720}"/>
+                <a16:creationId xmlns:a16="http://schemas.microsoft.com/office/drawing/2014/main" id="{56935F0E-3FD1-B24F-A00C-816208B3AA66}"/>
               </a:ext>
             </a:extLst>
           </p:cNvPr>
@@ -9701,10 +10672,45 @@
           </a:p>
         </p:txBody>
       </p:sp>
+      <p:pic>
+        <p:nvPicPr>
+          <p:cNvPr id="5" name="Imagen 4" descr="Una caricatura de una persona&#10;&#10;Descripción generada automáticamente con confianza baja">
+            <a:extLst>
+              <a:ext uri="{FF2B5EF4-FFF2-40B4-BE49-F238E27FC236}">
+                <a16:creationId xmlns:a16="http://schemas.microsoft.com/office/drawing/2014/main" id="{705E6902-D8B2-4A68-A3A6-33B240D16447}"/>
+              </a:ext>
+            </a:extLst>
+          </p:cNvPr>
+          <p:cNvPicPr>
+            <a:picLocks noChangeAspect="1"/>
+          </p:cNvPicPr>
+          <p:nvPr/>
+        </p:nvPicPr>
+        <p:blipFill rotWithShape="1">
+          <a:blip r:embed="rId3" cstate="email">
+            <a:extLst>
+              <a:ext uri="{28A0092B-C50C-407E-A947-70E740481C1C}">
+                <a14:useLocalDpi xmlns:a14="http://schemas.microsoft.com/office/drawing/2010/main" val="0"/>
+              </a:ext>
+            </a:extLst>
+          </a:blip>
+          <a:srcRect b="51337"/>
+          <a:stretch/>
+        </p:blipFill>
+        <p:spPr>
+          <a:xfrm>
+            <a:off x="301752" y="4005906"/>
+            <a:ext cx="8534401" cy="1797113"/>
+          </a:xfrm>
+          <a:prstGeom prst="rect">
+            <a:avLst/>
+          </a:prstGeom>
+        </p:spPr>
+      </p:pic>
     </p:spTree>
     <p:extLst>
       <p:ext uri="{BB962C8B-B14F-4D97-AF65-F5344CB8AC3E}">
-        <p14:creationId xmlns:p14="http://schemas.microsoft.com/office/powerpoint/2010/main" val="2593276849"/>
+        <p14:creationId xmlns:p14="http://schemas.microsoft.com/office/powerpoint/2010/main" val="3595600727"/>
       </p:ext>
     </p:extLst>
   </p:cSld>
@@ -9775,7 +10781,7 @@
           <p:cNvPr id="4" name="Marcador de pie de página 3">
             <a:extLst>
               <a:ext uri="{FF2B5EF4-FFF2-40B4-BE49-F238E27FC236}">
-                <a16:creationId xmlns:a16="http://schemas.microsoft.com/office/drawing/2014/main" id="{815D3226-5CF0-6D42-AD4F-3ADC23B3574D}"/>
+                <a16:creationId xmlns:a16="http://schemas.microsoft.com/office/drawing/2014/main" id="{4A3599CF-A4EA-914E-A8F1-F7DACD2F2BCE}"/>
               </a:ext>
             </a:extLst>
           </p:cNvPr>
@@ -9802,7 +10808,7 @@
     </p:spTree>
     <p:extLst>
       <p:ext uri="{BB962C8B-B14F-4D97-AF65-F5344CB8AC3E}">
-        <p14:creationId xmlns:p14="http://schemas.microsoft.com/office/powerpoint/2010/main" val="2331113404"/>
+        <p14:creationId xmlns:p14="http://schemas.microsoft.com/office/powerpoint/2010/main" val="1051367934"/>
       </p:ext>
     </p:extLst>
   </p:cSld>
@@ -9873,7 +10879,7 @@
           <p:cNvPr id="4" name="Marcador de pie de página 3">
             <a:extLst>
               <a:ext uri="{FF2B5EF4-FFF2-40B4-BE49-F238E27FC236}">
-                <a16:creationId xmlns:a16="http://schemas.microsoft.com/office/drawing/2014/main" id="{1BDE6D73-1B46-A842-9097-02AB234BE84B}"/>
+                <a16:creationId xmlns:a16="http://schemas.microsoft.com/office/drawing/2014/main" id="{D35142AB-08DA-E14A-AF1C-7BD7E9FBC720}"/>
               </a:ext>
             </a:extLst>
           </p:cNvPr>
@@ -9900,7 +10906,7 @@
     </p:spTree>
     <p:extLst>
       <p:ext uri="{BB962C8B-B14F-4D97-AF65-F5344CB8AC3E}">
-        <p14:creationId xmlns:p14="http://schemas.microsoft.com/office/powerpoint/2010/main" val="1276898751"/>
+        <p14:creationId xmlns:p14="http://schemas.microsoft.com/office/powerpoint/2010/main" val="2593276849"/>
       </p:ext>
     </p:extLst>
   </p:cSld>
@@ -9971,7 +10977,7 @@
           <p:cNvPr id="4" name="Marcador de pie de página 3">
             <a:extLst>
               <a:ext uri="{FF2B5EF4-FFF2-40B4-BE49-F238E27FC236}">
-                <a16:creationId xmlns:a16="http://schemas.microsoft.com/office/drawing/2014/main" id="{71247F06-A509-4F4C-A224-AC6BB090C011}"/>
+                <a16:creationId xmlns:a16="http://schemas.microsoft.com/office/drawing/2014/main" id="{815D3226-5CF0-6D42-AD4F-3ADC23B3574D}"/>
               </a:ext>
             </a:extLst>
           </p:cNvPr>
@@ -9998,7 +11004,7 @@
     </p:spTree>
     <p:extLst>
       <p:ext uri="{BB962C8B-B14F-4D97-AF65-F5344CB8AC3E}">
-        <p14:creationId xmlns:p14="http://schemas.microsoft.com/office/powerpoint/2010/main" val="86029665"/>
+        <p14:creationId xmlns:p14="http://schemas.microsoft.com/office/powerpoint/2010/main" val="2331113404"/>
       </p:ext>
     </p:extLst>
   </p:cSld>
@@ -10069,7 +11075,7 @@
           <p:cNvPr id="4" name="Marcador de pie de página 3">
             <a:extLst>
               <a:ext uri="{FF2B5EF4-FFF2-40B4-BE49-F238E27FC236}">
-                <a16:creationId xmlns:a16="http://schemas.microsoft.com/office/drawing/2014/main" id="{00E4EA28-BCDE-BB4E-8F72-981B002C0EA4}"/>
+                <a16:creationId xmlns:a16="http://schemas.microsoft.com/office/drawing/2014/main" id="{1BDE6D73-1B46-A842-9097-02AB234BE84B}"/>
               </a:ext>
             </a:extLst>
           </p:cNvPr>
@@ -10096,7 +11102,7 @@
     </p:spTree>
     <p:extLst>
       <p:ext uri="{BB962C8B-B14F-4D97-AF65-F5344CB8AC3E}">
-        <p14:creationId xmlns:p14="http://schemas.microsoft.com/office/powerpoint/2010/main" val="2900760504"/>
+        <p14:creationId xmlns:p14="http://schemas.microsoft.com/office/powerpoint/2010/main" val="1276898751"/>
       </p:ext>
     </p:extLst>
   </p:cSld>
@@ -10167,7 +11173,7 @@
           <p:cNvPr id="4" name="Marcador de pie de página 3">
             <a:extLst>
               <a:ext uri="{FF2B5EF4-FFF2-40B4-BE49-F238E27FC236}">
-                <a16:creationId xmlns:a16="http://schemas.microsoft.com/office/drawing/2014/main" id="{EF2929E0-FE95-514D-9C78-F2B11522259F}"/>
+                <a16:creationId xmlns:a16="http://schemas.microsoft.com/office/drawing/2014/main" id="{71247F06-A509-4F4C-A224-AC6BB090C011}"/>
               </a:ext>
             </a:extLst>
           </p:cNvPr>
@@ -10194,7 +11200,7 @@
     </p:spTree>
     <p:extLst>
       <p:ext uri="{BB962C8B-B14F-4D97-AF65-F5344CB8AC3E}">
-        <p14:creationId xmlns:p14="http://schemas.microsoft.com/office/powerpoint/2010/main" val="3653626399"/>
+        <p14:creationId xmlns:p14="http://schemas.microsoft.com/office/powerpoint/2010/main" val="86029665"/>
       </p:ext>
     </p:extLst>
   </p:cSld>
@@ -10239,7 +11245,7 @@
           <a:p>
             <a:r>
               <a:rPr lang="en-US" noProof="0" dirty="0"/>
-              <a:t>Recommended Contents</a:t>
+              <a:t>Contents</a:t>
             </a:r>
           </a:p>
         </p:txBody>
@@ -10558,6 +11564,202 @@
 </file>
 
 <file path=ppt/slides/slide20.xml><?xml version="1.0" encoding="utf-8"?>
+<p:sld xmlns:a="http://schemas.openxmlformats.org/drawingml/2006/main" xmlns:r="http://schemas.openxmlformats.org/officeDocument/2006/relationships" xmlns:p="http://schemas.openxmlformats.org/presentationml/2006/main">
+  <p:cSld>
+    <p:spTree>
+      <p:nvGrpSpPr>
+        <p:cNvPr id="1" name=""/>
+        <p:cNvGrpSpPr/>
+        <p:nvPr/>
+      </p:nvGrpSpPr>
+      <p:grpSpPr>
+        <a:xfrm>
+          <a:off x="0" y="0"/>
+          <a:ext cx="0" cy="0"/>
+          <a:chOff x="0" y="0"/>
+          <a:chExt cx="0" cy="0"/>
+        </a:xfrm>
+      </p:grpSpPr>
+      <p:sp>
+        <p:nvSpPr>
+          <p:cNvPr id="6148" name="Rectangle 4"/>
+          <p:cNvSpPr>
+            <a:spLocks noGrp="1" noChangeArrowheads="1"/>
+          </p:cNvSpPr>
+          <p:nvPr>
+            <p:ph type="title"/>
+          </p:nvPr>
+        </p:nvSpPr>
+        <p:spPr/>
+        <p:txBody>
+          <a:bodyPr/>
+          <a:lstStyle/>
+          <a:p>
+            <a:endParaRPr lang="en-US" noProof="0" dirty="0"/>
+          </a:p>
+        </p:txBody>
+      </p:sp>
+      <p:sp>
+        <p:nvSpPr>
+          <p:cNvPr id="3" name="Marcador de contenido 2"/>
+          <p:cNvSpPr>
+            <a:spLocks noGrp="1"/>
+          </p:cNvSpPr>
+          <p:nvPr>
+            <p:ph sz="quarter" idx="1"/>
+          </p:nvPr>
+        </p:nvSpPr>
+        <p:spPr/>
+        <p:txBody>
+          <a:bodyPr/>
+          <a:lstStyle/>
+          <a:p>
+            <a:endParaRPr lang="es-ES" dirty="0"/>
+          </a:p>
+        </p:txBody>
+      </p:sp>
+      <p:sp>
+        <p:nvSpPr>
+          <p:cNvPr id="4" name="Marcador de pie de página 3">
+            <a:extLst>
+              <a:ext uri="{FF2B5EF4-FFF2-40B4-BE49-F238E27FC236}">
+                <a16:creationId xmlns:a16="http://schemas.microsoft.com/office/drawing/2014/main" id="{00E4EA28-BCDE-BB4E-8F72-981B002C0EA4}"/>
+              </a:ext>
+            </a:extLst>
+          </p:cNvPr>
+          <p:cNvSpPr>
+            <a:spLocks noGrp="1"/>
+          </p:cNvSpPr>
+          <p:nvPr>
+            <p:ph type="ftr" sz="quarter" idx="11"/>
+          </p:nvPr>
+        </p:nvSpPr>
+        <p:spPr/>
+        <p:txBody>
+          <a:bodyPr/>
+          <a:lstStyle/>
+          <a:p>
+            <a:r>
+              <a:rPr lang="en"/>
+              <a:t>Introduction to Software Engineering - Final Presentations</a:t>
+            </a:r>
+            <a:endParaRPr lang="en-US" dirty="0"/>
+          </a:p>
+        </p:txBody>
+      </p:sp>
+    </p:spTree>
+    <p:extLst>
+      <p:ext uri="{BB962C8B-B14F-4D97-AF65-F5344CB8AC3E}">
+        <p14:creationId xmlns:p14="http://schemas.microsoft.com/office/powerpoint/2010/main" val="2900760504"/>
+      </p:ext>
+    </p:extLst>
+  </p:cSld>
+  <p:clrMapOvr>
+    <a:masterClrMapping/>
+  </p:clrMapOvr>
+  <p:transition advClick="0" advTm="20000"/>
+</p:sld>
+</file>
+
+<file path=ppt/slides/slide21.xml><?xml version="1.0" encoding="utf-8"?>
+<p:sld xmlns:a="http://schemas.openxmlformats.org/drawingml/2006/main" xmlns:r="http://schemas.openxmlformats.org/officeDocument/2006/relationships" xmlns:p="http://schemas.openxmlformats.org/presentationml/2006/main">
+  <p:cSld>
+    <p:spTree>
+      <p:nvGrpSpPr>
+        <p:cNvPr id="1" name=""/>
+        <p:cNvGrpSpPr/>
+        <p:nvPr/>
+      </p:nvGrpSpPr>
+      <p:grpSpPr>
+        <a:xfrm>
+          <a:off x="0" y="0"/>
+          <a:ext cx="0" cy="0"/>
+          <a:chOff x="0" y="0"/>
+          <a:chExt cx="0" cy="0"/>
+        </a:xfrm>
+      </p:grpSpPr>
+      <p:sp>
+        <p:nvSpPr>
+          <p:cNvPr id="6148" name="Rectangle 4"/>
+          <p:cNvSpPr>
+            <a:spLocks noGrp="1" noChangeArrowheads="1"/>
+          </p:cNvSpPr>
+          <p:nvPr>
+            <p:ph type="title"/>
+          </p:nvPr>
+        </p:nvSpPr>
+        <p:spPr/>
+        <p:txBody>
+          <a:bodyPr/>
+          <a:lstStyle/>
+          <a:p>
+            <a:endParaRPr lang="en-US" noProof="0" dirty="0"/>
+          </a:p>
+        </p:txBody>
+      </p:sp>
+      <p:sp>
+        <p:nvSpPr>
+          <p:cNvPr id="3" name="Marcador de contenido 2"/>
+          <p:cNvSpPr>
+            <a:spLocks noGrp="1"/>
+          </p:cNvSpPr>
+          <p:nvPr>
+            <p:ph sz="quarter" idx="1"/>
+          </p:nvPr>
+        </p:nvSpPr>
+        <p:spPr/>
+        <p:txBody>
+          <a:bodyPr/>
+          <a:lstStyle/>
+          <a:p>
+            <a:endParaRPr lang="es-ES" dirty="0"/>
+          </a:p>
+        </p:txBody>
+      </p:sp>
+      <p:sp>
+        <p:nvSpPr>
+          <p:cNvPr id="4" name="Marcador de pie de página 3">
+            <a:extLst>
+              <a:ext uri="{FF2B5EF4-FFF2-40B4-BE49-F238E27FC236}">
+                <a16:creationId xmlns:a16="http://schemas.microsoft.com/office/drawing/2014/main" id="{EF2929E0-FE95-514D-9C78-F2B11522259F}"/>
+              </a:ext>
+            </a:extLst>
+          </p:cNvPr>
+          <p:cNvSpPr>
+            <a:spLocks noGrp="1"/>
+          </p:cNvSpPr>
+          <p:nvPr>
+            <p:ph type="ftr" sz="quarter" idx="11"/>
+          </p:nvPr>
+        </p:nvSpPr>
+        <p:spPr/>
+        <p:txBody>
+          <a:bodyPr/>
+          <a:lstStyle/>
+          <a:p>
+            <a:r>
+              <a:rPr lang="en"/>
+              <a:t>Introduction to Software Engineering - Final Presentations</a:t>
+            </a:r>
+            <a:endParaRPr lang="en-US" dirty="0"/>
+          </a:p>
+        </p:txBody>
+      </p:sp>
+    </p:spTree>
+    <p:extLst>
+      <p:ext uri="{BB962C8B-B14F-4D97-AF65-F5344CB8AC3E}">
+        <p14:creationId xmlns:p14="http://schemas.microsoft.com/office/powerpoint/2010/main" val="3653626399"/>
+      </p:ext>
+    </p:extLst>
+  </p:cSld>
+  <p:clrMapOvr>
+    <a:masterClrMapping/>
+  </p:clrMapOvr>
+  <p:transition advClick="0" advTm="20000"/>
+</p:sld>
+</file>
+
+<file path=ppt/slides/slide22.xml><?xml version="1.0" encoding="utf-8"?>
 <p:sld xmlns:a="http://schemas.openxmlformats.org/drawingml/2006/main" xmlns:r="http://schemas.openxmlformats.org/officeDocument/2006/relationships" xmlns:p="http://schemas.openxmlformats.org/presentationml/2006/main">
   <p:cSld>
     <p:spTree>
@@ -10915,7 +12117,7 @@
           <a:p>
             <a:r>
               <a:rPr lang="en-US" noProof="0" dirty="0"/>
-              <a:t>Solution</a:t>
+              <a:t>Team and teamwork </a:t>
             </a:r>
           </a:p>
         </p:txBody>
@@ -10925,7 +12127,7 @@
           <p:cNvPr id="4" name="Marcador de pie de página 3">
             <a:extLst>
               <a:ext uri="{FF2B5EF4-FFF2-40B4-BE49-F238E27FC236}">
-                <a16:creationId xmlns:a16="http://schemas.microsoft.com/office/drawing/2014/main" id="{89DFCA6A-7EA7-4A4D-A6CD-429BC3FC4588}"/>
+                <a16:creationId xmlns:a16="http://schemas.microsoft.com/office/drawing/2014/main" id="{B4A53E85-9134-1A4D-986C-F023DF0B4A2C}"/>
               </a:ext>
             </a:extLst>
           </p:cNvPr>
@@ -10983,44 +12185,203 @@
           </a:bodyPr>
           <a:lstStyle/>
           <a:p>
-            <a:r>
-              <a:rPr lang="en-GB" b="0" i="0">
-                <a:effectLst/>
+            <a:pPr>
+              <a:lnSpc>
+                <a:spcPct val="90000"/>
+              </a:lnSpc>
+            </a:pPr>
+            <a:r>
+              <a:rPr lang="es-ES" dirty="0"/>
+              <a:t>SCRUM</a:t>
+            </a:r>
+          </a:p>
+          <a:p>
+            <a:pPr lvl="1">
+              <a:lnSpc>
+                <a:spcPct val="90000"/>
+              </a:lnSpc>
+            </a:pPr>
+            <a:r>
+              <a:rPr lang="es-ES" sz="2500" dirty="0" err="1">
+                <a:solidFill>
+                  <a:schemeClr val="tx1"/>
+                </a:solidFill>
               </a:rPr>
-              <a:t>Create a program to simulate the spread of COVID-19.</a:t>
-            </a:r>
-          </a:p>
-          <a:p>
-            <a:r>
-              <a:rPr lang="en-GB"/>
-              <a:t>M</a:t>
-            </a:r>
-            <a:r>
-              <a:rPr lang="en-GB" b="0" i="0">
-                <a:effectLst/>
+              <a:t>Why</a:t>
+            </a:r>
+            <a:r>
+              <a:rPr lang="es-ES" sz="2500" dirty="0">
+                <a:solidFill>
+                  <a:schemeClr val="tx1"/>
+                </a:solidFill>
               </a:rPr>
-              <a:t>ost commonly used measures against the virus can be tested.</a:t>
-            </a:r>
-          </a:p>
-          <a:p>
-            <a:r>
-              <a:rPr lang="en-GB" b="0" i="0">
-                <a:effectLst/>
+              <a:t>?</a:t>
+            </a:r>
+          </a:p>
+          <a:p>
+            <a:pPr lvl="1">
+              <a:lnSpc>
+                <a:spcPct val="90000"/>
+              </a:lnSpc>
+            </a:pPr>
+            <a:r>
+              <a:rPr lang="es-ES" sz="2500" dirty="0" err="1">
+                <a:solidFill>
+                  <a:schemeClr val="tx1"/>
+                </a:solidFill>
               </a:rPr>
-              <a:t>Evolution of the virus in different regions and populations.</a:t>
-            </a:r>
-          </a:p>
-          <a:p>
+              <a:t>Frequency</a:t>
+            </a:r>
+            <a:endParaRPr lang="es-ES" sz="2500" dirty="0">
+              <a:solidFill>
+                <a:schemeClr val="tx1"/>
+              </a:solidFill>
+            </a:endParaRPr>
+          </a:p>
+          <a:p>
+            <a:pPr>
+              <a:lnSpc>
+                <a:spcPct val="90000"/>
+              </a:lnSpc>
+            </a:pPr>
+            <a:r>
+              <a:rPr lang="es-ES" dirty="0"/>
+              <a:t>Accountability system</a:t>
+            </a:r>
+          </a:p>
+          <a:p>
+            <a:pPr lvl="1">
+              <a:lnSpc>
+                <a:spcPct val="90000"/>
+              </a:lnSpc>
+            </a:pPr>
+            <a:r>
+              <a:rPr lang="es-ES" sz="2500" dirty="0">
+                <a:solidFill>
+                  <a:schemeClr val="tx1"/>
+                </a:solidFill>
+              </a:rPr>
+              <a:t>Role-</a:t>
+            </a:r>
+            <a:r>
+              <a:rPr lang="es-ES" sz="2500" dirty="0" err="1">
+                <a:solidFill>
+                  <a:schemeClr val="tx1"/>
+                </a:solidFill>
+              </a:rPr>
+              <a:t>based</a:t>
+            </a:r>
+            <a:r>
+              <a:rPr lang="es-ES" sz="2500" dirty="0">
+                <a:solidFill>
+                  <a:schemeClr val="tx1"/>
+                </a:solidFill>
+              </a:rPr>
+              <a:t> </a:t>
+            </a:r>
+            <a:r>
+              <a:rPr lang="es-ES" sz="2500" dirty="0" err="1">
+                <a:solidFill>
+                  <a:schemeClr val="tx1"/>
+                </a:solidFill>
+              </a:rPr>
+              <a:t>accountability</a:t>
+            </a:r>
+            <a:endParaRPr lang="es-ES" sz="2500" dirty="0">
+              <a:solidFill>
+                <a:schemeClr val="tx1"/>
+              </a:solidFill>
+            </a:endParaRPr>
+          </a:p>
+          <a:p>
+            <a:pPr>
+              <a:lnSpc>
+                <a:spcPct val="90000"/>
+              </a:lnSpc>
+            </a:pPr>
+            <a:r>
+              <a:rPr lang="es-ES" dirty="0"/>
+              <a:t>Tools and </a:t>
+            </a:r>
+            <a:r>
+              <a:rPr lang="es-ES" dirty="0" err="1"/>
+              <a:t>resources</a:t>
+            </a:r>
             <a:endParaRPr lang="es-ES" dirty="0"/>
+          </a:p>
+          <a:p>
+            <a:pPr lvl="1">
+              <a:lnSpc>
+                <a:spcPct val="90000"/>
+              </a:lnSpc>
+            </a:pPr>
+            <a:r>
+              <a:rPr lang="es-ES" sz="2500" dirty="0">
+                <a:solidFill>
+                  <a:schemeClr val="tx1"/>
+                </a:solidFill>
+              </a:rPr>
+              <a:t>Trello</a:t>
+            </a:r>
+          </a:p>
+          <a:p>
+            <a:pPr lvl="1">
+              <a:lnSpc>
+                <a:spcPct val="90000"/>
+              </a:lnSpc>
+            </a:pPr>
+            <a:r>
+              <a:rPr lang="es-ES" sz="2500" dirty="0" err="1">
+                <a:solidFill>
+                  <a:schemeClr val="tx1"/>
+                </a:solidFill>
+              </a:rPr>
+              <a:t>Discord</a:t>
+            </a:r>
+            <a:endParaRPr lang="es-ES" sz="2500" dirty="0">
+              <a:solidFill>
+                <a:schemeClr val="tx1"/>
+              </a:solidFill>
+            </a:endParaRPr>
+          </a:p>
+          <a:p>
+            <a:pPr lvl="1">
+              <a:lnSpc>
+                <a:spcPct val="90000"/>
+              </a:lnSpc>
+            </a:pPr>
+            <a:r>
+              <a:rPr lang="es-ES" sz="2500" dirty="0">
+                <a:solidFill>
+                  <a:schemeClr val="tx1"/>
+                </a:solidFill>
+              </a:rPr>
+              <a:t>GitHub</a:t>
+            </a:r>
+          </a:p>
+          <a:p>
+            <a:pPr lvl="1">
+              <a:lnSpc>
+                <a:spcPct val="90000"/>
+              </a:lnSpc>
+            </a:pPr>
+            <a:r>
+              <a:rPr lang="es-ES" sz="2500" dirty="0">
+                <a:solidFill>
+                  <a:schemeClr val="tx1"/>
+                </a:solidFill>
+              </a:rPr>
+              <a:t>WhatsApp</a:t>
+            </a:r>
           </a:p>
         </p:txBody>
       </p:sp>
       <p:pic>
         <p:nvPicPr>
-          <p:cNvPr id="5" name="Imagen 4" descr="Gráfico, Gráfico de líneas&#10;&#10;Descripción generada automáticamente">
+          <p:cNvPr id="9" name="Imagen 8" descr="Una caricatura de una persona&#10;&#10;Descripción generada automáticamente con confianza media">
             <a:extLst>
               <a:ext uri="{FF2B5EF4-FFF2-40B4-BE49-F238E27FC236}">
-                <a16:creationId xmlns:a16="http://schemas.microsoft.com/office/drawing/2014/main" id="{70E40FED-33C8-4B43-93C1-F58F76BD0F19}"/>
+                <a16:creationId xmlns:a16="http://schemas.microsoft.com/office/drawing/2014/main" id="{CE3C1EDE-4F59-42C2-941A-EA5ED49071C6}"/>
               </a:ext>
             </a:extLst>
           </p:cNvPr>
@@ -11035,9 +12396,6 @@
               <a:ext uri="{28A0092B-C50C-407E-A947-70E740481C1C}">
                 <a14:useLocalDpi xmlns:a14="http://schemas.microsoft.com/office/drawing/2010/main" val="0"/>
               </a:ext>
-              <a:ext uri="{837473B0-CC2E-450A-ABE3-18F120FF3D39}">
-                <a1611:picAttrSrcUrl xmlns:a1611="http://schemas.microsoft.com/office/drawing/2016/11/main" r:id="rId4"/>
-              </a:ext>
             </a:extLst>
           </a:blip>
           <a:stretch>
@@ -11046,8 +12404,8 @@
         </p:blipFill>
         <p:spPr>
           <a:xfrm>
-            <a:off x="4800600" y="1996059"/>
-            <a:ext cx="4038600" cy="3432809"/>
+            <a:off x="4800600" y="1693164"/>
+            <a:ext cx="4038600" cy="4038600"/>
           </a:xfrm>
           <a:prstGeom prst="rect">
             <a:avLst/>
@@ -11055,91 +12413,10 @@
           <a:noFill/>
         </p:spPr>
       </p:pic>
-      <p:sp>
-        <p:nvSpPr>
-          <p:cNvPr id="6" name="CuadroTexto 5">
-            <a:extLst>
-              <a:ext uri="{FF2B5EF4-FFF2-40B4-BE49-F238E27FC236}">
-                <a16:creationId xmlns:a16="http://schemas.microsoft.com/office/drawing/2014/main" id="{3F137EF8-F398-4ADB-8B01-5EAB6E21E929}"/>
-              </a:ext>
-            </a:extLst>
-          </p:cNvPr>
-          <p:cNvSpPr txBox="1"/>
-          <p:nvPr/>
-        </p:nvSpPr>
-        <p:spPr>
-          <a:xfrm>
-            <a:off x="6317356" y="5228813"/>
-            <a:ext cx="2521844" cy="200055"/>
-          </a:xfrm>
-          <a:prstGeom prst="rect">
-            <a:avLst/>
-          </a:prstGeom>
-          <a:solidFill>
-            <a:srgbClr val="000000"/>
-          </a:solidFill>
-        </p:spPr>
-        <p:txBody>
-          <a:bodyPr wrap="none" rtlCol="0">
-            <a:spAutoFit/>
-          </a:bodyPr>
-          <a:lstStyle/>
-          <a:p>
-            <a:pPr algn="r">
-              <a:spcAft>
-                <a:spcPts val="600"/>
-              </a:spcAft>
-            </a:pPr>
-            <a:r>
-              <a:rPr lang="en-GB" sz="700">
-                <a:solidFill>
-                  <a:srgbClr val="FFFFFF"/>
-                </a:solidFill>
-                <a:hlinkClick r:id="rId4" tooltip="https://en.wikipedia.org/wiki/Hubbert_curve">
-                  <a:extLst>
-                    <a:ext uri="{A12FA001-AC4F-418D-AE19-62706E023703}">
-                      <ahyp:hlinkClr xmlns:ahyp="http://schemas.microsoft.com/office/drawing/2018/hyperlinkcolor" val="tx"/>
-                    </a:ext>
-                  </a:extLst>
-                </a:hlinkClick>
-              </a:rPr>
-              <a:t>Esta foto</a:t>
-            </a:r>
-            <a:r>
-              <a:rPr lang="en-GB" sz="700">
-                <a:solidFill>
-                  <a:srgbClr val="FFFFFF"/>
-                </a:solidFill>
-              </a:rPr>
-              <a:t> de Autor desconocido está bajo licencia </a:t>
-            </a:r>
-            <a:r>
-              <a:rPr lang="en-GB" sz="700">
-                <a:solidFill>
-                  <a:srgbClr val="FFFFFF"/>
-                </a:solidFill>
-                <a:hlinkClick r:id="rId5" tooltip="https://creativecommons.org/licenses/by-sa/3.0/">
-                  <a:extLst>
-                    <a:ext uri="{A12FA001-AC4F-418D-AE19-62706E023703}">
-                      <ahyp:hlinkClr xmlns:ahyp="http://schemas.microsoft.com/office/drawing/2018/hyperlinkcolor" val="tx"/>
-                    </a:ext>
-                  </a:extLst>
-                </a:hlinkClick>
-              </a:rPr>
-              <a:t>CC BY-SA</a:t>
-            </a:r>
-            <a:endParaRPr lang="en-GB" sz="700">
-              <a:solidFill>
-                <a:srgbClr val="FFFFFF"/>
-              </a:solidFill>
-            </a:endParaRPr>
-          </a:p>
-        </p:txBody>
-      </p:sp>
     </p:spTree>
     <p:extLst>
       <p:ext uri="{BB962C8B-B14F-4D97-AF65-F5344CB8AC3E}">
-        <p14:creationId xmlns:p14="http://schemas.microsoft.com/office/powerpoint/2010/main" val="4008616836"/>
+        <p14:creationId xmlns:p14="http://schemas.microsoft.com/office/powerpoint/2010/main" val="1056896020"/>
       </p:ext>
     </p:extLst>
   </p:cSld>
@@ -11177,31 +12454,22 @@
             <p:ph type="title"/>
           </p:nvPr>
         </p:nvSpPr>
-        <p:spPr/>
-        <p:txBody>
-          <a:bodyPr/>
-          <a:lstStyle/>
-          <a:p>
-            <a:endParaRPr lang="en-US" noProof="0" dirty="0"/>
-          </a:p>
-        </p:txBody>
-      </p:sp>
-      <p:sp>
-        <p:nvSpPr>
-          <p:cNvPr id="3" name="Marcador de contenido 2"/>
-          <p:cNvSpPr>
-            <a:spLocks noGrp="1"/>
-          </p:cNvSpPr>
-          <p:nvPr>
-            <p:ph sz="quarter" idx="1"/>
-          </p:nvPr>
-        </p:nvSpPr>
-        <p:spPr/>
-        <p:txBody>
-          <a:bodyPr/>
-          <a:lstStyle/>
-          <a:p>
-            <a:endParaRPr lang="es-ES" dirty="0"/>
+        <p:spPr>
+          <a:xfrm>
+            <a:off x="301752" y="228600"/>
+            <a:ext cx="8534400" cy="758952"/>
+          </a:xfrm>
+        </p:spPr>
+        <p:txBody>
+          <a:bodyPr anchor="b">
+            <a:normAutofit/>
+          </a:bodyPr>
+          <a:lstStyle/>
+          <a:p>
+            <a:r>
+              <a:rPr lang="en-US" noProof="0" dirty="0"/>
+              <a:t>Solution</a:t>
+            </a:r>
           </a:p>
         </p:txBody>
       </p:sp>
@@ -11210,7 +12478,7 @@
           <p:cNvPr id="4" name="Marcador de pie de página 3">
             <a:extLst>
               <a:ext uri="{FF2B5EF4-FFF2-40B4-BE49-F238E27FC236}">
-                <a16:creationId xmlns:a16="http://schemas.microsoft.com/office/drawing/2014/main" id="{B4A53E85-9134-1A4D-986C-F023DF0B4A2C}"/>
+                <a16:creationId xmlns:a16="http://schemas.microsoft.com/office/drawing/2014/main" id="{89DFCA6A-7EA7-4A4D-A6CD-429BC3FC4588}"/>
               </a:ext>
             </a:extLst>
           </p:cNvPr>
@@ -11221,23 +12489,124 @@
             <p:ph type="ftr" sz="quarter" idx="11"/>
           </p:nvPr>
         </p:nvSpPr>
-        <p:spPr/>
-        <p:txBody>
-          <a:bodyPr/>
-          <a:lstStyle/>
-          <a:p>
+        <p:spPr>
+          <a:xfrm>
+            <a:off x="304800" y="6410848"/>
+            <a:ext cx="5340096" cy="365760"/>
+          </a:xfrm>
+        </p:spPr>
+        <p:txBody>
+          <a:bodyPr>
+            <a:normAutofit/>
+          </a:bodyPr>
+          <a:lstStyle/>
+          <a:p>
+            <a:pPr>
+              <a:spcAft>
+                <a:spcPts val="600"/>
+              </a:spcAft>
+            </a:pPr>
             <a:r>
               <a:rPr lang="en"/>
               <a:t>Introduction to Software Engineering - Final Presentations</a:t>
             </a:r>
-            <a:endParaRPr lang="en-US" dirty="0"/>
-          </a:p>
-        </p:txBody>
-      </p:sp>
+            <a:endParaRPr lang="en-US"/>
+          </a:p>
+        </p:txBody>
+      </p:sp>
+      <p:sp>
+        <p:nvSpPr>
+          <p:cNvPr id="3" name="Marcador de contenido 2"/>
+          <p:cNvSpPr>
+            <a:spLocks noGrp="1"/>
+          </p:cNvSpPr>
+          <p:nvPr>
+            <p:ph sz="half" idx="1"/>
+          </p:nvPr>
+        </p:nvSpPr>
+        <p:spPr>
+          <a:xfrm>
+            <a:off x="301752" y="1371600"/>
+            <a:ext cx="4038600" cy="4681728"/>
+          </a:xfrm>
+        </p:spPr>
+        <p:txBody>
+          <a:bodyPr>
+            <a:normAutofit/>
+          </a:bodyPr>
+          <a:lstStyle/>
+          <a:p>
+            <a:r>
+              <a:rPr lang="en-GB" b="0" i="0" dirty="0">
+                <a:effectLst/>
+              </a:rPr>
+              <a:t>Create a program to simulate the spread of COVID-19.</a:t>
+            </a:r>
+          </a:p>
+          <a:p>
+            <a:r>
+              <a:rPr lang="en-GB" dirty="0"/>
+              <a:t>M</a:t>
+            </a:r>
+            <a:r>
+              <a:rPr lang="en-GB" b="0" i="0" dirty="0">
+                <a:effectLst/>
+              </a:rPr>
+              <a:t>ost commonly used measures against the virus can be tested.</a:t>
+            </a:r>
+          </a:p>
+          <a:p>
+            <a:r>
+              <a:rPr lang="en-GB" b="0" i="0" dirty="0">
+                <a:effectLst/>
+              </a:rPr>
+              <a:t>Evolution of the virus in different regions and populations.</a:t>
+            </a:r>
+          </a:p>
+          <a:p>
+            <a:endParaRPr lang="es-ES" dirty="0"/>
+          </a:p>
+        </p:txBody>
+      </p:sp>
+      <p:pic>
+        <p:nvPicPr>
+          <p:cNvPr id="9" name="Imagen 8" descr="Imagen que contiene competencia de atletismo&#10;&#10;Descripción generada automáticamente">
+            <a:extLst>
+              <a:ext uri="{FF2B5EF4-FFF2-40B4-BE49-F238E27FC236}">
+                <a16:creationId xmlns:a16="http://schemas.microsoft.com/office/drawing/2014/main" id="{E593EF08-5F33-4AB8-9B3F-A118D1AA558E}"/>
+              </a:ext>
+            </a:extLst>
+          </p:cNvPr>
+          <p:cNvPicPr>
+            <a:picLocks noChangeAspect="1"/>
+          </p:cNvPicPr>
+          <p:nvPr/>
+        </p:nvPicPr>
+        <p:blipFill rotWithShape="1">
+          <a:blip r:embed="rId3" cstate="email">
+            <a:extLst>
+              <a:ext uri="{28A0092B-C50C-407E-A947-70E740481C1C}">
+                <a14:useLocalDpi xmlns:a14="http://schemas.microsoft.com/office/drawing/2010/main" val="0"/>
+              </a:ext>
+            </a:extLst>
+          </a:blip>
+          <a:srcRect l="11663" r="8604"/>
+          <a:stretch/>
+        </p:blipFill>
+        <p:spPr>
+          <a:xfrm>
+            <a:off x="4689695" y="1840233"/>
+            <a:ext cx="4264152" cy="3565366"/>
+          </a:xfrm>
+          <a:prstGeom prst="rect">
+            <a:avLst/>
+          </a:prstGeom>
+        </p:spPr>
+      </p:pic>
     </p:spTree>
     <p:extLst>
       <p:ext uri="{BB962C8B-B14F-4D97-AF65-F5344CB8AC3E}">
-        <p14:creationId xmlns:p14="http://schemas.microsoft.com/office/powerpoint/2010/main" val="1056896020"/>
+        <p14:creationId xmlns:p14="http://schemas.microsoft.com/office/powerpoint/2010/main" val="4008616836"/>
       </p:ext>
     </p:extLst>
   </p:cSld>
@@ -11275,31 +12644,55 @@
             <p:ph type="title"/>
           </p:nvPr>
         </p:nvSpPr>
-        <p:spPr/>
-        <p:txBody>
-          <a:bodyPr/>
-          <a:lstStyle/>
-          <a:p>
-            <a:endParaRPr lang="en-US" noProof="0" dirty="0"/>
-          </a:p>
-        </p:txBody>
-      </p:sp>
-      <p:sp>
-        <p:nvSpPr>
-          <p:cNvPr id="3" name="Marcador de contenido 2"/>
-          <p:cNvSpPr>
-            <a:spLocks noGrp="1"/>
-          </p:cNvSpPr>
-          <p:nvPr>
-            <p:ph sz="quarter" idx="1"/>
-          </p:nvPr>
-        </p:nvSpPr>
-        <p:spPr/>
-        <p:txBody>
-          <a:bodyPr/>
-          <a:lstStyle/>
-          <a:p>
-            <a:endParaRPr lang="es-ES" dirty="0"/>
+        <p:spPr>
+          <a:xfrm>
+            <a:off x="301752" y="228600"/>
+            <a:ext cx="8534400" cy="758952"/>
+          </a:xfrm>
+        </p:spPr>
+        <p:txBody>
+          <a:bodyPr anchor="b">
+            <a:normAutofit/>
+          </a:bodyPr>
+          <a:lstStyle/>
+          <a:p>
+            <a:pPr>
+              <a:lnSpc>
+                <a:spcPct val="90000"/>
+              </a:lnSpc>
+            </a:pPr>
+            <a:r>
+              <a:rPr lang="es-ES" sz="2300"/>
+              <a:t>Software </a:t>
+            </a:r>
+            <a:r>
+              <a:rPr lang="es-ES" sz="2300" err="1"/>
+              <a:t>engineering</a:t>
+            </a:r>
+            <a:r>
+              <a:rPr lang="es-ES" sz="2300"/>
+              <a:t> </a:t>
+            </a:r>
+            <a:r>
+              <a:rPr lang="es-ES" sz="2300" err="1"/>
+              <a:t>activities</a:t>
+            </a:r>
+            <a:br>
+              <a:rPr lang="es-ES" sz="2300"/>
+            </a:br>
+            <a:r>
+              <a:rPr lang="es-ES" sz="2300"/>
+              <a:t>(</a:t>
+            </a:r>
+            <a:r>
+              <a:rPr lang="es-ES" sz="2300" err="1"/>
+              <a:t>Requirements</a:t>
+            </a:r>
+            <a:r>
+              <a:rPr lang="es-ES" sz="2300"/>
+              <a:t>)</a:t>
+            </a:r>
+            <a:endParaRPr lang="en-US" sz="2300" noProof="0"/>
           </a:p>
         </p:txBody>
       </p:sp>
@@ -11319,19 +12712,247 @@
             <p:ph type="ftr" sz="quarter" idx="11"/>
           </p:nvPr>
         </p:nvSpPr>
-        <p:spPr/>
-        <p:txBody>
-          <a:bodyPr/>
-          <a:lstStyle/>
-          <a:p>
+        <p:spPr>
+          <a:xfrm>
+            <a:off x="304800" y="6410848"/>
+            <a:ext cx="5340096" cy="365760"/>
+          </a:xfrm>
+        </p:spPr>
+        <p:txBody>
+          <a:bodyPr>
+            <a:normAutofit/>
+          </a:bodyPr>
+          <a:lstStyle/>
+          <a:p>
+            <a:pPr>
+              <a:spcAft>
+                <a:spcPts val="600"/>
+              </a:spcAft>
+            </a:pPr>
             <a:r>
               <a:rPr lang="en"/>
               <a:t>Introduction to Software Engineering - Final Presentations</a:t>
             </a:r>
-            <a:endParaRPr lang="en-US" dirty="0"/>
-          </a:p>
-        </p:txBody>
-      </p:sp>
+            <a:endParaRPr lang="en-US"/>
+          </a:p>
+        </p:txBody>
+      </p:sp>
+      <p:sp>
+        <p:nvSpPr>
+          <p:cNvPr id="3" name="Marcador de contenido 2"/>
+          <p:cNvSpPr>
+            <a:spLocks noGrp="1"/>
+          </p:cNvSpPr>
+          <p:nvPr>
+            <p:ph sz="half" idx="1"/>
+          </p:nvPr>
+        </p:nvSpPr>
+        <p:spPr>
+          <a:xfrm>
+            <a:off x="301752" y="1371600"/>
+            <a:ext cx="4038600" cy="4681728"/>
+          </a:xfrm>
+        </p:spPr>
+        <p:txBody>
+          <a:bodyPr>
+            <a:normAutofit/>
+          </a:bodyPr>
+          <a:lstStyle/>
+          <a:p>
+            <a:pPr>
+              <a:lnSpc>
+                <a:spcPct val="90000"/>
+              </a:lnSpc>
+            </a:pPr>
+            <a:r>
+              <a:rPr lang="en-GB" sz="2100" dirty="0"/>
+              <a:t>Modification parameters</a:t>
+            </a:r>
+          </a:p>
+          <a:p>
+            <a:pPr lvl="1">
+              <a:lnSpc>
+                <a:spcPct val="90000"/>
+              </a:lnSpc>
+            </a:pPr>
+            <a:r>
+              <a:rPr lang="en-GB" sz="2100" dirty="0">
+                <a:solidFill>
+                  <a:schemeClr val="tx1"/>
+                </a:solidFill>
+              </a:rPr>
+              <a:t>Number of areas</a:t>
+            </a:r>
+          </a:p>
+          <a:p>
+            <a:pPr lvl="1">
+              <a:lnSpc>
+                <a:spcPct val="90000"/>
+              </a:lnSpc>
+            </a:pPr>
+            <a:r>
+              <a:rPr lang="en-GB" sz="2100" dirty="0">
+                <a:solidFill>
+                  <a:schemeClr val="tx1"/>
+                </a:solidFill>
+              </a:rPr>
+              <a:t>Per area</a:t>
+            </a:r>
+          </a:p>
+          <a:p>
+            <a:pPr lvl="2">
+              <a:lnSpc>
+                <a:spcPct val="90000"/>
+              </a:lnSpc>
+            </a:pPr>
+            <a:r>
+              <a:rPr lang="en-GB" sz="2100" dirty="0"/>
+              <a:t>Population</a:t>
+            </a:r>
+          </a:p>
+          <a:p>
+            <a:pPr lvl="2">
+              <a:lnSpc>
+                <a:spcPct val="90000"/>
+              </a:lnSpc>
+            </a:pPr>
+            <a:r>
+              <a:rPr lang="en-GB" sz="2100" dirty="0"/>
+              <a:t>Size</a:t>
+            </a:r>
+          </a:p>
+          <a:p>
+            <a:pPr lvl="2">
+              <a:lnSpc>
+                <a:spcPct val="90000"/>
+              </a:lnSpc>
+            </a:pPr>
+            <a:r>
+              <a:rPr lang="en-GB" sz="2100" dirty="0"/>
+              <a:t>Number of businesses</a:t>
+            </a:r>
+          </a:p>
+          <a:p>
+            <a:pPr>
+              <a:lnSpc>
+                <a:spcPct val="90000"/>
+              </a:lnSpc>
+            </a:pPr>
+            <a:r>
+              <a:rPr lang="en-GB" sz="2100" dirty="0"/>
+              <a:t>Restrictions</a:t>
+            </a:r>
+          </a:p>
+          <a:p>
+            <a:pPr lvl="1">
+              <a:lnSpc>
+                <a:spcPct val="90000"/>
+              </a:lnSpc>
+            </a:pPr>
+            <a:r>
+              <a:rPr lang="en-GB" sz="2100" dirty="0">
+                <a:solidFill>
+                  <a:schemeClr val="tx1"/>
+                </a:solidFill>
+              </a:rPr>
+              <a:t>Curfew</a:t>
+            </a:r>
+          </a:p>
+          <a:p>
+            <a:pPr lvl="1">
+              <a:lnSpc>
+                <a:spcPct val="90000"/>
+              </a:lnSpc>
+            </a:pPr>
+            <a:r>
+              <a:rPr lang="en-GB" sz="2100" dirty="0">
+                <a:solidFill>
+                  <a:schemeClr val="tx1"/>
+                </a:solidFill>
+              </a:rPr>
+              <a:t>Opening/closing businesses</a:t>
+            </a:r>
+          </a:p>
+          <a:p>
+            <a:pPr lvl="1">
+              <a:lnSpc>
+                <a:spcPct val="90000"/>
+              </a:lnSpc>
+            </a:pPr>
+            <a:r>
+              <a:rPr lang="en-GB" sz="2100" dirty="0">
+                <a:solidFill>
+                  <a:schemeClr val="tx1"/>
+                </a:solidFill>
+              </a:rPr>
+              <a:t>Time restrictions</a:t>
+            </a:r>
+          </a:p>
+          <a:p>
+            <a:pPr lvl="1">
+              <a:lnSpc>
+                <a:spcPct val="90000"/>
+              </a:lnSpc>
+            </a:pPr>
+            <a:r>
+              <a:rPr lang="en-GB" sz="2100" dirty="0">
+                <a:solidFill>
+                  <a:schemeClr val="tx1"/>
+                </a:solidFill>
+              </a:rPr>
+              <a:t>Mobility restrictions</a:t>
+            </a:r>
+          </a:p>
+          <a:p>
+            <a:pPr>
+              <a:lnSpc>
+                <a:spcPct val="90000"/>
+              </a:lnSpc>
+            </a:pPr>
+            <a:r>
+              <a:rPr lang="en-GB" sz="2100" dirty="0"/>
+              <a:t>Most effective measures</a:t>
+            </a:r>
+          </a:p>
+        </p:txBody>
+      </p:sp>
+      <p:pic>
+        <p:nvPicPr>
+          <p:cNvPr id="5" name="Imagen 4" descr="Icono&#10;&#10;Descripción generada automáticamente">
+            <a:extLst>
+              <a:ext uri="{FF2B5EF4-FFF2-40B4-BE49-F238E27FC236}">
+                <a16:creationId xmlns:a16="http://schemas.microsoft.com/office/drawing/2014/main" id="{94B2EF03-4843-481A-B51E-9682AB373E4B}"/>
+              </a:ext>
+            </a:extLst>
+          </p:cNvPr>
+          <p:cNvPicPr>
+            <a:picLocks noChangeAspect="1"/>
+          </p:cNvPicPr>
+          <p:nvPr/>
+        </p:nvPicPr>
+        <p:blipFill>
+          <a:blip r:embed="rId3" cstate="email">
+            <a:extLst>
+              <a:ext uri="{28A0092B-C50C-407E-A947-70E740481C1C}">
+                <a14:useLocalDpi xmlns:a14="http://schemas.microsoft.com/office/drawing/2010/main" val="0"/>
+              </a:ext>
+            </a:extLst>
+          </a:blip>
+          <a:stretch>
+            <a:fillRect/>
+          </a:stretch>
+        </p:blipFill>
+        <p:spPr>
+          <a:xfrm>
+            <a:off x="4800600" y="1693164"/>
+            <a:ext cx="4038600" cy="4038600"/>
+          </a:xfrm>
+          <a:prstGeom prst="rect">
+            <a:avLst/>
+          </a:prstGeom>
+          <a:noFill/>
+        </p:spPr>
+      </p:pic>
     </p:spTree>
     <p:extLst>
       <p:ext uri="{BB962C8B-B14F-4D97-AF65-F5344CB8AC3E}">
@@ -11373,30 +12994,118 @@
             <p:ph type="title"/>
           </p:nvPr>
         </p:nvSpPr>
+        <p:spPr>
+          <a:xfrm>
+            <a:off x="301752" y="270791"/>
+            <a:ext cx="8534400" cy="758952"/>
+          </a:xfrm>
+        </p:spPr>
+        <p:txBody>
+          <a:bodyPr>
+            <a:normAutofit fontScale="90000"/>
+          </a:bodyPr>
+          <a:lstStyle/>
+          <a:p>
+            <a:r>
+              <a:rPr lang="es-ES" dirty="0"/>
+              <a:t>Software </a:t>
+            </a:r>
+            <a:r>
+              <a:rPr lang="es-ES" dirty="0" err="1"/>
+              <a:t>engineering</a:t>
+            </a:r>
+            <a:r>
+              <a:rPr lang="es-ES" dirty="0"/>
+              <a:t> </a:t>
+            </a:r>
+            <a:r>
+              <a:rPr lang="es-ES" dirty="0" err="1"/>
+              <a:t>activities</a:t>
+            </a:r>
+            <a:br>
+              <a:rPr lang="es-ES" dirty="0"/>
+            </a:br>
+            <a:r>
+              <a:rPr lang="es-ES" dirty="0"/>
+              <a:t>(</a:t>
+            </a:r>
+            <a:r>
+              <a:rPr lang="es-ES" dirty="0" err="1"/>
+              <a:t>Architecture</a:t>
+            </a:r>
+            <a:r>
+              <a:rPr lang="es-ES" dirty="0"/>
+              <a:t>)</a:t>
+            </a:r>
+            <a:endParaRPr lang="en-US" noProof="0" dirty="0"/>
+          </a:p>
+        </p:txBody>
+      </p:sp>
+      <p:sp>
+        <p:nvSpPr>
+          <p:cNvPr id="3" name="Marcador de contenido 2"/>
+          <p:cNvSpPr>
+            <a:spLocks noGrp="1"/>
+          </p:cNvSpPr>
+          <p:nvPr>
+            <p:ph sz="quarter" idx="1"/>
+          </p:nvPr>
+        </p:nvSpPr>
         <p:spPr/>
         <p:txBody>
           <a:bodyPr/>
           <a:lstStyle/>
           <a:p>
-            <a:endParaRPr lang="en-US" noProof="0" dirty="0"/>
-          </a:p>
-        </p:txBody>
-      </p:sp>
-      <p:sp>
-        <p:nvSpPr>
-          <p:cNvPr id="3" name="Marcador de contenido 2"/>
-          <p:cNvSpPr>
-            <a:spLocks noGrp="1"/>
-          </p:cNvSpPr>
-          <p:nvPr>
-            <p:ph sz="quarter" idx="1"/>
-          </p:nvPr>
-        </p:nvSpPr>
-        <p:spPr/>
-        <p:txBody>
-          <a:bodyPr/>
-          <a:lstStyle/>
-          <a:p>
+            <a:r>
+              <a:rPr lang="en-GB" dirty="0"/>
+              <a:t>Component-based development (CBD)</a:t>
+            </a:r>
+          </a:p>
+          <a:p>
+            <a:pPr lvl="1"/>
+            <a:r>
+              <a:rPr lang="en-GB" dirty="0"/>
+              <a:t>What?</a:t>
+            </a:r>
+          </a:p>
+          <a:p>
+            <a:pPr lvl="1"/>
+            <a:r>
+              <a:rPr lang="en-GB" i="0" dirty="0">
+                <a:effectLst/>
+              </a:rPr>
+              <a:t>Why?</a:t>
+            </a:r>
+          </a:p>
+          <a:p>
+            <a:r>
+              <a:rPr lang="en-GB" b="0" i="0" dirty="0">
+                <a:effectLst/>
+              </a:rPr>
+              <a:t>We could use the </a:t>
+            </a:r>
+            <a:r>
+              <a:rPr lang="en-GB" b="0" i="1" dirty="0">
+                <a:effectLst/>
+              </a:rPr>
+              <a:t>CBD</a:t>
+            </a:r>
+            <a:r>
+              <a:rPr lang="en-GB" b="0" i="0" dirty="0">
+                <a:effectLst/>
+              </a:rPr>
+              <a:t> as the higher abstraction Architectural style and then </a:t>
+            </a:r>
+            <a:r>
+              <a:rPr lang="en-GB" dirty="0"/>
+              <a:t>others</a:t>
+            </a:r>
+            <a:r>
+              <a:rPr lang="en-GB" b="0" i="0" dirty="0">
+                <a:effectLst/>
+              </a:rPr>
+              <a:t> for the implementation of the components</a:t>
+            </a:r>
             <a:endParaRPr lang="es-ES" dirty="0"/>
           </a:p>
         </p:txBody>
@@ -11430,6 +13139,42 @@
           </a:p>
         </p:txBody>
       </p:sp>
+      <p:pic>
+        <p:nvPicPr>
+          <p:cNvPr id="5" name="Imagen 4" descr="Diagrama&#10;&#10;Descripción generada automáticamente">
+            <a:extLst>
+              <a:ext uri="{FF2B5EF4-FFF2-40B4-BE49-F238E27FC236}">
+                <a16:creationId xmlns:a16="http://schemas.microsoft.com/office/drawing/2014/main" id="{ED895296-6CFF-4AF8-9392-F82CFB29B75A}"/>
+              </a:ext>
+            </a:extLst>
+          </p:cNvPr>
+          <p:cNvPicPr>
+            <a:picLocks noChangeAspect="1"/>
+          </p:cNvPicPr>
+          <p:nvPr/>
+        </p:nvPicPr>
+        <p:blipFill>
+          <a:blip r:embed="rId3" cstate="email">
+            <a:extLst>
+              <a:ext uri="{28A0092B-C50C-407E-A947-70E740481C1C}">
+                <a14:useLocalDpi xmlns:a14="http://schemas.microsoft.com/office/drawing/2010/main" val="0"/>
+              </a:ext>
+            </a:extLst>
+          </a:blip>
+          <a:stretch>
+            <a:fillRect/>
+          </a:stretch>
+        </p:blipFill>
+        <p:spPr>
+          <a:xfrm>
+            <a:off x="2368822" y="4183100"/>
+            <a:ext cx="4400260" cy="2200131"/>
+          </a:xfrm>
+          <a:prstGeom prst="rect">
+            <a:avLst/>
+          </a:prstGeom>
+        </p:spPr>
+      </p:pic>
     </p:spTree>
     <p:extLst>
       <p:ext uri="{BB962C8B-B14F-4D97-AF65-F5344CB8AC3E}">
@@ -11471,11 +13216,57 @@
             <p:ph type="title"/>
           </p:nvPr>
         </p:nvSpPr>
-        <p:spPr/>
-        <p:txBody>
-          <a:bodyPr/>
-          <a:lstStyle/>
-          <a:p>
+        <p:spPr>
+          <a:xfrm>
+            <a:off x="304800" y="262144"/>
+            <a:ext cx="8534400" cy="758952"/>
+          </a:xfrm>
+        </p:spPr>
+        <p:txBody>
+          <a:bodyPr>
+            <a:normAutofit fontScale="90000"/>
+          </a:bodyPr>
+          <a:lstStyle/>
+          <a:p>
+            <a:r>
+              <a:rPr lang="es-ES" dirty="0"/>
+              <a:t>Software </a:t>
+            </a:r>
+            <a:r>
+              <a:rPr lang="es-ES" dirty="0" err="1"/>
+              <a:t>engineering</a:t>
+            </a:r>
+            <a:r>
+              <a:rPr lang="es-ES" dirty="0"/>
+              <a:t> </a:t>
+            </a:r>
+            <a:r>
+              <a:rPr lang="es-ES" dirty="0" err="1"/>
+              <a:t>activities</a:t>
+            </a:r>
+            <a:br>
+              <a:rPr lang="es-ES" dirty="0"/>
+            </a:br>
+            <a:r>
+              <a:rPr lang="es-ES" dirty="0"/>
+              <a:t>(</a:t>
+            </a:r>
+            <a:r>
+              <a:rPr lang="es-ES" dirty="0" err="1"/>
+              <a:t>Design</a:t>
+            </a:r>
+            <a:r>
+              <a:rPr lang="es-ES" dirty="0"/>
+              <a:t> </a:t>
+            </a:r>
+            <a:r>
+              <a:rPr lang="es-ES" dirty="0" err="1"/>
+              <a:t>model</a:t>
+            </a:r>
+            <a:r>
+              <a:rPr lang="es-ES" dirty="0"/>
+              <a:t>)</a:t>
+            </a:r>
             <a:endParaRPr lang="en-US" noProof="0" dirty="0"/>
           </a:p>
         </p:txBody>
@@ -11531,7 +13322,7 @@
     </p:spTree>
     <p:extLst>
       <p:ext uri="{BB962C8B-B14F-4D97-AF65-F5344CB8AC3E}">
-        <p14:creationId xmlns:p14="http://schemas.microsoft.com/office/powerpoint/2010/main" val="1895953281"/>
+        <p14:creationId xmlns:p14="http://schemas.microsoft.com/office/powerpoint/2010/main" val="3635521527"/>
       </p:ext>
     </p:extLst>
   </p:cSld>
@@ -11561,10 +13352,94 @@
       </p:grpSpPr>
       <p:sp>
         <p:nvSpPr>
-          <p:cNvPr id="2" name="Título 1">
+          <p:cNvPr id="6148" name="Rectangle 4"/>
+          <p:cNvSpPr>
+            <a:spLocks noGrp="1" noChangeArrowheads="1"/>
+          </p:cNvSpPr>
+          <p:nvPr>
+            <p:ph type="title"/>
+          </p:nvPr>
+        </p:nvSpPr>
+        <p:spPr>
+          <a:xfrm>
+            <a:off x="304800" y="262144"/>
+            <a:ext cx="8534400" cy="758952"/>
+          </a:xfrm>
+        </p:spPr>
+        <p:txBody>
+          <a:bodyPr>
+            <a:normAutofit fontScale="90000"/>
+          </a:bodyPr>
+          <a:lstStyle/>
+          <a:p>
+            <a:r>
+              <a:rPr lang="es-ES" dirty="0"/>
+              <a:t>Software </a:t>
+            </a:r>
+            <a:r>
+              <a:rPr lang="es-ES" dirty="0" err="1"/>
+              <a:t>engineering</a:t>
+            </a:r>
+            <a:r>
+              <a:rPr lang="es-ES" dirty="0"/>
+              <a:t> </a:t>
+            </a:r>
+            <a:r>
+              <a:rPr lang="es-ES" dirty="0" err="1"/>
+              <a:t>activities</a:t>
+            </a:r>
+            <a:br>
+              <a:rPr lang="es-ES" dirty="0"/>
+            </a:br>
+            <a:r>
+              <a:rPr lang="es-ES" dirty="0"/>
+              <a:t>(</a:t>
+            </a:r>
+            <a:r>
+              <a:rPr lang="es-ES" dirty="0" err="1"/>
+              <a:t>Domain</a:t>
+            </a:r>
+            <a:r>
+              <a:rPr lang="es-ES" dirty="0"/>
+              <a:t> </a:t>
+            </a:r>
+            <a:r>
+              <a:rPr lang="es-ES" dirty="0" err="1"/>
+              <a:t>model</a:t>
+            </a:r>
+            <a:r>
+              <a:rPr lang="es-ES" dirty="0"/>
+              <a:t>)</a:t>
+            </a:r>
+            <a:endParaRPr lang="en-US" noProof="0" dirty="0"/>
+          </a:p>
+        </p:txBody>
+      </p:sp>
+      <p:sp>
+        <p:nvSpPr>
+          <p:cNvPr id="3" name="Marcador de contenido 2"/>
+          <p:cNvSpPr>
+            <a:spLocks noGrp="1"/>
+          </p:cNvSpPr>
+          <p:nvPr>
+            <p:ph sz="quarter" idx="1"/>
+          </p:nvPr>
+        </p:nvSpPr>
+        <p:spPr/>
+        <p:txBody>
+          <a:bodyPr/>
+          <a:lstStyle/>
+          <a:p>
+            <a:endParaRPr lang="es-ES" dirty="0"/>
+          </a:p>
+        </p:txBody>
+      </p:sp>
+      <p:sp>
+        <p:nvSpPr>
+          <p:cNvPr id="4" name="Marcador de pie de página 3">
             <a:extLst>
               <a:ext uri="{FF2B5EF4-FFF2-40B4-BE49-F238E27FC236}">
-                <a16:creationId xmlns:a16="http://schemas.microsoft.com/office/drawing/2014/main" id="{EDDB7FB3-AB0A-4780-9F6D-5EE0ECC19741}"/>
+                <a16:creationId xmlns:a16="http://schemas.microsoft.com/office/drawing/2014/main" id="{18F56995-13B3-204A-B331-B4CE95F7AED3}"/>
               </a:ext>
             </a:extLst>
           </p:cNvPr>
@@ -11572,31 +13447,6 @@
             <a:spLocks noGrp="1"/>
           </p:cNvSpPr>
           <p:nvPr>
-            <p:ph type="title"/>
-          </p:nvPr>
-        </p:nvSpPr>
-        <p:spPr/>
-        <p:txBody>
-          <a:bodyPr/>
-          <a:lstStyle/>
-          <a:p>
-            <a:endParaRPr lang="en-GB"/>
-          </a:p>
-        </p:txBody>
-      </p:sp>
-      <p:sp>
-        <p:nvSpPr>
-          <p:cNvPr id="3" name="Marcador de pie de página 2">
-            <a:extLst>
-              <a:ext uri="{FF2B5EF4-FFF2-40B4-BE49-F238E27FC236}">
-                <a16:creationId xmlns:a16="http://schemas.microsoft.com/office/drawing/2014/main" id="{0A7B3FCE-D3D7-48D6-BD13-89A4D48DB0A1}"/>
-              </a:ext>
-            </a:extLst>
-          </p:cNvPr>
-          <p:cNvSpPr>
-            <a:spLocks noGrp="1"/>
-          </p:cNvSpPr>
-          <p:nvPr>
             <p:ph type="ftr" sz="quarter" idx="11"/>
           </p:nvPr>
         </p:nvSpPr>
@@ -11610,38 +13460,13 @@
               <a:t>Introduction to Software Engineering - Final Presentations</a:t>
             </a:r>
             <a:endParaRPr lang="en-US" dirty="0"/>
-          </a:p>
-        </p:txBody>
-      </p:sp>
-      <p:sp>
-        <p:nvSpPr>
-          <p:cNvPr id="4" name="Marcador de contenido 3">
-            <a:extLst>
-              <a:ext uri="{FF2B5EF4-FFF2-40B4-BE49-F238E27FC236}">
-                <a16:creationId xmlns:a16="http://schemas.microsoft.com/office/drawing/2014/main" id="{1C69F57B-8E0D-488D-8F28-4914A083C60B}"/>
-              </a:ext>
-            </a:extLst>
-          </p:cNvPr>
-          <p:cNvSpPr>
-            <a:spLocks noGrp="1"/>
-          </p:cNvSpPr>
-          <p:nvPr>
-            <p:ph sz="quarter" idx="1"/>
-          </p:nvPr>
-        </p:nvSpPr>
-        <p:spPr/>
-        <p:txBody>
-          <a:bodyPr/>
-          <a:lstStyle/>
-          <a:p>
-            <a:endParaRPr lang="en-GB"/>
           </a:p>
         </p:txBody>
       </p:sp>
     </p:spTree>
     <p:extLst>
       <p:ext uri="{BB962C8B-B14F-4D97-AF65-F5344CB8AC3E}">
-        <p14:creationId xmlns:p14="http://schemas.microsoft.com/office/powerpoint/2010/main" val="2857324025"/>
+        <p14:creationId xmlns:p14="http://schemas.microsoft.com/office/powerpoint/2010/main" val="1736405314"/>
       </p:ext>
     </p:extLst>
   </p:cSld>

--- a/IntroSWEng.FinalPresentations.pptx
+++ b/IntroSWEng.FinalPresentations.pptx
@@ -18,21 +18,21 @@
     <p:sldId id="262" r:id="rId6"/>
     <p:sldId id="264" r:id="rId7"/>
     <p:sldId id="265" r:id="rId8"/>
-    <p:sldId id="279" r:id="rId9"/>
-    <p:sldId id="278" r:id="rId10"/>
+    <p:sldId id="278" r:id="rId9"/>
+    <p:sldId id="279" r:id="rId10"/>
     <p:sldId id="266" r:id="rId11"/>
-    <p:sldId id="277" r:id="rId12"/>
-    <p:sldId id="267" r:id="rId13"/>
-    <p:sldId id="268" r:id="rId14"/>
-    <p:sldId id="269" r:id="rId15"/>
-    <p:sldId id="270" r:id="rId16"/>
-    <p:sldId id="271" r:id="rId17"/>
-    <p:sldId id="272" r:id="rId18"/>
-    <p:sldId id="273" r:id="rId19"/>
-    <p:sldId id="274" r:id="rId20"/>
-    <p:sldId id="275" r:id="rId21"/>
-    <p:sldId id="276" r:id="rId22"/>
-    <p:sldId id="261" r:id="rId23"/>
+    <p:sldId id="280" r:id="rId12"/>
+    <p:sldId id="277" r:id="rId13"/>
+    <p:sldId id="282" r:id="rId14"/>
+    <p:sldId id="267" r:id="rId15"/>
+    <p:sldId id="283" r:id="rId16"/>
+    <p:sldId id="268" r:id="rId17"/>
+    <p:sldId id="269" r:id="rId18"/>
+    <p:sldId id="270" r:id="rId19"/>
+    <p:sldId id="271" r:id="rId20"/>
+    <p:sldId id="272" r:id="rId21"/>
+    <p:sldId id="273" r:id="rId22"/>
+    <p:sldId id="274" r:id="rId23"/>
   </p:sldIdLst>
   <p:sldSz cx="9144000" cy="6858000" type="screen4x3"/>
   <p:notesSz cx="6858000" cy="9144000"/>
@@ -233,7 +233,7 @@
             <a:fld id="{0252902A-18E7-6440-A09B-741E2A2B6D42}" type="datetimeFigureOut">
               <a:rPr lang="es-ES" smtClean="0"/>
               <a:pPr/>
-              <a:t>06/06/2021</a:t>
+              <a:t>07/06/2021</a:t>
             </a:fld>
             <a:endParaRPr lang="es-ES"/>
           </a:p>
@@ -401,7 +401,7 @@
             <a:fld id="{4FA7064A-13DB-A34E-B31E-2D0AF10C5A7A}" type="datetimeFigureOut">
               <a:rPr lang="es-ES" smtClean="0"/>
               <a:pPr/>
-              <a:t>06/06/2021</a:t>
+              <a:t>07/06/2021</a:t>
             </a:fld>
             <a:endParaRPr lang="es-ES"/>
           </a:p>
@@ -880,7 +880,7 @@
             <a:fld id="{C30C6821-A329-462D-8729-A495B1ADAF6C}" type="slidenum">
               <a:rPr lang="es-ES_tradnl"/>
               <a:pPr/>
-              <a:t>12</a:t>
+              <a:t>14</a:t>
             </a:fld>
             <a:endParaRPr lang="es-ES_tradnl"/>
           </a:p>
@@ -966,7 +966,7 @@
             <a:fld id="{C30C6821-A329-462D-8729-A495B1ADAF6C}" type="slidenum">
               <a:rPr lang="es-ES_tradnl"/>
               <a:pPr/>
-              <a:t>13</a:t>
+              <a:t>15</a:t>
             </a:fld>
             <a:endParaRPr lang="es-ES_tradnl"/>
           </a:p>
@@ -1008,6 +1008,11 @@
         </p:txBody>
       </p:sp>
     </p:spTree>
+    <p:extLst>
+      <p:ext uri="{BB962C8B-B14F-4D97-AF65-F5344CB8AC3E}">
+        <p14:creationId xmlns:p14="http://schemas.microsoft.com/office/powerpoint/2010/main" val="323511439"/>
+      </p:ext>
+    </p:extLst>
   </p:cSld>
   <p:clrMapOvr>
     <a:masterClrMapping/>
@@ -1052,7 +1057,7 @@
             <a:fld id="{C30C6821-A329-462D-8729-A495B1ADAF6C}" type="slidenum">
               <a:rPr lang="es-ES_tradnl"/>
               <a:pPr/>
-              <a:t>14</a:t>
+              <a:t>16</a:t>
             </a:fld>
             <a:endParaRPr lang="es-ES_tradnl"/>
           </a:p>
@@ -1138,7 +1143,7 @@
             <a:fld id="{C30C6821-A329-462D-8729-A495B1ADAF6C}" type="slidenum">
               <a:rPr lang="es-ES_tradnl"/>
               <a:pPr/>
-              <a:t>15</a:t>
+              <a:t>17</a:t>
             </a:fld>
             <a:endParaRPr lang="es-ES_tradnl"/>
           </a:p>
@@ -1224,7 +1229,7 @@
             <a:fld id="{C30C6821-A329-462D-8729-A495B1ADAF6C}" type="slidenum">
               <a:rPr lang="es-ES_tradnl"/>
               <a:pPr/>
-              <a:t>16</a:t>
+              <a:t>18</a:t>
             </a:fld>
             <a:endParaRPr lang="es-ES_tradnl"/>
           </a:p>
@@ -1310,7 +1315,7 @@
             <a:fld id="{C30C6821-A329-462D-8729-A495B1ADAF6C}" type="slidenum">
               <a:rPr lang="es-ES_tradnl"/>
               <a:pPr/>
-              <a:t>17</a:t>
+              <a:t>19</a:t>
             </a:fld>
             <a:endParaRPr lang="es-ES_tradnl"/>
           </a:p>
@@ -1396,7 +1401,7 @@
             <a:fld id="{C30C6821-A329-462D-8729-A495B1ADAF6C}" type="slidenum">
               <a:rPr lang="es-ES_tradnl"/>
               <a:pPr/>
-              <a:t>18</a:t>
+              <a:t>20</a:t>
             </a:fld>
             <a:endParaRPr lang="es-ES_tradnl"/>
           </a:p>
@@ -1482,7 +1487,7 @@
             <a:fld id="{C30C6821-A329-462D-8729-A495B1ADAF6C}" type="slidenum">
               <a:rPr lang="es-ES_tradnl"/>
               <a:pPr/>
-              <a:t>19</a:t>
+              <a:t>21</a:t>
             </a:fld>
             <a:endParaRPr lang="es-ES_tradnl"/>
           </a:p>
@@ -1568,7 +1573,7 @@
             <a:fld id="{C30C6821-A329-462D-8729-A495B1ADAF6C}" type="slidenum">
               <a:rPr lang="es-ES_tradnl"/>
               <a:pPr/>
-              <a:t>20</a:t>
+              <a:t>22</a:t>
             </a:fld>
             <a:endParaRPr lang="es-ES_tradnl"/>
           </a:p>
@@ -1703,178 +1708,6 @@
 </p:notes>
 </file>
 
-<file path=ppt/notesSlides/notesSlide20.xml><?xml version="1.0" encoding="utf-8"?>
-<p:notes xmlns:a="http://schemas.openxmlformats.org/drawingml/2006/main" xmlns:r="http://schemas.openxmlformats.org/officeDocument/2006/relationships" xmlns:p="http://schemas.openxmlformats.org/presentationml/2006/main">
-  <p:cSld>
-    <p:spTree>
-      <p:nvGrpSpPr>
-        <p:cNvPr id="1" name=""/>
-        <p:cNvGrpSpPr/>
-        <p:nvPr/>
-      </p:nvGrpSpPr>
-      <p:grpSpPr>
-        <a:xfrm>
-          <a:off x="0" y="0"/>
-          <a:ext cx="0" cy="0"/>
-          <a:chOff x="0" y="0"/>
-          <a:chExt cx="0" cy="0"/>
-        </a:xfrm>
-      </p:grpSpPr>
-      <p:sp>
-        <p:nvSpPr>
-          <p:cNvPr id="7" name="Rectangle 5"/>
-          <p:cNvSpPr>
-            <a:spLocks noGrp="1" noChangeArrowheads="1"/>
-          </p:cNvSpPr>
-          <p:nvPr>
-            <p:ph type="sldNum" sz="quarter" idx="5"/>
-          </p:nvPr>
-        </p:nvSpPr>
-        <p:spPr>
-          <a:ln/>
-        </p:spPr>
-        <p:txBody>
-          <a:bodyPr/>
-          <a:lstStyle/>
-          <a:p>
-            <a:fld id="{C30C6821-A329-462D-8729-A495B1ADAF6C}" type="slidenum">
-              <a:rPr lang="es-ES_tradnl"/>
-              <a:pPr/>
-              <a:t>21</a:t>
-            </a:fld>
-            <a:endParaRPr lang="es-ES_tradnl"/>
-          </a:p>
-        </p:txBody>
-      </p:sp>
-      <p:sp>
-        <p:nvSpPr>
-          <p:cNvPr id="7170" name="Rectangle 2"/>
-          <p:cNvSpPr>
-            <a:spLocks noGrp="1" noRot="1" noChangeAspect="1" noChangeArrowheads="1" noTextEdit="1"/>
-          </p:cNvSpPr>
-          <p:nvPr>
-            <p:ph type="sldImg"/>
-          </p:nvPr>
-        </p:nvSpPr>
-        <p:spPr>
-          <a:ln cap="flat"/>
-        </p:spPr>
-      </p:sp>
-      <p:sp>
-        <p:nvSpPr>
-          <p:cNvPr id="7171" name="Rectangle 3"/>
-          <p:cNvSpPr>
-            <a:spLocks noGrp="1" noChangeArrowheads="1"/>
-          </p:cNvSpPr>
-          <p:nvPr>
-            <p:ph type="body" idx="1"/>
-          </p:nvPr>
-        </p:nvSpPr>
-        <p:spPr>
-          <a:ln/>
-        </p:spPr>
-        <p:txBody>
-          <a:bodyPr/>
-          <a:lstStyle/>
-          <a:p>
-            <a:endParaRPr lang="es-ES"/>
-          </a:p>
-        </p:txBody>
-      </p:sp>
-    </p:spTree>
-  </p:cSld>
-  <p:clrMapOvr>
-    <a:masterClrMapping/>
-  </p:clrMapOvr>
-</p:notes>
-</file>
-
-<file path=ppt/notesSlides/notesSlide21.xml><?xml version="1.0" encoding="utf-8"?>
-<p:notes xmlns:a="http://schemas.openxmlformats.org/drawingml/2006/main" xmlns:r="http://schemas.openxmlformats.org/officeDocument/2006/relationships" xmlns:p="http://schemas.openxmlformats.org/presentationml/2006/main">
-  <p:cSld>
-    <p:spTree>
-      <p:nvGrpSpPr>
-        <p:cNvPr id="1" name=""/>
-        <p:cNvGrpSpPr/>
-        <p:nvPr/>
-      </p:nvGrpSpPr>
-      <p:grpSpPr>
-        <a:xfrm>
-          <a:off x="0" y="0"/>
-          <a:ext cx="0" cy="0"/>
-          <a:chOff x="0" y="0"/>
-          <a:chExt cx="0" cy="0"/>
-        </a:xfrm>
-      </p:grpSpPr>
-      <p:sp>
-        <p:nvSpPr>
-          <p:cNvPr id="7" name="Rectangle 5"/>
-          <p:cNvSpPr>
-            <a:spLocks noGrp="1" noChangeArrowheads="1"/>
-          </p:cNvSpPr>
-          <p:nvPr>
-            <p:ph type="sldNum" sz="quarter" idx="5"/>
-          </p:nvPr>
-        </p:nvSpPr>
-        <p:spPr>
-          <a:ln/>
-        </p:spPr>
-        <p:txBody>
-          <a:bodyPr/>
-          <a:lstStyle/>
-          <a:p>
-            <a:fld id="{C30C6821-A329-462D-8729-A495B1ADAF6C}" type="slidenum">
-              <a:rPr lang="es-ES_tradnl"/>
-              <a:pPr/>
-              <a:t>22</a:t>
-            </a:fld>
-            <a:endParaRPr lang="es-ES_tradnl"/>
-          </a:p>
-        </p:txBody>
-      </p:sp>
-      <p:sp>
-        <p:nvSpPr>
-          <p:cNvPr id="7170" name="Rectangle 2"/>
-          <p:cNvSpPr>
-            <a:spLocks noGrp="1" noRot="1" noChangeAspect="1" noChangeArrowheads="1" noTextEdit="1"/>
-          </p:cNvSpPr>
-          <p:nvPr>
-            <p:ph type="sldImg"/>
-          </p:nvPr>
-        </p:nvSpPr>
-        <p:spPr>
-          <a:ln cap="flat"/>
-        </p:spPr>
-      </p:sp>
-      <p:sp>
-        <p:nvSpPr>
-          <p:cNvPr id="7171" name="Rectangle 3"/>
-          <p:cNvSpPr>
-            <a:spLocks noGrp="1" noChangeArrowheads="1"/>
-          </p:cNvSpPr>
-          <p:nvPr>
-            <p:ph type="body" idx="1"/>
-          </p:nvPr>
-        </p:nvSpPr>
-        <p:spPr>
-          <a:ln/>
-        </p:spPr>
-        <p:txBody>
-          <a:bodyPr/>
-          <a:lstStyle/>
-          <a:p>
-            <a:endParaRPr lang="es-ES"/>
-          </a:p>
-        </p:txBody>
-      </p:sp>
-    </p:spTree>
-  </p:cSld>
-  <p:clrMapOvr>
-    <a:masterClrMapping/>
-  </p:clrMapOvr>
-</p:notes>
-</file>
-
 <file path=ppt/notesSlides/notesSlide3.xml><?xml version="1.0" encoding="utf-8"?>
 <p:notes xmlns:a="http://schemas.openxmlformats.org/drawingml/2006/main" xmlns:r="http://schemas.openxmlformats.org/officeDocument/2006/relationships" xmlns:p="http://schemas.openxmlformats.org/presentationml/2006/main">
   <p:cSld>
@@ -2386,7 +2219,7 @@
     </p:spTree>
     <p:extLst>
       <p:ext uri="{BB962C8B-B14F-4D97-AF65-F5344CB8AC3E}">
-        <p14:creationId xmlns:p14="http://schemas.microsoft.com/office/powerpoint/2010/main" val="557425977"/>
+        <p14:creationId xmlns:p14="http://schemas.microsoft.com/office/powerpoint/2010/main" val="3080548510"/>
       </p:ext>
     </p:extLst>
   </p:cSld>
@@ -2477,7 +2310,7 @@
     </p:spTree>
     <p:extLst>
       <p:ext uri="{BB962C8B-B14F-4D97-AF65-F5344CB8AC3E}">
-        <p14:creationId xmlns:p14="http://schemas.microsoft.com/office/powerpoint/2010/main" val="3080548510"/>
+        <p14:creationId xmlns:p14="http://schemas.microsoft.com/office/powerpoint/2010/main" val="557425977"/>
       </p:ext>
     </p:extLst>
   </p:cSld>
@@ -8613,7 +8446,7 @@
             <p:ph sz="quarter" idx="1"/>
             <p:extLst>
               <p:ext uri="{D42A27DB-BD31-4B8C-83A1-F6EECF244321}">
-                <p14:modId xmlns:p14="http://schemas.microsoft.com/office/powerpoint/2010/main" val="2289675555"/>
+                <p14:modId xmlns:p14="http://schemas.microsoft.com/office/powerpoint/2010/main" val="59881822"/>
               </p:ext>
             </p:extLst>
           </p:nvPr>
@@ -9292,7 +9125,11 @@
                       </a:pPr>
                       <a:r>
                         <a:rPr lang="es-ES" sz="1800" dirty="0"/>
-                        <a:t>Selim</a:t>
+                        <a:t>Selim </a:t>
+                      </a:r>
+                      <a:r>
+                        <a:rPr lang="es-ES" sz="1800" dirty="0" err="1"/>
+                        <a:t>Daouda</a:t>
                       </a:r>
                       <a:endParaRPr lang="es-ES_tradnl" sz="1800" dirty="0"/>
                     </a:p>
@@ -9491,25 +9328,35 @@
           </a:p>
         </p:txBody>
       </p:sp>
-      <p:sp>
-        <p:nvSpPr>
-          <p:cNvPr id="3" name="Marcador de contenido 2"/>
-          <p:cNvSpPr>
-            <a:spLocks noGrp="1"/>
-          </p:cNvSpPr>
+      <p:pic>
+        <p:nvPicPr>
+          <p:cNvPr id="5" name="Marcador de contenido 4">
+            <a:extLst>
+              <a:ext uri="{FF2B5EF4-FFF2-40B4-BE49-F238E27FC236}">
+                <a16:creationId xmlns:a16="http://schemas.microsoft.com/office/drawing/2014/main" id="{FFB69C7C-CE9F-4D9C-9493-B2CBE94EB314}"/>
+              </a:ext>
+            </a:extLst>
+          </p:cNvPr>
+          <p:cNvPicPr>
+            <a:picLocks noGrp="1" noChangeAspect="1"/>
+          </p:cNvPicPr>
           <p:nvPr>
             <p:ph sz="quarter" idx="1"/>
           </p:nvPr>
-        </p:nvSpPr>
-        <p:spPr/>
-        <p:txBody>
-          <a:bodyPr/>
-          <a:lstStyle/>
-          <a:p>
-            <a:endParaRPr lang="es-ES" dirty="0"/>
-          </a:p>
-        </p:txBody>
-      </p:sp>
+        </p:nvPicPr>
+        <p:blipFill>
+          <a:blip r:embed="rId3"/>
+          <a:stretch>
+            <a:fillRect/>
+          </a:stretch>
+        </p:blipFill>
+        <p:spPr>
+          <a:xfrm>
+            <a:off x="185205" y="2192741"/>
+            <a:ext cx="8773590" cy="3194071"/>
+          </a:xfrm>
+        </p:spPr>
+      </p:pic>
       <p:sp>
         <p:nvSpPr>
           <p:cNvPr id="4" name="Marcador de pie de página 3">
@@ -9710,39 +9557,42 @@
               <a:t>Interface segregation principle (ISP)</a:t>
             </a:r>
           </a:p>
-          <a:p>
-            <a:pPr lvl="1"/>
-            <a:r>
-              <a:rPr lang="en-GB" dirty="0"/>
-              <a:t>Dependency inversion principle (DIP)</a:t>
-            </a:r>
-          </a:p>
-          <a:p>
-            <a:pPr lvl="1"/>
-            <a:r>
-              <a:rPr lang="en-GB" dirty="0"/>
-              <a:t>Don’t repeat yourself (DRY)</a:t>
-            </a:r>
-          </a:p>
-          <a:p>
-            <a:r>
-              <a:rPr lang="en-GB" dirty="0"/>
-              <a:t>Patterns</a:t>
-            </a:r>
-          </a:p>
-          <a:p>
-            <a:pPr lvl="1"/>
-            <a:r>
-              <a:rPr lang="en-GB" dirty="0"/>
-              <a:t>Singleton</a:t>
-            </a:r>
-          </a:p>
-        </p:txBody>
-      </p:sp>
+        </p:txBody>
+      </p:sp>
+      <p:pic>
+        <p:nvPicPr>
+          <p:cNvPr id="6" name="Imagen 5">
+            <a:extLst>
+              <a:ext uri="{FF2B5EF4-FFF2-40B4-BE49-F238E27FC236}">
+                <a16:creationId xmlns:a16="http://schemas.microsoft.com/office/drawing/2014/main" id="{10059E8E-D308-4E4C-9C51-0E3BE8F82AFA}"/>
+              </a:ext>
+            </a:extLst>
+          </p:cNvPr>
+          <p:cNvPicPr>
+            <a:picLocks noChangeAspect="1"/>
+          </p:cNvPicPr>
+          <p:nvPr/>
+        </p:nvPicPr>
+        <p:blipFill>
+          <a:blip r:embed="rId2"/>
+          <a:stretch>
+            <a:fillRect/>
+          </a:stretch>
+        </p:blipFill>
+        <p:spPr>
+          <a:xfrm>
+            <a:off x="1449451" y="3125005"/>
+            <a:ext cx="5630360" cy="2856746"/>
+          </a:xfrm>
+          <a:prstGeom prst="rect">
+            <a:avLst/>
+          </a:prstGeom>
+        </p:spPr>
+      </p:pic>
     </p:spTree>
     <p:extLst>
       <p:ext uri="{BB962C8B-B14F-4D97-AF65-F5344CB8AC3E}">
-        <p14:creationId xmlns:p14="http://schemas.microsoft.com/office/powerpoint/2010/main" val="2857324025"/>
+        <p14:creationId xmlns:p14="http://schemas.microsoft.com/office/powerpoint/2010/main" val="804197055"/>
       </p:ext>
     </p:extLst>
   </p:cSld>
@@ -9772,10 +9622,10 @@
       </p:grpSpPr>
       <p:sp>
         <p:nvSpPr>
-          <p:cNvPr id="5" name="Título 1">
+          <p:cNvPr id="2" name="Título 1">
             <a:extLst>
               <a:ext uri="{FF2B5EF4-FFF2-40B4-BE49-F238E27FC236}">
-                <a16:creationId xmlns:a16="http://schemas.microsoft.com/office/drawing/2014/main" id="{F8E42187-B76D-48AC-9008-C59DEF425347}"/>
+                <a16:creationId xmlns:a16="http://schemas.microsoft.com/office/drawing/2014/main" id="{EDDB7FB3-AB0A-4780-9F6D-5EE0ECC19741}"/>
               </a:ext>
             </a:extLst>
           </p:cNvPr>
@@ -9788,62 +9638,65 @@
         </p:nvSpPr>
         <p:spPr>
           <a:xfrm>
-            <a:off x="301752" y="228600"/>
+            <a:off x="301752" y="262144"/>
             <a:ext cx="8534400" cy="758952"/>
           </a:xfrm>
         </p:spPr>
         <p:txBody>
-          <a:bodyPr anchor="b">
-            <a:normAutofit/>
+          <a:bodyPr>
+            <a:normAutofit fontScale="90000"/>
           </a:bodyPr>
           <a:lstStyle/>
           <a:p>
-            <a:pPr>
-              <a:lnSpc>
-                <a:spcPct val="90000"/>
-              </a:lnSpc>
-            </a:pPr>
-            <a:r>
-              <a:rPr lang="es-ES" sz="2300" dirty="0"/>
+            <a:r>
+              <a:rPr lang="es-ES" dirty="0"/>
               <a:t>Software </a:t>
             </a:r>
             <a:r>
-              <a:rPr lang="es-ES" sz="2300" dirty="0" err="1"/>
+              <a:rPr lang="es-ES" dirty="0" err="1"/>
               <a:t>engineering</a:t>
             </a:r>
             <a:r>
-              <a:rPr lang="es-ES" sz="2300" dirty="0"/>
+              <a:rPr lang="es-ES" dirty="0"/>
               <a:t> </a:t>
             </a:r>
             <a:r>
-              <a:rPr lang="es-ES" sz="2300" dirty="0" err="1"/>
+              <a:rPr lang="es-ES" dirty="0" err="1"/>
               <a:t>activities</a:t>
             </a:r>
             <a:br>
-              <a:rPr lang="es-ES" sz="2300" dirty="0"/>
+              <a:rPr lang="es-ES" dirty="0"/>
             </a:br>
             <a:r>
-              <a:rPr lang="es-ES" sz="2300" dirty="0"/>
+              <a:rPr lang="es-ES" dirty="0"/>
               <a:t>(</a:t>
             </a:r>
             <a:r>
-              <a:rPr lang="es-ES" sz="2300" dirty="0" err="1"/>
-              <a:t>Testing</a:t>
-            </a:r>
-            <a:r>
-              <a:rPr lang="es-ES" sz="2300" dirty="0"/>
+              <a:rPr lang="es-ES" dirty="0" err="1"/>
+              <a:t>Principles</a:t>
+            </a:r>
+            <a:r>
+              <a:rPr lang="es-ES" dirty="0"/>
+              <a:t>/</a:t>
+            </a:r>
+            <a:r>
+              <a:rPr lang="es-ES" dirty="0" err="1"/>
+              <a:t>Patterns</a:t>
+            </a:r>
+            <a:r>
+              <a:rPr lang="es-ES" dirty="0"/>
               <a:t>)</a:t>
             </a:r>
-            <a:endParaRPr lang="en-GB" sz="2300" dirty="0"/>
-          </a:p>
-        </p:txBody>
-      </p:sp>
-      <p:sp>
-        <p:nvSpPr>
-          <p:cNvPr id="4" name="Marcador de pie de página 3">
+            <a:endParaRPr lang="en-GB" dirty="0"/>
+          </a:p>
+        </p:txBody>
+      </p:sp>
+      <p:sp>
+        <p:nvSpPr>
+          <p:cNvPr id="3" name="Marcador de pie de página 2">
             <a:extLst>
               <a:ext uri="{FF2B5EF4-FFF2-40B4-BE49-F238E27FC236}">
-                <a16:creationId xmlns:a16="http://schemas.microsoft.com/office/drawing/2014/main" id="{BDDE91A7-D4F8-2E4D-A9BD-6AD412D433DC}"/>
+                <a16:creationId xmlns:a16="http://schemas.microsoft.com/office/drawing/2014/main" id="{0A7B3FCE-D3D7-48D6-BD13-89A4D48DB0A1}"/>
               </a:ext>
             </a:extLst>
           </p:cNvPr>
@@ -9854,82 +9707,67 @@
             <p:ph type="ftr" sz="quarter" idx="11"/>
           </p:nvPr>
         </p:nvSpPr>
-        <p:spPr>
-          <a:xfrm>
-            <a:off x="304800" y="6410848"/>
-            <a:ext cx="5340096" cy="365760"/>
-          </a:xfrm>
-        </p:spPr>
-        <p:txBody>
-          <a:bodyPr>
-            <a:normAutofit/>
-          </a:bodyPr>
-          <a:lstStyle/>
-          <a:p>
-            <a:pPr>
-              <a:spcAft>
-                <a:spcPts val="600"/>
-              </a:spcAft>
-            </a:pPr>
+        <p:spPr/>
+        <p:txBody>
+          <a:bodyPr/>
+          <a:lstStyle/>
+          <a:p>
             <a:r>
               <a:rPr lang="en"/>
               <a:t>Introduction to Software Engineering - Final Presentations</a:t>
             </a:r>
-            <a:endParaRPr lang="en-US"/>
-          </a:p>
-        </p:txBody>
-      </p:sp>
-      <p:sp>
-        <p:nvSpPr>
-          <p:cNvPr id="3" name="Marcador de contenido 2"/>
+            <a:endParaRPr lang="en-US" dirty="0"/>
+          </a:p>
+        </p:txBody>
+      </p:sp>
+      <p:sp>
+        <p:nvSpPr>
+          <p:cNvPr id="4" name="Marcador de contenido 3">
+            <a:extLst>
+              <a:ext uri="{FF2B5EF4-FFF2-40B4-BE49-F238E27FC236}">
+                <a16:creationId xmlns:a16="http://schemas.microsoft.com/office/drawing/2014/main" id="{1C69F57B-8E0D-488D-8F28-4914A083C60B}"/>
+              </a:ext>
+            </a:extLst>
+          </p:cNvPr>
           <p:cNvSpPr>
             <a:spLocks noGrp="1"/>
           </p:cNvSpPr>
           <p:nvPr>
-            <p:ph sz="half" idx="1"/>
-          </p:nvPr>
-        </p:nvSpPr>
-        <p:spPr>
-          <a:xfrm>
-            <a:off x="301752" y="1371600"/>
-            <a:ext cx="4038600" cy="4681728"/>
-          </a:xfrm>
-        </p:spPr>
-        <p:txBody>
-          <a:bodyPr>
-            <a:normAutofit/>
-          </a:bodyPr>
-          <a:lstStyle/>
-          <a:p>
-            <a:r>
-              <a:rPr lang="es-ES" dirty="0"/>
-              <a:t>Test-</a:t>
-            </a:r>
-            <a:r>
-              <a:rPr lang="es-ES" dirty="0" err="1"/>
-              <a:t>driven</a:t>
-            </a:r>
-            <a:r>
-              <a:rPr lang="es-ES" dirty="0"/>
-              <a:t> </a:t>
-            </a:r>
-            <a:r>
-              <a:rPr lang="es-ES" dirty="0" err="1"/>
-              <a:t>development</a:t>
-            </a:r>
-            <a:r>
-              <a:rPr lang="es-ES" dirty="0"/>
-              <a:t> (TDD)</a:t>
+            <p:ph sz="quarter" idx="1"/>
+          </p:nvPr>
+        </p:nvSpPr>
+        <p:spPr/>
+        <p:txBody>
+          <a:bodyPr/>
+          <a:lstStyle/>
+          <a:p>
+            <a:r>
+              <a:rPr lang="en-GB" dirty="0"/>
+              <a:t>Principles</a:t>
+            </a:r>
+          </a:p>
+          <a:p>
+            <a:pPr lvl="1"/>
+            <a:r>
+              <a:rPr lang="en-GB" dirty="0"/>
+              <a:t>Dependency inversion principle (DIP)</a:t>
+            </a:r>
+          </a:p>
+          <a:p>
+            <a:pPr lvl="1"/>
+            <a:r>
+              <a:rPr lang="en-GB" dirty="0"/>
+              <a:t>Don’t repeat yourself (DRY)</a:t>
             </a:r>
           </a:p>
         </p:txBody>
       </p:sp>
       <p:pic>
         <p:nvPicPr>
-          <p:cNvPr id="8" name="Imagen 7" descr="Diagrama&#10;&#10;Descripción generada automáticamente">
+          <p:cNvPr id="6" name="Imagen 5">
             <a:extLst>
               <a:ext uri="{FF2B5EF4-FFF2-40B4-BE49-F238E27FC236}">
-                <a16:creationId xmlns:a16="http://schemas.microsoft.com/office/drawing/2014/main" id="{CC5D1FE8-A97A-4C96-A86B-81CB987843BF}"/>
+                <a16:creationId xmlns:a16="http://schemas.microsoft.com/office/drawing/2014/main" id="{1DE81BAD-5E92-4DD7-AF02-F0F35CBC0D6B}"/>
               </a:ext>
             </a:extLst>
           </p:cNvPr>
@@ -9939,32 +9777,25 @@
           <p:nvPr/>
         </p:nvPicPr>
         <p:blipFill>
-          <a:blip r:embed="rId3" cstate="email">
-            <a:extLst>
-              <a:ext uri="{28A0092B-C50C-407E-A947-70E740481C1C}">
-                <a14:useLocalDpi xmlns:a14="http://schemas.microsoft.com/office/drawing/2010/main" val="0"/>
-              </a:ext>
-            </a:extLst>
-          </a:blip>
+          <a:blip r:embed="rId2"/>
           <a:stretch>
             <a:fillRect/>
           </a:stretch>
         </p:blipFill>
         <p:spPr>
           <a:xfrm>
-            <a:off x="4988174" y="1371600"/>
-            <a:ext cx="3663451" cy="4681728"/>
+            <a:off x="1935745" y="3234485"/>
+            <a:ext cx="4514910" cy="2708946"/>
           </a:xfrm>
           <a:prstGeom prst="rect">
             <a:avLst/>
           </a:prstGeom>
-          <a:noFill/>
         </p:spPr>
       </p:pic>
     </p:spTree>
     <p:extLst>
       <p:ext uri="{BB962C8B-B14F-4D97-AF65-F5344CB8AC3E}">
-        <p14:creationId xmlns:p14="http://schemas.microsoft.com/office/powerpoint/2010/main" val="2158445742"/>
+        <p14:creationId xmlns:p14="http://schemas.microsoft.com/office/powerpoint/2010/main" val="2857324025"/>
       </p:ext>
     </p:extLst>
   </p:cSld>
@@ -9994,9 +9825,15 @@
       </p:grpSpPr>
       <p:sp>
         <p:nvSpPr>
-          <p:cNvPr id="6148" name="Rectangle 4"/>
-          <p:cNvSpPr>
-            <a:spLocks noGrp="1" noChangeArrowheads="1"/>
+          <p:cNvPr id="2" name="Título 1">
+            <a:extLst>
+              <a:ext uri="{FF2B5EF4-FFF2-40B4-BE49-F238E27FC236}">
+                <a16:creationId xmlns:a16="http://schemas.microsoft.com/office/drawing/2014/main" id="{EDDB7FB3-AB0A-4780-9F6D-5EE0ECC19741}"/>
+              </a:ext>
+            </a:extLst>
+          </p:cNvPr>
+          <p:cNvSpPr>
+            <a:spLocks noGrp="1"/>
           </p:cNvSpPr>
           <p:nvPr>
             <p:ph type="title"/>
@@ -10015,6 +9852,720 @@
           <a:lstStyle/>
           <a:p>
             <a:r>
+              <a:rPr lang="es-ES" dirty="0"/>
+              <a:t>Software </a:t>
+            </a:r>
+            <a:r>
+              <a:rPr lang="es-ES" dirty="0" err="1"/>
+              <a:t>engineering</a:t>
+            </a:r>
+            <a:r>
+              <a:rPr lang="es-ES" dirty="0"/>
+              <a:t> </a:t>
+            </a:r>
+            <a:r>
+              <a:rPr lang="es-ES" dirty="0" err="1"/>
+              <a:t>activities</a:t>
+            </a:r>
+            <a:br>
+              <a:rPr lang="es-ES" dirty="0"/>
+            </a:br>
+            <a:r>
+              <a:rPr lang="es-ES" dirty="0"/>
+              <a:t>(</a:t>
+            </a:r>
+            <a:r>
+              <a:rPr lang="es-ES" dirty="0" err="1"/>
+              <a:t>Principles</a:t>
+            </a:r>
+            <a:r>
+              <a:rPr lang="es-ES" dirty="0"/>
+              <a:t>/</a:t>
+            </a:r>
+            <a:r>
+              <a:rPr lang="es-ES" dirty="0" err="1"/>
+              <a:t>Patterns</a:t>
+            </a:r>
+            <a:r>
+              <a:rPr lang="es-ES" dirty="0"/>
+              <a:t>)</a:t>
+            </a:r>
+            <a:endParaRPr lang="en-GB" dirty="0"/>
+          </a:p>
+        </p:txBody>
+      </p:sp>
+      <p:sp>
+        <p:nvSpPr>
+          <p:cNvPr id="3" name="Marcador de pie de página 2">
+            <a:extLst>
+              <a:ext uri="{FF2B5EF4-FFF2-40B4-BE49-F238E27FC236}">
+                <a16:creationId xmlns:a16="http://schemas.microsoft.com/office/drawing/2014/main" id="{0A7B3FCE-D3D7-48D6-BD13-89A4D48DB0A1}"/>
+              </a:ext>
+            </a:extLst>
+          </p:cNvPr>
+          <p:cNvSpPr>
+            <a:spLocks noGrp="1"/>
+          </p:cNvSpPr>
+          <p:nvPr>
+            <p:ph type="ftr" sz="quarter" idx="11"/>
+          </p:nvPr>
+        </p:nvSpPr>
+        <p:spPr/>
+        <p:txBody>
+          <a:bodyPr/>
+          <a:lstStyle/>
+          <a:p>
+            <a:r>
+              <a:rPr lang="en"/>
+              <a:t>Introduction to Software Engineering - Final Presentations</a:t>
+            </a:r>
+            <a:endParaRPr lang="en-US" dirty="0"/>
+          </a:p>
+        </p:txBody>
+      </p:sp>
+      <p:sp>
+        <p:nvSpPr>
+          <p:cNvPr id="4" name="Marcador de contenido 3">
+            <a:extLst>
+              <a:ext uri="{FF2B5EF4-FFF2-40B4-BE49-F238E27FC236}">
+                <a16:creationId xmlns:a16="http://schemas.microsoft.com/office/drawing/2014/main" id="{1C69F57B-8E0D-488D-8F28-4914A083C60B}"/>
+              </a:ext>
+            </a:extLst>
+          </p:cNvPr>
+          <p:cNvSpPr>
+            <a:spLocks noGrp="1"/>
+          </p:cNvSpPr>
+          <p:nvPr>
+            <p:ph sz="quarter" idx="1"/>
+          </p:nvPr>
+        </p:nvSpPr>
+        <p:spPr/>
+        <p:txBody>
+          <a:bodyPr/>
+          <a:lstStyle/>
+          <a:p>
+            <a:r>
+              <a:rPr lang="en-GB" dirty="0"/>
+              <a:t>Patterns</a:t>
+            </a:r>
+          </a:p>
+          <a:p>
+            <a:pPr lvl="1"/>
+            <a:r>
+              <a:rPr lang="en-GB" dirty="0"/>
+              <a:t>Singleton</a:t>
+            </a:r>
+          </a:p>
+          <a:p>
+            <a:pPr lvl="1"/>
+            <a:r>
+              <a:rPr lang="en-GB" dirty="0"/>
+              <a:t>Strategy</a:t>
+            </a:r>
+          </a:p>
+        </p:txBody>
+      </p:sp>
+      <p:pic>
+        <p:nvPicPr>
+          <p:cNvPr id="6" name="Imagen 5">
+            <a:extLst>
+              <a:ext uri="{FF2B5EF4-FFF2-40B4-BE49-F238E27FC236}">
+                <a16:creationId xmlns:a16="http://schemas.microsoft.com/office/drawing/2014/main" id="{8A1147E9-785F-4246-8291-23D6FFEE9EB0}"/>
+              </a:ext>
+            </a:extLst>
+          </p:cNvPr>
+          <p:cNvPicPr>
+            <a:picLocks noChangeAspect="1"/>
+          </p:cNvPicPr>
+          <p:nvPr/>
+        </p:nvPicPr>
+        <p:blipFill>
+          <a:blip r:embed="rId2"/>
+          <a:stretch>
+            <a:fillRect/>
+          </a:stretch>
+        </p:blipFill>
+        <p:spPr>
+          <a:xfrm>
+            <a:off x="3749644" y="2238374"/>
+            <a:ext cx="2133600" cy="1190625"/>
+          </a:xfrm>
+          <a:prstGeom prst="rect">
+            <a:avLst/>
+          </a:prstGeom>
+        </p:spPr>
+      </p:pic>
+      <p:pic>
+        <p:nvPicPr>
+          <p:cNvPr id="8" name="Imagen 7">
+            <a:extLst>
+              <a:ext uri="{FF2B5EF4-FFF2-40B4-BE49-F238E27FC236}">
+                <a16:creationId xmlns:a16="http://schemas.microsoft.com/office/drawing/2014/main" id="{CCB0E9B5-CDE9-4861-BD08-7662E4A84247}"/>
+              </a:ext>
+            </a:extLst>
+          </p:cNvPr>
+          <p:cNvPicPr>
+            <a:picLocks noChangeAspect="1"/>
+          </p:cNvPicPr>
+          <p:nvPr/>
+        </p:nvPicPr>
+        <p:blipFill>
+          <a:blip r:embed="rId3"/>
+          <a:stretch>
+            <a:fillRect/>
+          </a:stretch>
+        </p:blipFill>
+        <p:spPr>
+          <a:xfrm>
+            <a:off x="5035519" y="3934951"/>
+            <a:ext cx="1695450" cy="695325"/>
+          </a:xfrm>
+          <a:prstGeom prst="rect">
+            <a:avLst/>
+          </a:prstGeom>
+        </p:spPr>
+      </p:pic>
+    </p:spTree>
+    <p:extLst>
+      <p:ext uri="{BB962C8B-B14F-4D97-AF65-F5344CB8AC3E}">
+        <p14:creationId xmlns:p14="http://schemas.microsoft.com/office/powerpoint/2010/main" val="2576341391"/>
+      </p:ext>
+    </p:extLst>
+  </p:cSld>
+  <p:clrMapOvr>
+    <a:masterClrMapping/>
+  </p:clrMapOvr>
+  <p:transition advClick="0" advTm="20000"/>
+</p:sld>
+</file>
+
+<file path=ppt/slides/slide14.xml><?xml version="1.0" encoding="utf-8"?>
+<p:sld xmlns:a="http://schemas.openxmlformats.org/drawingml/2006/main" xmlns:r="http://schemas.openxmlformats.org/officeDocument/2006/relationships" xmlns:p="http://schemas.openxmlformats.org/presentationml/2006/main">
+  <p:cSld>
+    <p:spTree>
+      <p:nvGrpSpPr>
+        <p:cNvPr id="1" name=""/>
+        <p:cNvGrpSpPr/>
+        <p:nvPr/>
+      </p:nvGrpSpPr>
+      <p:grpSpPr>
+        <a:xfrm>
+          <a:off x="0" y="0"/>
+          <a:ext cx="0" cy="0"/>
+          <a:chOff x="0" y="0"/>
+          <a:chExt cx="0" cy="0"/>
+        </a:xfrm>
+      </p:grpSpPr>
+      <p:sp>
+        <p:nvSpPr>
+          <p:cNvPr id="5" name="Título 1">
+            <a:extLst>
+              <a:ext uri="{FF2B5EF4-FFF2-40B4-BE49-F238E27FC236}">
+                <a16:creationId xmlns:a16="http://schemas.microsoft.com/office/drawing/2014/main" id="{F8E42187-B76D-48AC-9008-C59DEF425347}"/>
+              </a:ext>
+            </a:extLst>
+          </p:cNvPr>
+          <p:cNvSpPr>
+            <a:spLocks noGrp="1"/>
+          </p:cNvSpPr>
+          <p:nvPr>
+            <p:ph type="title"/>
+          </p:nvPr>
+        </p:nvSpPr>
+        <p:spPr>
+          <a:xfrm>
+            <a:off x="301752" y="228600"/>
+            <a:ext cx="8534400" cy="758952"/>
+          </a:xfrm>
+        </p:spPr>
+        <p:txBody>
+          <a:bodyPr anchor="b">
+            <a:normAutofit/>
+          </a:bodyPr>
+          <a:lstStyle/>
+          <a:p>
+            <a:pPr>
+              <a:lnSpc>
+                <a:spcPct val="90000"/>
+              </a:lnSpc>
+            </a:pPr>
+            <a:r>
+              <a:rPr lang="es-ES" sz="2300" dirty="0"/>
+              <a:t>Software </a:t>
+            </a:r>
+            <a:r>
+              <a:rPr lang="es-ES" sz="2300" dirty="0" err="1"/>
+              <a:t>engineering</a:t>
+            </a:r>
+            <a:r>
+              <a:rPr lang="es-ES" sz="2300" dirty="0"/>
+              <a:t> </a:t>
+            </a:r>
+            <a:r>
+              <a:rPr lang="es-ES" sz="2300" dirty="0" err="1"/>
+              <a:t>activities</a:t>
+            </a:r>
+            <a:br>
+              <a:rPr lang="es-ES" sz="2300" dirty="0"/>
+            </a:br>
+            <a:r>
+              <a:rPr lang="es-ES" sz="2300" dirty="0"/>
+              <a:t>(</a:t>
+            </a:r>
+            <a:r>
+              <a:rPr lang="es-ES" sz="2300" dirty="0" err="1"/>
+              <a:t>Testing</a:t>
+            </a:r>
+            <a:r>
+              <a:rPr lang="es-ES" sz="2300" dirty="0"/>
+              <a:t>)</a:t>
+            </a:r>
+            <a:endParaRPr lang="en-GB" sz="2300" dirty="0"/>
+          </a:p>
+        </p:txBody>
+      </p:sp>
+      <p:sp>
+        <p:nvSpPr>
+          <p:cNvPr id="4" name="Marcador de pie de página 3">
+            <a:extLst>
+              <a:ext uri="{FF2B5EF4-FFF2-40B4-BE49-F238E27FC236}">
+                <a16:creationId xmlns:a16="http://schemas.microsoft.com/office/drawing/2014/main" id="{BDDE91A7-D4F8-2E4D-A9BD-6AD412D433DC}"/>
+              </a:ext>
+            </a:extLst>
+          </p:cNvPr>
+          <p:cNvSpPr>
+            <a:spLocks noGrp="1"/>
+          </p:cNvSpPr>
+          <p:nvPr>
+            <p:ph type="ftr" sz="quarter" idx="11"/>
+          </p:nvPr>
+        </p:nvSpPr>
+        <p:spPr>
+          <a:xfrm>
+            <a:off x="304800" y="6410848"/>
+            <a:ext cx="5340096" cy="365760"/>
+          </a:xfrm>
+        </p:spPr>
+        <p:txBody>
+          <a:bodyPr>
+            <a:normAutofit/>
+          </a:bodyPr>
+          <a:lstStyle/>
+          <a:p>
+            <a:pPr>
+              <a:spcAft>
+                <a:spcPts val="600"/>
+              </a:spcAft>
+            </a:pPr>
+            <a:r>
+              <a:rPr lang="en"/>
+              <a:t>Introduction to Software Engineering - Final Presentations</a:t>
+            </a:r>
+            <a:endParaRPr lang="en-US"/>
+          </a:p>
+        </p:txBody>
+      </p:sp>
+      <p:sp>
+        <p:nvSpPr>
+          <p:cNvPr id="3" name="Marcador de contenido 2"/>
+          <p:cNvSpPr>
+            <a:spLocks noGrp="1"/>
+          </p:cNvSpPr>
+          <p:nvPr>
+            <p:ph sz="half" idx="1"/>
+          </p:nvPr>
+        </p:nvSpPr>
+        <p:spPr>
+          <a:xfrm>
+            <a:off x="301752" y="1371600"/>
+            <a:ext cx="4038600" cy="4681728"/>
+          </a:xfrm>
+        </p:spPr>
+        <p:txBody>
+          <a:bodyPr>
+            <a:normAutofit/>
+          </a:bodyPr>
+          <a:lstStyle/>
+          <a:p>
+            <a:r>
+              <a:rPr lang="es-ES" dirty="0"/>
+              <a:t>Test-</a:t>
+            </a:r>
+            <a:r>
+              <a:rPr lang="es-ES" dirty="0" err="1"/>
+              <a:t>driven</a:t>
+            </a:r>
+            <a:r>
+              <a:rPr lang="es-ES" dirty="0"/>
+              <a:t> </a:t>
+            </a:r>
+            <a:r>
+              <a:rPr lang="es-ES" dirty="0" err="1"/>
+              <a:t>development</a:t>
+            </a:r>
+            <a:r>
+              <a:rPr lang="es-ES" dirty="0"/>
+              <a:t> (TDD)</a:t>
+            </a:r>
+          </a:p>
+        </p:txBody>
+      </p:sp>
+      <p:pic>
+        <p:nvPicPr>
+          <p:cNvPr id="8" name="Imagen 7" descr="Diagrama&#10;&#10;Descripción generada automáticamente">
+            <a:extLst>
+              <a:ext uri="{FF2B5EF4-FFF2-40B4-BE49-F238E27FC236}">
+                <a16:creationId xmlns:a16="http://schemas.microsoft.com/office/drawing/2014/main" id="{CC5D1FE8-A97A-4C96-A86B-81CB987843BF}"/>
+              </a:ext>
+            </a:extLst>
+          </p:cNvPr>
+          <p:cNvPicPr>
+            <a:picLocks noChangeAspect="1"/>
+          </p:cNvPicPr>
+          <p:nvPr/>
+        </p:nvPicPr>
+        <p:blipFill>
+          <a:blip r:embed="rId3" cstate="email">
+            <a:extLst>
+              <a:ext uri="{28A0092B-C50C-407E-A947-70E740481C1C}">
+                <a14:useLocalDpi xmlns:a14="http://schemas.microsoft.com/office/drawing/2010/main" val="0"/>
+              </a:ext>
+            </a:extLst>
+          </a:blip>
+          <a:stretch>
+            <a:fillRect/>
+          </a:stretch>
+        </p:blipFill>
+        <p:spPr>
+          <a:xfrm>
+            <a:off x="4988174" y="1371600"/>
+            <a:ext cx="3663451" cy="4681728"/>
+          </a:xfrm>
+          <a:prstGeom prst="rect">
+            <a:avLst/>
+          </a:prstGeom>
+          <a:noFill/>
+        </p:spPr>
+      </p:pic>
+    </p:spTree>
+    <p:extLst>
+      <p:ext uri="{BB962C8B-B14F-4D97-AF65-F5344CB8AC3E}">
+        <p14:creationId xmlns:p14="http://schemas.microsoft.com/office/powerpoint/2010/main" val="2158445742"/>
+      </p:ext>
+    </p:extLst>
+  </p:cSld>
+  <p:clrMapOvr>
+    <a:masterClrMapping/>
+  </p:clrMapOvr>
+  <p:transition advClick="0" advTm="20000"/>
+</p:sld>
+</file>
+
+<file path=ppt/slides/slide15.xml><?xml version="1.0" encoding="utf-8"?>
+<p:sld xmlns:a="http://schemas.openxmlformats.org/drawingml/2006/main" xmlns:r="http://schemas.openxmlformats.org/officeDocument/2006/relationships" xmlns:p="http://schemas.openxmlformats.org/presentationml/2006/main">
+  <p:cSld>
+    <p:spTree>
+      <p:nvGrpSpPr>
+        <p:cNvPr id="1" name=""/>
+        <p:cNvGrpSpPr/>
+        <p:nvPr/>
+      </p:nvGrpSpPr>
+      <p:grpSpPr>
+        <a:xfrm>
+          <a:off x="0" y="0"/>
+          <a:ext cx="0" cy="0"/>
+          <a:chOff x="0" y="0"/>
+          <a:chExt cx="0" cy="0"/>
+        </a:xfrm>
+      </p:grpSpPr>
+      <p:sp>
+        <p:nvSpPr>
+          <p:cNvPr id="5" name="Título 1">
+            <a:extLst>
+              <a:ext uri="{FF2B5EF4-FFF2-40B4-BE49-F238E27FC236}">
+                <a16:creationId xmlns:a16="http://schemas.microsoft.com/office/drawing/2014/main" id="{F8E42187-B76D-48AC-9008-C59DEF425347}"/>
+              </a:ext>
+            </a:extLst>
+          </p:cNvPr>
+          <p:cNvSpPr>
+            <a:spLocks noGrp="1"/>
+          </p:cNvSpPr>
+          <p:nvPr>
+            <p:ph type="title"/>
+          </p:nvPr>
+        </p:nvSpPr>
+        <p:spPr>
+          <a:xfrm>
+            <a:off x="301752" y="228600"/>
+            <a:ext cx="8534400" cy="758952"/>
+          </a:xfrm>
+        </p:spPr>
+        <p:txBody>
+          <a:bodyPr anchor="b">
+            <a:normAutofit/>
+          </a:bodyPr>
+          <a:lstStyle/>
+          <a:p>
+            <a:pPr>
+              <a:lnSpc>
+                <a:spcPct val="90000"/>
+              </a:lnSpc>
+            </a:pPr>
+            <a:r>
+              <a:rPr lang="es-ES" sz="2300" dirty="0"/>
+              <a:t>Software </a:t>
+            </a:r>
+            <a:r>
+              <a:rPr lang="es-ES" sz="2300" dirty="0" err="1"/>
+              <a:t>engineering</a:t>
+            </a:r>
+            <a:r>
+              <a:rPr lang="es-ES" sz="2300" dirty="0"/>
+              <a:t> </a:t>
+            </a:r>
+            <a:r>
+              <a:rPr lang="es-ES" sz="2300" dirty="0" err="1"/>
+              <a:t>activities</a:t>
+            </a:r>
+            <a:br>
+              <a:rPr lang="es-ES" sz="2300" dirty="0"/>
+            </a:br>
+            <a:r>
+              <a:rPr lang="es-ES" sz="2300" dirty="0"/>
+              <a:t>(</a:t>
+            </a:r>
+            <a:r>
+              <a:rPr lang="es-ES" sz="2300" dirty="0" err="1"/>
+              <a:t>Testing</a:t>
+            </a:r>
+            <a:r>
+              <a:rPr lang="es-ES" sz="2300" dirty="0"/>
+              <a:t>)</a:t>
+            </a:r>
+            <a:endParaRPr lang="en-GB" sz="2300" dirty="0"/>
+          </a:p>
+        </p:txBody>
+      </p:sp>
+      <p:sp>
+        <p:nvSpPr>
+          <p:cNvPr id="4" name="Marcador de pie de página 3">
+            <a:extLst>
+              <a:ext uri="{FF2B5EF4-FFF2-40B4-BE49-F238E27FC236}">
+                <a16:creationId xmlns:a16="http://schemas.microsoft.com/office/drawing/2014/main" id="{BDDE91A7-D4F8-2E4D-A9BD-6AD412D433DC}"/>
+              </a:ext>
+            </a:extLst>
+          </p:cNvPr>
+          <p:cNvSpPr>
+            <a:spLocks noGrp="1"/>
+          </p:cNvSpPr>
+          <p:nvPr>
+            <p:ph type="ftr" sz="quarter" idx="11"/>
+          </p:nvPr>
+        </p:nvSpPr>
+        <p:spPr>
+          <a:xfrm>
+            <a:off x="304800" y="6410848"/>
+            <a:ext cx="5340096" cy="365760"/>
+          </a:xfrm>
+        </p:spPr>
+        <p:txBody>
+          <a:bodyPr>
+            <a:normAutofit/>
+          </a:bodyPr>
+          <a:lstStyle/>
+          <a:p>
+            <a:pPr>
+              <a:spcAft>
+                <a:spcPts val="600"/>
+              </a:spcAft>
+            </a:pPr>
+            <a:r>
+              <a:rPr lang="en"/>
+              <a:t>Introduction to Software Engineering - Final Presentations</a:t>
+            </a:r>
+            <a:endParaRPr lang="en-US"/>
+          </a:p>
+        </p:txBody>
+      </p:sp>
+      <p:sp>
+        <p:nvSpPr>
+          <p:cNvPr id="3" name="Marcador de contenido 2"/>
+          <p:cNvSpPr>
+            <a:spLocks noGrp="1"/>
+          </p:cNvSpPr>
+          <p:nvPr>
+            <p:ph sz="half" idx="1"/>
+          </p:nvPr>
+        </p:nvSpPr>
+        <p:spPr>
+          <a:xfrm>
+            <a:off x="301752" y="1371600"/>
+            <a:ext cx="4038600" cy="4681728"/>
+          </a:xfrm>
+        </p:spPr>
+        <p:txBody>
+          <a:bodyPr>
+            <a:normAutofit/>
+          </a:bodyPr>
+          <a:lstStyle/>
+          <a:p>
+            <a:r>
+              <a:rPr lang="es-ES" dirty="0" err="1"/>
+              <a:t>Different</a:t>
+            </a:r>
+            <a:r>
+              <a:rPr lang="es-ES" dirty="0"/>
+              <a:t> </a:t>
+            </a:r>
+            <a:r>
+              <a:rPr lang="es-ES" dirty="0" err="1"/>
+              <a:t>people</a:t>
+            </a:r>
+            <a:r>
+              <a:rPr lang="es-ES" dirty="0"/>
+              <a:t> </a:t>
+            </a:r>
+            <a:r>
+              <a:rPr lang="es-ES" dirty="0" err="1"/>
+              <a:t>will</a:t>
+            </a:r>
+            <a:r>
+              <a:rPr lang="es-ES" dirty="0"/>
+              <a:t> be </a:t>
+            </a:r>
+            <a:r>
+              <a:rPr lang="es-ES" dirty="0" err="1"/>
+              <a:t>involved</a:t>
+            </a:r>
+            <a:r>
+              <a:rPr lang="es-ES" dirty="0"/>
+              <a:t> in </a:t>
+            </a:r>
+            <a:r>
+              <a:rPr lang="es-ES" dirty="0" err="1"/>
+              <a:t>each</a:t>
+            </a:r>
+            <a:r>
+              <a:rPr lang="es-ES" dirty="0"/>
+              <a:t> step </a:t>
+            </a:r>
+            <a:r>
+              <a:rPr lang="es-ES" dirty="0" err="1"/>
+              <a:t>of</a:t>
+            </a:r>
+            <a:r>
+              <a:rPr lang="es-ES" dirty="0"/>
+              <a:t> </a:t>
+            </a:r>
+            <a:r>
+              <a:rPr lang="es-ES" dirty="0" err="1"/>
+              <a:t>the</a:t>
+            </a:r>
+            <a:r>
+              <a:rPr lang="es-ES" dirty="0"/>
+              <a:t> TDD</a:t>
+            </a:r>
+          </a:p>
+          <a:p>
+            <a:pPr lvl="1"/>
+            <a:r>
+              <a:rPr lang="es-ES" dirty="0"/>
+              <a:t>Circular</a:t>
+            </a:r>
+          </a:p>
+        </p:txBody>
+      </p:sp>
+      <p:pic>
+        <p:nvPicPr>
+          <p:cNvPr id="8" name="Imagen 7" descr="Diagrama&#10;&#10;Descripción generada automáticamente">
+            <a:extLst>
+              <a:ext uri="{FF2B5EF4-FFF2-40B4-BE49-F238E27FC236}">
+                <a16:creationId xmlns:a16="http://schemas.microsoft.com/office/drawing/2014/main" id="{CC5D1FE8-A97A-4C96-A86B-81CB987843BF}"/>
+              </a:ext>
+            </a:extLst>
+          </p:cNvPr>
+          <p:cNvPicPr>
+            <a:picLocks noChangeAspect="1"/>
+          </p:cNvPicPr>
+          <p:nvPr/>
+        </p:nvPicPr>
+        <p:blipFill>
+          <a:blip r:embed="rId3" cstate="email">
+            <a:extLst>
+              <a:ext uri="{28A0092B-C50C-407E-A947-70E740481C1C}">
+                <a14:useLocalDpi xmlns:a14="http://schemas.microsoft.com/office/drawing/2010/main" val="0"/>
+              </a:ext>
+            </a:extLst>
+          </a:blip>
+          <a:stretch>
+            <a:fillRect/>
+          </a:stretch>
+        </p:blipFill>
+        <p:spPr>
+          <a:xfrm>
+            <a:off x="4988174" y="1371600"/>
+            <a:ext cx="3663451" cy="4681728"/>
+          </a:xfrm>
+          <a:prstGeom prst="rect">
+            <a:avLst/>
+          </a:prstGeom>
+          <a:noFill/>
+        </p:spPr>
+      </p:pic>
+    </p:spTree>
+    <p:extLst>
+      <p:ext uri="{BB962C8B-B14F-4D97-AF65-F5344CB8AC3E}">
+        <p14:creationId xmlns:p14="http://schemas.microsoft.com/office/powerpoint/2010/main" val="951022071"/>
+      </p:ext>
+    </p:extLst>
+  </p:cSld>
+  <p:clrMapOvr>
+    <a:masterClrMapping/>
+  </p:clrMapOvr>
+  <p:transition advClick="0" advTm="20000"/>
+</p:sld>
+</file>
+
+<file path=ppt/slides/slide16.xml><?xml version="1.0" encoding="utf-8"?>
+<p:sld xmlns:a="http://schemas.openxmlformats.org/drawingml/2006/main" xmlns:r="http://schemas.openxmlformats.org/officeDocument/2006/relationships" xmlns:p="http://schemas.openxmlformats.org/presentationml/2006/main">
+  <p:cSld>
+    <p:spTree>
+      <p:nvGrpSpPr>
+        <p:cNvPr id="1" name=""/>
+        <p:cNvGrpSpPr/>
+        <p:nvPr/>
+      </p:nvGrpSpPr>
+      <p:grpSpPr>
+        <a:xfrm>
+          <a:off x="0" y="0"/>
+          <a:ext cx="0" cy="0"/>
+          <a:chOff x="0" y="0"/>
+          <a:chExt cx="0" cy="0"/>
+        </a:xfrm>
+      </p:grpSpPr>
+      <p:sp>
+        <p:nvSpPr>
+          <p:cNvPr id="6148" name="Rectangle 4"/>
+          <p:cNvSpPr>
+            <a:spLocks noGrp="1" noChangeArrowheads="1"/>
+          </p:cNvSpPr>
+          <p:nvPr>
+            <p:ph type="title"/>
+          </p:nvPr>
+        </p:nvSpPr>
+        <p:spPr>
+          <a:xfrm>
+            <a:off x="304800" y="279844"/>
+            <a:ext cx="8534400" cy="758952"/>
+          </a:xfrm>
+        </p:spPr>
+        <p:txBody>
+          <a:bodyPr>
+            <a:normAutofit fontScale="90000"/>
+          </a:bodyPr>
+          <a:lstStyle/>
+          <a:p>
+            <a:r>
               <a:rPr lang="en-US" noProof="0" dirty="0"/>
               <a:t>Development/Deployment</a:t>
             </a:r>
@@ -10040,86 +10591,283 @@
         </p:nvSpPr>
         <p:spPr/>
         <p:txBody>
-          <a:bodyPr/>
-          <a:lstStyle/>
-          <a:p>
-            <a:r>
-              <a:rPr lang="es-ES" dirty="0" err="1"/>
+          <a:bodyPr>
+            <a:normAutofit/>
+          </a:bodyPr>
+          <a:lstStyle/>
+          <a:p>
+            <a:r>
+              <a:rPr lang="es-ES" sz="2000" dirty="0" err="1"/>
               <a:t>Upper</a:t>
             </a:r>
             <a:r>
-              <a:rPr lang="es-ES" dirty="0"/>
+              <a:rPr lang="es-ES" sz="2000" dirty="0"/>
               <a:t>-CASE </a:t>
             </a:r>
             <a:r>
-              <a:rPr lang="es-ES" dirty="0" err="1"/>
+              <a:rPr lang="es-ES" sz="2000" dirty="0" err="1"/>
               <a:t>tools</a:t>
             </a:r>
-            <a:endParaRPr lang="es-ES" dirty="0"/>
+            <a:endParaRPr lang="es-ES" sz="2000" dirty="0"/>
           </a:p>
           <a:p>
             <a:pPr lvl="1"/>
             <a:r>
-              <a:rPr lang="es-ES" dirty="0" err="1"/>
+              <a:rPr lang="es-ES" sz="1800" dirty="0" err="1"/>
               <a:t>MagicDraw</a:t>
             </a:r>
-            <a:endParaRPr lang="es-ES" dirty="0"/>
+            <a:endParaRPr lang="es-ES" sz="1800" dirty="0"/>
           </a:p>
           <a:p>
             <a:pPr lvl="1"/>
             <a:r>
-              <a:rPr lang="es-ES" dirty="0" err="1"/>
+              <a:rPr lang="es-ES" sz="1800" dirty="0" err="1"/>
               <a:t>Discord</a:t>
             </a:r>
-            <a:endParaRPr lang="es-ES" dirty="0"/>
-          </a:p>
-          <a:p>
-            <a:r>
-              <a:rPr lang="es-ES" dirty="0" err="1"/>
+            <a:endParaRPr lang="es-ES" sz="1800" dirty="0"/>
+          </a:p>
+          <a:p>
+            <a:r>
+              <a:rPr lang="es-ES" sz="2000" dirty="0" err="1"/>
               <a:t>Lower</a:t>
             </a:r>
             <a:r>
-              <a:rPr lang="es-ES" dirty="0"/>
+              <a:rPr lang="es-ES" sz="2000" dirty="0"/>
               <a:t>-CASE </a:t>
             </a:r>
             <a:r>
-              <a:rPr lang="es-ES" dirty="0" err="1"/>
+              <a:rPr lang="es-ES" sz="2000" dirty="0" err="1"/>
               <a:t>tools</a:t>
             </a:r>
-            <a:endParaRPr lang="es-ES" dirty="0"/>
+            <a:endParaRPr lang="es-ES" sz="2000" dirty="0"/>
           </a:p>
           <a:p>
             <a:pPr lvl="1"/>
             <a:r>
-              <a:rPr lang="es-ES" dirty="0"/>
+              <a:rPr lang="es-ES" sz="1800" dirty="0"/>
               <a:t>Eclipse</a:t>
             </a:r>
           </a:p>
           <a:p>
             <a:pPr lvl="1"/>
             <a:r>
-              <a:rPr lang="es-ES" dirty="0"/>
+              <a:rPr lang="es-ES" sz="1800" dirty="0"/>
               <a:t>GitHub</a:t>
             </a:r>
           </a:p>
           <a:p>
             <a:pPr lvl="1"/>
             <a:r>
-              <a:rPr lang="es-ES" dirty="0"/>
+              <a:rPr lang="es-ES" sz="1800" dirty="0"/>
               <a:t>Spring</a:t>
             </a:r>
           </a:p>
           <a:p>
             <a:pPr lvl="1"/>
             <a:r>
-              <a:rPr lang="es-ES" dirty="0"/>
+              <a:rPr lang="es-ES" sz="1800" dirty="0"/>
               <a:t>Spring </a:t>
             </a:r>
             <a:r>
-              <a:rPr lang="es-ES" dirty="0" err="1"/>
+              <a:rPr lang="es-ES" sz="1800" dirty="0" err="1"/>
               <a:t>Boot</a:t>
             </a:r>
-            <a:endParaRPr lang="es-ES" dirty="0"/>
+            <a:endParaRPr lang="es-ES" sz="1800" dirty="0"/>
+          </a:p>
+          <a:p>
+            <a:r>
+              <a:rPr lang="es-ES" sz="2000" dirty="0" err="1"/>
+              <a:t>Strategy</a:t>
+            </a:r>
+            <a:endParaRPr lang="es-ES" sz="2000" dirty="0"/>
+          </a:p>
+          <a:p>
+            <a:pPr lvl="1"/>
+            <a:r>
+              <a:rPr lang="es-ES" sz="1800" dirty="0" err="1"/>
+              <a:t>Tasks</a:t>
+            </a:r>
+            <a:r>
+              <a:rPr lang="es-ES" sz="1800" dirty="0"/>
+              <a:t> </a:t>
+            </a:r>
+            <a:r>
+              <a:rPr lang="es-ES" sz="1800" dirty="0" err="1"/>
+              <a:t>sorted</a:t>
+            </a:r>
+            <a:r>
+              <a:rPr lang="es-ES" sz="1800" dirty="0"/>
+              <a:t> </a:t>
+            </a:r>
+            <a:r>
+              <a:rPr lang="es-ES" sz="1800" dirty="0" err="1"/>
+              <a:t>out</a:t>
+            </a:r>
+            <a:r>
+              <a:rPr lang="es-ES" sz="1800" dirty="0"/>
+              <a:t> </a:t>
+            </a:r>
+            <a:r>
+              <a:rPr lang="es-ES" sz="1800" dirty="0" err="1"/>
+              <a:t>into</a:t>
+            </a:r>
+            <a:r>
+              <a:rPr lang="es-ES" sz="1800" dirty="0"/>
+              <a:t> </a:t>
+            </a:r>
+            <a:r>
+              <a:rPr lang="es-ES" sz="1800" dirty="0" err="1"/>
+              <a:t>different</a:t>
+            </a:r>
+            <a:r>
+              <a:rPr lang="es-ES" sz="1800" dirty="0"/>
+              <a:t> </a:t>
+            </a:r>
+            <a:r>
+              <a:rPr lang="es-ES" sz="1800" dirty="0" err="1"/>
+              <a:t>groups</a:t>
+            </a:r>
+            <a:r>
+              <a:rPr lang="es-ES" sz="1800" dirty="0"/>
+              <a:t>.</a:t>
+            </a:r>
+          </a:p>
+          <a:p>
+            <a:pPr lvl="1"/>
+            <a:r>
+              <a:rPr lang="es-ES" sz="1800" dirty="0" err="1"/>
+              <a:t>Each</a:t>
+            </a:r>
+            <a:r>
+              <a:rPr lang="es-ES" sz="1800" dirty="0"/>
+              <a:t> </a:t>
+            </a:r>
+            <a:r>
+              <a:rPr lang="es-ES" sz="1800" dirty="0" err="1"/>
+              <a:t>group</a:t>
+            </a:r>
+            <a:r>
+              <a:rPr lang="es-ES" sz="1800" dirty="0"/>
+              <a:t> </a:t>
+            </a:r>
+            <a:r>
+              <a:rPr lang="es-ES" sz="1800" dirty="0" err="1"/>
+              <a:t>covers</a:t>
+            </a:r>
+            <a:r>
+              <a:rPr lang="es-ES" sz="1800" dirty="0"/>
+              <a:t> a </a:t>
+            </a:r>
+            <a:r>
+              <a:rPr lang="es-ES" sz="1800" dirty="0" err="1"/>
+              <a:t>specific</a:t>
+            </a:r>
+            <a:r>
+              <a:rPr lang="es-ES" sz="1800" dirty="0"/>
+              <a:t> </a:t>
+            </a:r>
+            <a:r>
+              <a:rPr lang="es-ES" sz="1800" dirty="0" err="1"/>
+              <a:t>domain</a:t>
+            </a:r>
+            <a:r>
+              <a:rPr lang="es-ES" sz="1800" dirty="0"/>
+              <a:t> (</a:t>
+            </a:r>
+            <a:r>
+              <a:rPr lang="es-ES" sz="1800" dirty="0" err="1"/>
+              <a:t>Programming</a:t>
+            </a:r>
+            <a:r>
+              <a:rPr lang="es-ES" sz="1800" dirty="0"/>
+              <a:t>, </a:t>
+            </a:r>
+            <a:r>
+              <a:rPr lang="es-ES" sz="1800" dirty="0" err="1"/>
+              <a:t>Design</a:t>
+            </a:r>
+            <a:r>
+              <a:rPr lang="es-ES" sz="1800" dirty="0"/>
+              <a:t>…).</a:t>
+            </a:r>
+          </a:p>
+          <a:p>
+            <a:pPr lvl="1"/>
+            <a:r>
+              <a:rPr lang="es-ES" sz="1800" dirty="0" err="1"/>
+              <a:t>Members</a:t>
+            </a:r>
+            <a:r>
+              <a:rPr lang="es-ES" sz="1800" dirty="0"/>
+              <a:t> are </a:t>
+            </a:r>
+            <a:r>
+              <a:rPr lang="es-ES" sz="1800" dirty="0" err="1"/>
+              <a:t>encouraged</a:t>
+            </a:r>
+            <a:r>
+              <a:rPr lang="es-ES" sz="1800" dirty="0"/>
+              <a:t> </a:t>
+            </a:r>
+            <a:r>
+              <a:rPr lang="es-ES" sz="1800" dirty="0" err="1"/>
+              <a:t>to</a:t>
+            </a:r>
+            <a:r>
+              <a:rPr lang="es-ES" sz="1800" dirty="0"/>
+              <a:t> </a:t>
+            </a:r>
+            <a:r>
+              <a:rPr lang="es-ES" sz="1800" dirty="0" err="1"/>
+              <a:t>help</a:t>
+            </a:r>
+            <a:r>
+              <a:rPr lang="es-ES" sz="1800" dirty="0"/>
+              <a:t> </a:t>
+            </a:r>
+            <a:r>
+              <a:rPr lang="es-ES" sz="1800" dirty="0" err="1"/>
+              <a:t>others</a:t>
+            </a:r>
+            <a:r>
+              <a:rPr lang="es-ES" sz="1800" dirty="0"/>
+              <a:t> </a:t>
+            </a:r>
+            <a:r>
+              <a:rPr lang="es-ES" sz="1800" dirty="0" err="1"/>
+              <a:t>regardless</a:t>
+            </a:r>
+            <a:r>
+              <a:rPr lang="es-ES" sz="1800" dirty="0"/>
+              <a:t> </a:t>
+            </a:r>
+            <a:r>
+              <a:rPr lang="es-ES" sz="1800" dirty="0" err="1"/>
+              <a:t>of</a:t>
+            </a:r>
+            <a:r>
+              <a:rPr lang="es-ES" sz="1800" dirty="0"/>
+              <a:t> </a:t>
+            </a:r>
+            <a:r>
+              <a:rPr lang="es-ES" sz="1800" dirty="0" err="1"/>
+              <a:t>the</a:t>
+            </a:r>
+            <a:r>
+              <a:rPr lang="es-ES" sz="1800" dirty="0"/>
+              <a:t> </a:t>
+            </a:r>
+            <a:r>
+              <a:rPr lang="es-ES" sz="1800" dirty="0" err="1"/>
+              <a:t>domain</a:t>
+            </a:r>
+            <a:r>
+              <a:rPr lang="es-ES" sz="1800" dirty="0"/>
+              <a:t>.</a:t>
+            </a:r>
+          </a:p>
+          <a:p>
+            <a:endParaRPr lang="es-ES" sz="2300" dirty="0"/>
           </a:p>
         </p:txBody>
       </p:sp>
@@ -10180,8 +10928,8 @@
         </p:blipFill>
         <p:spPr>
           <a:xfrm>
-            <a:off x="6841118" y="2020797"/>
-            <a:ext cx="1634791" cy="1634791"/>
+            <a:off x="6193900" y="1687724"/>
+            <a:ext cx="821991" cy="821991"/>
           </a:xfrm>
           <a:prstGeom prst="rect">
             <a:avLst/>
@@ -10216,8 +10964,8 @@
         </p:blipFill>
         <p:spPr>
           <a:xfrm>
-            <a:off x="6220955" y="3935598"/>
-            <a:ext cx="1240326" cy="1162805"/>
+            <a:off x="5964070" y="2922547"/>
+            <a:ext cx="821991" cy="770616"/>
           </a:xfrm>
           <a:prstGeom prst="rect">
             <a:avLst/>
@@ -10252,8 +11000,8 @@
         </p:blipFill>
         <p:spPr>
           <a:xfrm>
-            <a:off x="4444768" y="1247038"/>
-            <a:ext cx="1913305" cy="1913305"/>
+            <a:off x="4701778" y="1440122"/>
+            <a:ext cx="923937" cy="923937"/>
           </a:xfrm>
           <a:prstGeom prst="rect">
             <a:avLst/>
@@ -10288,8 +11036,8 @@
         </p:blipFill>
         <p:spPr>
           <a:xfrm>
-            <a:off x="7201361" y="4781330"/>
-            <a:ext cx="1634791" cy="1634791"/>
+            <a:off x="7136844" y="2170975"/>
+            <a:ext cx="1136880" cy="1136880"/>
           </a:xfrm>
           <a:prstGeom prst="rect">
             <a:avLst/>
@@ -10324,8 +11072,8 @@
         </p:blipFill>
         <p:spPr>
           <a:xfrm>
-            <a:off x="4232072" y="3160343"/>
-            <a:ext cx="1412824" cy="1412824"/>
+            <a:off x="4512729" y="2557144"/>
+            <a:ext cx="855976" cy="855976"/>
           </a:xfrm>
           <a:prstGeom prst="rect">
             <a:avLst/>
@@ -10360,8 +11108,8 @@
         </p:blipFill>
         <p:spPr>
           <a:xfrm>
-            <a:off x="4920274" y="4903556"/>
-            <a:ext cx="1300681" cy="1300681"/>
+            <a:off x="7112397" y="3429000"/>
+            <a:ext cx="855976" cy="855976"/>
           </a:xfrm>
           <a:prstGeom prst="rect">
             <a:avLst/>
@@ -10372,541 +11120,6 @@
     <p:extLst>
       <p:ext uri="{BB962C8B-B14F-4D97-AF65-F5344CB8AC3E}">
         <p14:creationId xmlns:p14="http://schemas.microsoft.com/office/powerpoint/2010/main" val="3040751234"/>
-      </p:ext>
-    </p:extLst>
-  </p:cSld>
-  <p:clrMapOvr>
-    <a:masterClrMapping/>
-  </p:clrMapOvr>
-  <p:transition advClick="0" advTm="20000"/>
-</p:sld>
-</file>
-
-<file path=ppt/slides/slide14.xml><?xml version="1.0" encoding="utf-8"?>
-<p:sld xmlns:a="http://schemas.openxmlformats.org/drawingml/2006/main" xmlns:r="http://schemas.openxmlformats.org/officeDocument/2006/relationships" xmlns:p="http://schemas.openxmlformats.org/presentationml/2006/main">
-  <p:cSld>
-    <p:spTree>
-      <p:nvGrpSpPr>
-        <p:cNvPr id="1" name=""/>
-        <p:cNvGrpSpPr/>
-        <p:nvPr/>
-      </p:nvGrpSpPr>
-      <p:grpSpPr>
-        <a:xfrm>
-          <a:off x="0" y="0"/>
-          <a:ext cx="0" cy="0"/>
-          <a:chOff x="0" y="0"/>
-          <a:chExt cx="0" cy="0"/>
-        </a:xfrm>
-      </p:grpSpPr>
-      <p:sp>
-        <p:nvSpPr>
-          <p:cNvPr id="6148" name="Rectangle 4"/>
-          <p:cNvSpPr>
-            <a:spLocks noGrp="1" noChangeArrowheads="1"/>
-          </p:cNvSpPr>
-          <p:nvPr>
-            <p:ph type="title"/>
-          </p:nvPr>
-        </p:nvSpPr>
-        <p:spPr>
-          <a:xfrm>
-            <a:off x="392287" y="301027"/>
-            <a:ext cx="8534400" cy="758952"/>
-          </a:xfrm>
-        </p:spPr>
-        <p:txBody>
-          <a:bodyPr>
-            <a:normAutofit fontScale="90000"/>
-          </a:bodyPr>
-          <a:lstStyle/>
-          <a:p>
-            <a:r>
-              <a:rPr lang="en-US" noProof="0" dirty="0"/>
-              <a:t>Development/Deployment</a:t>
-            </a:r>
-            <a:br>
-              <a:rPr lang="en-US" noProof="0" dirty="0"/>
-            </a:br>
-            <a:r>
-              <a:rPr lang="en-US" noProof="0" dirty="0"/>
-              <a:t>(Strategy and tools)</a:t>
-            </a:r>
-          </a:p>
-        </p:txBody>
-      </p:sp>
-      <p:sp>
-        <p:nvSpPr>
-          <p:cNvPr id="3" name="Marcador de contenido 2"/>
-          <p:cNvSpPr>
-            <a:spLocks noGrp="1"/>
-          </p:cNvSpPr>
-          <p:nvPr>
-            <p:ph sz="quarter" idx="1"/>
-          </p:nvPr>
-        </p:nvSpPr>
-        <p:spPr/>
-        <p:txBody>
-          <a:bodyPr/>
-          <a:lstStyle/>
-          <a:p>
-            <a:r>
-              <a:rPr lang="es-ES" dirty="0" err="1"/>
-              <a:t>Strategy</a:t>
-            </a:r>
-            <a:endParaRPr lang="es-ES" dirty="0"/>
-          </a:p>
-          <a:p>
-            <a:pPr lvl="1"/>
-            <a:r>
-              <a:rPr lang="es-ES" dirty="0" err="1"/>
-              <a:t>Tasks</a:t>
-            </a:r>
-            <a:r>
-              <a:rPr lang="es-ES" dirty="0"/>
-              <a:t> </a:t>
-            </a:r>
-            <a:r>
-              <a:rPr lang="es-ES" dirty="0" err="1"/>
-              <a:t>sorted</a:t>
-            </a:r>
-            <a:r>
-              <a:rPr lang="es-ES" dirty="0"/>
-              <a:t> </a:t>
-            </a:r>
-            <a:r>
-              <a:rPr lang="es-ES" dirty="0" err="1"/>
-              <a:t>out</a:t>
-            </a:r>
-            <a:r>
-              <a:rPr lang="es-ES" dirty="0"/>
-              <a:t> </a:t>
-            </a:r>
-            <a:r>
-              <a:rPr lang="es-ES" dirty="0" err="1"/>
-              <a:t>into</a:t>
-            </a:r>
-            <a:r>
-              <a:rPr lang="es-ES" dirty="0"/>
-              <a:t> </a:t>
-            </a:r>
-            <a:r>
-              <a:rPr lang="es-ES" dirty="0" err="1"/>
-              <a:t>different</a:t>
-            </a:r>
-            <a:r>
-              <a:rPr lang="es-ES" dirty="0"/>
-              <a:t> </a:t>
-            </a:r>
-            <a:r>
-              <a:rPr lang="es-ES" dirty="0" err="1"/>
-              <a:t>groups</a:t>
-            </a:r>
-            <a:r>
-              <a:rPr lang="es-ES" dirty="0"/>
-              <a:t>.</a:t>
-            </a:r>
-          </a:p>
-          <a:p>
-            <a:pPr lvl="1"/>
-            <a:r>
-              <a:rPr lang="es-ES" dirty="0" err="1"/>
-              <a:t>Each</a:t>
-            </a:r>
-            <a:r>
-              <a:rPr lang="es-ES" dirty="0"/>
-              <a:t> </a:t>
-            </a:r>
-            <a:r>
-              <a:rPr lang="es-ES" dirty="0" err="1"/>
-              <a:t>group</a:t>
-            </a:r>
-            <a:r>
-              <a:rPr lang="es-ES" dirty="0"/>
-              <a:t> </a:t>
-            </a:r>
-            <a:r>
-              <a:rPr lang="es-ES" dirty="0" err="1"/>
-              <a:t>covers</a:t>
-            </a:r>
-            <a:r>
-              <a:rPr lang="es-ES" dirty="0"/>
-              <a:t> a </a:t>
-            </a:r>
-            <a:r>
-              <a:rPr lang="es-ES" dirty="0" err="1"/>
-              <a:t>specific</a:t>
-            </a:r>
-            <a:r>
-              <a:rPr lang="es-ES" dirty="0"/>
-              <a:t> </a:t>
-            </a:r>
-            <a:r>
-              <a:rPr lang="es-ES" dirty="0" err="1"/>
-              <a:t>domain</a:t>
-            </a:r>
-            <a:r>
-              <a:rPr lang="es-ES" dirty="0"/>
-              <a:t> (</a:t>
-            </a:r>
-            <a:r>
-              <a:rPr lang="es-ES" dirty="0" err="1"/>
-              <a:t>Programming</a:t>
-            </a:r>
-            <a:r>
-              <a:rPr lang="es-ES" dirty="0"/>
-              <a:t>, </a:t>
-            </a:r>
-            <a:r>
-              <a:rPr lang="es-ES" dirty="0" err="1"/>
-              <a:t>Design</a:t>
-            </a:r>
-            <a:r>
-              <a:rPr lang="es-ES" dirty="0"/>
-              <a:t>…).</a:t>
-            </a:r>
-          </a:p>
-          <a:p>
-            <a:pPr lvl="1"/>
-            <a:r>
-              <a:rPr lang="es-ES" dirty="0" err="1"/>
-              <a:t>Members</a:t>
-            </a:r>
-            <a:r>
-              <a:rPr lang="es-ES" dirty="0"/>
-              <a:t> are </a:t>
-            </a:r>
-            <a:r>
-              <a:rPr lang="es-ES" dirty="0" err="1"/>
-              <a:t>encouraged</a:t>
-            </a:r>
-            <a:r>
-              <a:rPr lang="es-ES" dirty="0"/>
-              <a:t> </a:t>
-            </a:r>
-            <a:r>
-              <a:rPr lang="es-ES" dirty="0" err="1"/>
-              <a:t>to</a:t>
-            </a:r>
-            <a:r>
-              <a:rPr lang="es-ES" dirty="0"/>
-              <a:t> </a:t>
-            </a:r>
-            <a:r>
-              <a:rPr lang="es-ES" dirty="0" err="1"/>
-              <a:t>help</a:t>
-            </a:r>
-            <a:r>
-              <a:rPr lang="es-ES" dirty="0"/>
-              <a:t> </a:t>
-            </a:r>
-            <a:r>
-              <a:rPr lang="es-ES" dirty="0" err="1"/>
-              <a:t>others</a:t>
-            </a:r>
-            <a:r>
-              <a:rPr lang="es-ES" dirty="0"/>
-              <a:t> </a:t>
-            </a:r>
-            <a:r>
-              <a:rPr lang="es-ES" dirty="0" err="1"/>
-              <a:t>regardless</a:t>
-            </a:r>
-            <a:r>
-              <a:rPr lang="es-ES" dirty="0"/>
-              <a:t> </a:t>
-            </a:r>
-            <a:r>
-              <a:rPr lang="es-ES" dirty="0" err="1"/>
-              <a:t>of</a:t>
-            </a:r>
-            <a:r>
-              <a:rPr lang="es-ES" dirty="0"/>
-              <a:t> </a:t>
-            </a:r>
-            <a:r>
-              <a:rPr lang="es-ES" dirty="0" err="1"/>
-              <a:t>the</a:t>
-            </a:r>
-            <a:r>
-              <a:rPr lang="es-ES" dirty="0"/>
-              <a:t> </a:t>
-            </a:r>
-            <a:r>
-              <a:rPr lang="es-ES" dirty="0" err="1"/>
-              <a:t>domain</a:t>
-            </a:r>
-            <a:r>
-              <a:rPr lang="es-ES" dirty="0"/>
-              <a:t>.</a:t>
-            </a:r>
-          </a:p>
-        </p:txBody>
-      </p:sp>
-      <p:sp>
-        <p:nvSpPr>
-          <p:cNvPr id="4" name="Marcador de pie de página 3">
-            <a:extLst>
-              <a:ext uri="{FF2B5EF4-FFF2-40B4-BE49-F238E27FC236}">
-                <a16:creationId xmlns:a16="http://schemas.microsoft.com/office/drawing/2014/main" id="{56935F0E-3FD1-B24F-A00C-816208B3AA66}"/>
-              </a:ext>
-            </a:extLst>
-          </p:cNvPr>
-          <p:cNvSpPr>
-            <a:spLocks noGrp="1"/>
-          </p:cNvSpPr>
-          <p:nvPr>
-            <p:ph type="ftr" sz="quarter" idx="11"/>
-          </p:nvPr>
-        </p:nvSpPr>
-        <p:spPr/>
-        <p:txBody>
-          <a:bodyPr/>
-          <a:lstStyle/>
-          <a:p>
-            <a:r>
-              <a:rPr lang="en"/>
-              <a:t>Introduction to Software Engineering - Final Presentations</a:t>
-            </a:r>
-            <a:endParaRPr lang="en-US" dirty="0"/>
-          </a:p>
-        </p:txBody>
-      </p:sp>
-      <p:pic>
-        <p:nvPicPr>
-          <p:cNvPr id="5" name="Imagen 4" descr="Una caricatura de una persona&#10;&#10;Descripción generada automáticamente con confianza baja">
-            <a:extLst>
-              <a:ext uri="{FF2B5EF4-FFF2-40B4-BE49-F238E27FC236}">
-                <a16:creationId xmlns:a16="http://schemas.microsoft.com/office/drawing/2014/main" id="{705E6902-D8B2-4A68-A3A6-33B240D16447}"/>
-              </a:ext>
-            </a:extLst>
-          </p:cNvPr>
-          <p:cNvPicPr>
-            <a:picLocks noChangeAspect="1"/>
-          </p:cNvPicPr>
-          <p:nvPr/>
-        </p:nvPicPr>
-        <p:blipFill rotWithShape="1">
-          <a:blip r:embed="rId3" cstate="email">
-            <a:extLst>
-              <a:ext uri="{28A0092B-C50C-407E-A947-70E740481C1C}">
-                <a14:useLocalDpi xmlns:a14="http://schemas.microsoft.com/office/drawing/2010/main" val="0"/>
-              </a:ext>
-            </a:extLst>
-          </a:blip>
-          <a:srcRect b="51337"/>
-          <a:stretch/>
-        </p:blipFill>
-        <p:spPr>
-          <a:xfrm>
-            <a:off x="301752" y="4005906"/>
-            <a:ext cx="8534401" cy="1797113"/>
-          </a:xfrm>
-          <a:prstGeom prst="rect">
-            <a:avLst/>
-          </a:prstGeom>
-        </p:spPr>
-      </p:pic>
-    </p:spTree>
-    <p:extLst>
-      <p:ext uri="{BB962C8B-B14F-4D97-AF65-F5344CB8AC3E}">
-        <p14:creationId xmlns:p14="http://schemas.microsoft.com/office/powerpoint/2010/main" val="3595600727"/>
-      </p:ext>
-    </p:extLst>
-  </p:cSld>
-  <p:clrMapOvr>
-    <a:masterClrMapping/>
-  </p:clrMapOvr>
-  <p:transition advClick="0" advTm="20000"/>
-</p:sld>
-</file>
-
-<file path=ppt/slides/slide15.xml><?xml version="1.0" encoding="utf-8"?>
-<p:sld xmlns:a="http://schemas.openxmlformats.org/drawingml/2006/main" xmlns:r="http://schemas.openxmlformats.org/officeDocument/2006/relationships" xmlns:p="http://schemas.openxmlformats.org/presentationml/2006/main">
-  <p:cSld>
-    <p:spTree>
-      <p:nvGrpSpPr>
-        <p:cNvPr id="1" name=""/>
-        <p:cNvGrpSpPr/>
-        <p:nvPr/>
-      </p:nvGrpSpPr>
-      <p:grpSpPr>
-        <a:xfrm>
-          <a:off x="0" y="0"/>
-          <a:ext cx="0" cy="0"/>
-          <a:chOff x="0" y="0"/>
-          <a:chExt cx="0" cy="0"/>
-        </a:xfrm>
-      </p:grpSpPr>
-      <p:sp>
-        <p:nvSpPr>
-          <p:cNvPr id="6148" name="Rectangle 4"/>
-          <p:cNvSpPr>
-            <a:spLocks noGrp="1" noChangeArrowheads="1"/>
-          </p:cNvSpPr>
-          <p:nvPr>
-            <p:ph type="title"/>
-          </p:nvPr>
-        </p:nvSpPr>
-        <p:spPr/>
-        <p:txBody>
-          <a:bodyPr/>
-          <a:lstStyle/>
-          <a:p>
-            <a:endParaRPr lang="en-US" noProof="0" dirty="0"/>
-          </a:p>
-        </p:txBody>
-      </p:sp>
-      <p:sp>
-        <p:nvSpPr>
-          <p:cNvPr id="3" name="Marcador de contenido 2"/>
-          <p:cNvSpPr>
-            <a:spLocks noGrp="1"/>
-          </p:cNvSpPr>
-          <p:nvPr>
-            <p:ph sz="quarter" idx="1"/>
-          </p:nvPr>
-        </p:nvSpPr>
-        <p:spPr/>
-        <p:txBody>
-          <a:bodyPr/>
-          <a:lstStyle/>
-          <a:p>
-            <a:endParaRPr lang="es-ES" dirty="0"/>
-          </a:p>
-        </p:txBody>
-      </p:sp>
-      <p:sp>
-        <p:nvSpPr>
-          <p:cNvPr id="4" name="Marcador de pie de página 3">
-            <a:extLst>
-              <a:ext uri="{FF2B5EF4-FFF2-40B4-BE49-F238E27FC236}">
-                <a16:creationId xmlns:a16="http://schemas.microsoft.com/office/drawing/2014/main" id="{4A3599CF-A4EA-914E-A8F1-F7DACD2F2BCE}"/>
-              </a:ext>
-            </a:extLst>
-          </p:cNvPr>
-          <p:cNvSpPr>
-            <a:spLocks noGrp="1"/>
-          </p:cNvSpPr>
-          <p:nvPr>
-            <p:ph type="ftr" sz="quarter" idx="11"/>
-          </p:nvPr>
-        </p:nvSpPr>
-        <p:spPr/>
-        <p:txBody>
-          <a:bodyPr/>
-          <a:lstStyle/>
-          <a:p>
-            <a:r>
-              <a:rPr lang="en"/>
-              <a:t>Introduction to Software Engineering - Final Presentations</a:t>
-            </a:r>
-            <a:endParaRPr lang="en-US" dirty="0"/>
-          </a:p>
-        </p:txBody>
-      </p:sp>
-    </p:spTree>
-    <p:extLst>
-      <p:ext uri="{BB962C8B-B14F-4D97-AF65-F5344CB8AC3E}">
-        <p14:creationId xmlns:p14="http://schemas.microsoft.com/office/powerpoint/2010/main" val="1051367934"/>
-      </p:ext>
-    </p:extLst>
-  </p:cSld>
-  <p:clrMapOvr>
-    <a:masterClrMapping/>
-  </p:clrMapOvr>
-  <p:transition advClick="0" advTm="20000"/>
-</p:sld>
-</file>
-
-<file path=ppt/slides/slide16.xml><?xml version="1.0" encoding="utf-8"?>
-<p:sld xmlns:a="http://schemas.openxmlformats.org/drawingml/2006/main" xmlns:r="http://schemas.openxmlformats.org/officeDocument/2006/relationships" xmlns:p="http://schemas.openxmlformats.org/presentationml/2006/main">
-  <p:cSld>
-    <p:spTree>
-      <p:nvGrpSpPr>
-        <p:cNvPr id="1" name=""/>
-        <p:cNvGrpSpPr/>
-        <p:nvPr/>
-      </p:nvGrpSpPr>
-      <p:grpSpPr>
-        <a:xfrm>
-          <a:off x="0" y="0"/>
-          <a:ext cx="0" cy="0"/>
-          <a:chOff x="0" y="0"/>
-          <a:chExt cx="0" cy="0"/>
-        </a:xfrm>
-      </p:grpSpPr>
-      <p:sp>
-        <p:nvSpPr>
-          <p:cNvPr id="6148" name="Rectangle 4"/>
-          <p:cNvSpPr>
-            <a:spLocks noGrp="1" noChangeArrowheads="1"/>
-          </p:cNvSpPr>
-          <p:nvPr>
-            <p:ph type="title"/>
-          </p:nvPr>
-        </p:nvSpPr>
-        <p:spPr/>
-        <p:txBody>
-          <a:bodyPr/>
-          <a:lstStyle/>
-          <a:p>
-            <a:endParaRPr lang="en-US" noProof="0" dirty="0"/>
-          </a:p>
-        </p:txBody>
-      </p:sp>
-      <p:sp>
-        <p:nvSpPr>
-          <p:cNvPr id="3" name="Marcador de contenido 2"/>
-          <p:cNvSpPr>
-            <a:spLocks noGrp="1"/>
-          </p:cNvSpPr>
-          <p:nvPr>
-            <p:ph sz="quarter" idx="1"/>
-          </p:nvPr>
-        </p:nvSpPr>
-        <p:spPr/>
-        <p:txBody>
-          <a:bodyPr/>
-          <a:lstStyle/>
-          <a:p>
-            <a:endParaRPr lang="es-ES" dirty="0"/>
-          </a:p>
-        </p:txBody>
-      </p:sp>
-      <p:sp>
-        <p:nvSpPr>
-          <p:cNvPr id="4" name="Marcador de pie de página 3">
-            <a:extLst>
-              <a:ext uri="{FF2B5EF4-FFF2-40B4-BE49-F238E27FC236}">
-                <a16:creationId xmlns:a16="http://schemas.microsoft.com/office/drawing/2014/main" id="{D35142AB-08DA-E14A-AF1C-7BD7E9FBC720}"/>
-              </a:ext>
-            </a:extLst>
-          </p:cNvPr>
-          <p:cNvSpPr>
-            <a:spLocks noGrp="1"/>
-          </p:cNvSpPr>
-          <p:nvPr>
-            <p:ph type="ftr" sz="quarter" idx="11"/>
-          </p:nvPr>
-        </p:nvSpPr>
-        <p:spPr/>
-        <p:txBody>
-          <a:bodyPr/>
-          <a:lstStyle/>
-          <a:p>
-            <a:r>
-              <a:rPr lang="en"/>
-              <a:t>Introduction to Software Engineering - Final Presentations</a:t>
-            </a:r>
-            <a:endParaRPr lang="en-US" dirty="0"/>
-          </a:p>
-        </p:txBody>
-      </p:sp>
-    </p:spTree>
-    <p:extLst>
-      <p:ext uri="{BB962C8B-B14F-4D97-AF65-F5344CB8AC3E}">
-        <p14:creationId xmlns:p14="http://schemas.microsoft.com/office/powerpoint/2010/main" val="2593276849"/>
       </p:ext>
     </p:extLst>
   </p:cSld>
@@ -10944,30 +11157,67 @@
             <p:ph type="title"/>
           </p:nvPr>
         </p:nvSpPr>
+        <p:spPr>
+          <a:xfrm>
+            <a:off x="392287" y="301027"/>
+            <a:ext cx="8534400" cy="758952"/>
+          </a:xfrm>
+        </p:spPr>
+        <p:txBody>
+          <a:bodyPr>
+            <a:normAutofit fontScale="90000"/>
+          </a:bodyPr>
+          <a:lstStyle/>
+          <a:p>
+            <a:r>
+              <a:rPr lang="en-US" noProof="0" dirty="0"/>
+              <a:t>Development/Deployment</a:t>
+            </a:r>
+            <a:br>
+              <a:rPr lang="en-US" noProof="0" dirty="0"/>
+            </a:br>
+            <a:r>
+              <a:rPr lang="en-US" noProof="0" dirty="0"/>
+              <a:t>(Implementation model)</a:t>
+            </a:r>
+          </a:p>
+        </p:txBody>
+      </p:sp>
+      <p:sp>
+        <p:nvSpPr>
+          <p:cNvPr id="3" name="Marcador de contenido 2"/>
+          <p:cNvSpPr>
+            <a:spLocks noGrp="1"/>
+          </p:cNvSpPr>
+          <p:nvPr>
+            <p:ph sz="quarter" idx="1"/>
+          </p:nvPr>
+        </p:nvSpPr>
         <p:spPr/>
         <p:txBody>
           <a:bodyPr/>
           <a:lstStyle/>
           <a:p>
-            <a:endParaRPr lang="en-US" noProof="0" dirty="0"/>
-          </a:p>
-        </p:txBody>
-      </p:sp>
-      <p:sp>
-        <p:nvSpPr>
-          <p:cNvPr id="3" name="Marcador de contenido 2"/>
-          <p:cNvSpPr>
-            <a:spLocks noGrp="1"/>
-          </p:cNvSpPr>
-          <p:nvPr>
-            <p:ph sz="quarter" idx="1"/>
-          </p:nvPr>
-        </p:nvSpPr>
-        <p:spPr/>
-        <p:txBody>
-          <a:bodyPr/>
-          <a:lstStyle/>
-          <a:p>
+            <a:r>
+              <a:rPr lang="es-ES" dirty="0" err="1"/>
+              <a:t>Algorithm</a:t>
+            </a:r>
+            <a:endParaRPr lang="es-ES" dirty="0"/>
+          </a:p>
+          <a:p>
+            <a:pPr lvl="1"/>
+            <a:r>
+              <a:rPr lang="es-ES" dirty="0" err="1"/>
+              <a:t>Definition</a:t>
+            </a:r>
+            <a:endParaRPr lang="es-ES" dirty="0"/>
+          </a:p>
+          <a:p>
+            <a:pPr lvl="1"/>
+            <a:r>
+              <a:rPr lang="es-ES" dirty="0" err="1"/>
+              <a:t>Gatherings</a:t>
+            </a:r>
             <a:endParaRPr lang="es-ES" dirty="0"/>
           </a:p>
         </p:txBody>
@@ -10977,7 +11227,7 @@
           <p:cNvPr id="4" name="Marcador de pie de página 3">
             <a:extLst>
               <a:ext uri="{FF2B5EF4-FFF2-40B4-BE49-F238E27FC236}">
-                <a16:creationId xmlns:a16="http://schemas.microsoft.com/office/drawing/2014/main" id="{815D3226-5CF0-6D42-AD4F-3ADC23B3574D}"/>
+                <a16:creationId xmlns:a16="http://schemas.microsoft.com/office/drawing/2014/main" id="{56935F0E-3FD1-B24F-A00C-816208B3AA66}"/>
               </a:ext>
             </a:extLst>
           </p:cNvPr>
@@ -11001,10 +11251,82 @@
           </a:p>
         </p:txBody>
       </p:sp>
+      <p:pic>
+        <p:nvPicPr>
+          <p:cNvPr id="10" name="Imagen 9" descr="Icono&#10;&#10;Descripción generada automáticamente">
+            <a:extLst>
+              <a:ext uri="{FF2B5EF4-FFF2-40B4-BE49-F238E27FC236}">
+                <a16:creationId xmlns:a16="http://schemas.microsoft.com/office/drawing/2014/main" id="{7E5C921F-62E2-462E-8A78-1311427F93FB}"/>
+              </a:ext>
+            </a:extLst>
+          </p:cNvPr>
+          <p:cNvPicPr>
+            <a:picLocks noChangeAspect="1"/>
+          </p:cNvPicPr>
+          <p:nvPr/>
+        </p:nvPicPr>
+        <p:blipFill>
+          <a:blip r:embed="rId3" cstate="email">
+            <a:extLst>
+              <a:ext uri="{28A0092B-C50C-407E-A947-70E740481C1C}">
+                <a14:useLocalDpi xmlns:a14="http://schemas.microsoft.com/office/drawing/2010/main" val="0"/>
+              </a:ext>
+            </a:extLst>
+          </a:blip>
+          <a:stretch>
+            <a:fillRect/>
+          </a:stretch>
+        </p:blipFill>
+        <p:spPr>
+          <a:xfrm>
+            <a:off x="2541311" y="3468566"/>
+            <a:ext cx="2630482" cy="2630482"/>
+          </a:xfrm>
+          <a:prstGeom prst="rect">
+            <a:avLst/>
+          </a:prstGeom>
+        </p:spPr>
+      </p:pic>
+      <p:pic>
+        <p:nvPicPr>
+          <p:cNvPr id="12" name="Imagen 11" descr="Icono&#10;&#10;Descripción generada automáticamente">
+            <a:extLst>
+              <a:ext uri="{FF2B5EF4-FFF2-40B4-BE49-F238E27FC236}">
+                <a16:creationId xmlns:a16="http://schemas.microsoft.com/office/drawing/2014/main" id="{8F99A9FC-7623-408B-A30B-A4C375B95FE7}"/>
+              </a:ext>
+            </a:extLst>
+          </p:cNvPr>
+          <p:cNvPicPr>
+            <a:picLocks noChangeAspect="1"/>
+          </p:cNvPicPr>
+          <p:nvPr/>
+        </p:nvPicPr>
+        <p:blipFill>
+          <a:blip r:embed="rId4" cstate="email">
+            <a:extLst>
+              <a:ext uri="{28A0092B-C50C-407E-A947-70E740481C1C}">
+                <a14:useLocalDpi xmlns:a14="http://schemas.microsoft.com/office/drawing/2010/main" val="0"/>
+              </a:ext>
+            </a:extLst>
+          </a:blip>
+          <a:stretch>
+            <a:fillRect/>
+          </a:stretch>
+        </p:blipFill>
+        <p:spPr>
+          <a:xfrm>
+            <a:off x="5171793" y="1798777"/>
+            <a:ext cx="1829399" cy="1829399"/>
+          </a:xfrm>
+          <a:prstGeom prst="rect">
+            <a:avLst/>
+          </a:prstGeom>
+        </p:spPr>
+      </p:pic>
     </p:spTree>
     <p:extLst>
       <p:ext uri="{BB962C8B-B14F-4D97-AF65-F5344CB8AC3E}">
-        <p14:creationId xmlns:p14="http://schemas.microsoft.com/office/powerpoint/2010/main" val="2331113404"/>
+        <p14:creationId xmlns:p14="http://schemas.microsoft.com/office/powerpoint/2010/main" val="3595600727"/>
       </p:ext>
     </p:extLst>
   </p:cSld>
@@ -11042,31 +11364,34 @@
             <p:ph type="title"/>
           </p:nvPr>
         </p:nvSpPr>
-        <p:spPr/>
-        <p:txBody>
-          <a:bodyPr/>
-          <a:lstStyle/>
-          <a:p>
-            <a:endParaRPr lang="en-US" noProof="0" dirty="0"/>
-          </a:p>
-        </p:txBody>
-      </p:sp>
-      <p:sp>
-        <p:nvSpPr>
-          <p:cNvPr id="3" name="Marcador de contenido 2"/>
-          <p:cNvSpPr>
-            <a:spLocks noGrp="1"/>
-          </p:cNvSpPr>
-          <p:nvPr>
-            <p:ph sz="quarter" idx="1"/>
-          </p:nvPr>
-        </p:nvSpPr>
-        <p:spPr/>
-        <p:txBody>
-          <a:bodyPr/>
-          <a:lstStyle/>
-          <a:p>
-            <a:endParaRPr lang="es-ES" dirty="0"/>
+        <p:spPr>
+          <a:xfrm>
+            <a:off x="301752" y="228600"/>
+            <a:ext cx="8534400" cy="758952"/>
+          </a:xfrm>
+        </p:spPr>
+        <p:txBody>
+          <a:bodyPr anchor="b">
+            <a:normAutofit/>
+          </a:bodyPr>
+          <a:lstStyle/>
+          <a:p>
+            <a:pPr>
+              <a:lnSpc>
+                <a:spcPct val="90000"/>
+              </a:lnSpc>
+            </a:pPr>
+            <a:r>
+              <a:rPr lang="en-US" sz="2300" noProof="0"/>
+              <a:t>Development/Deployment</a:t>
+            </a:r>
+            <a:br>
+              <a:rPr lang="en-US" sz="2300" noProof="0"/>
+            </a:br>
+            <a:r>
+              <a:rPr lang="en-US" sz="2300" noProof="0"/>
+              <a:t>(Implementation model)</a:t>
+            </a:r>
           </a:p>
         </p:txBody>
       </p:sp>
@@ -11075,7 +11400,7 @@
           <p:cNvPr id="4" name="Marcador de pie de página 3">
             <a:extLst>
               <a:ext uri="{FF2B5EF4-FFF2-40B4-BE49-F238E27FC236}">
-                <a16:creationId xmlns:a16="http://schemas.microsoft.com/office/drawing/2014/main" id="{1BDE6D73-1B46-A842-9097-02AB234BE84B}"/>
+                <a16:creationId xmlns:a16="http://schemas.microsoft.com/office/drawing/2014/main" id="{4A3599CF-A4EA-914E-A8F1-F7DACD2F2BCE}"/>
               </a:ext>
             </a:extLst>
           </p:cNvPr>
@@ -11086,23 +11411,134 @@
             <p:ph type="ftr" sz="quarter" idx="11"/>
           </p:nvPr>
         </p:nvSpPr>
-        <p:spPr/>
-        <p:txBody>
-          <a:bodyPr/>
-          <a:lstStyle/>
-          <a:p>
+        <p:spPr>
+          <a:xfrm>
+            <a:off x="304800" y="6410848"/>
+            <a:ext cx="5340096" cy="365760"/>
+          </a:xfrm>
+        </p:spPr>
+        <p:txBody>
+          <a:bodyPr>
+            <a:normAutofit/>
+          </a:bodyPr>
+          <a:lstStyle/>
+          <a:p>
+            <a:pPr>
+              <a:spcAft>
+                <a:spcPts val="600"/>
+              </a:spcAft>
+            </a:pPr>
             <a:r>
               <a:rPr lang="en"/>
               <a:t>Introduction to Software Engineering - Final Presentations</a:t>
             </a:r>
-            <a:endParaRPr lang="en-US" dirty="0"/>
-          </a:p>
-        </p:txBody>
-      </p:sp>
+            <a:endParaRPr lang="en-US"/>
+          </a:p>
+        </p:txBody>
+      </p:sp>
+      <p:sp>
+        <p:nvSpPr>
+          <p:cNvPr id="3" name="Marcador de contenido 2"/>
+          <p:cNvSpPr>
+            <a:spLocks noGrp="1"/>
+          </p:cNvSpPr>
+          <p:nvPr>
+            <p:ph sz="half" idx="1"/>
+          </p:nvPr>
+        </p:nvSpPr>
+        <p:spPr>
+          <a:xfrm>
+            <a:off x="301752" y="1371600"/>
+            <a:ext cx="4038600" cy="4681728"/>
+          </a:xfrm>
+        </p:spPr>
+        <p:txBody>
+          <a:bodyPr>
+            <a:normAutofit/>
+          </a:bodyPr>
+          <a:lstStyle/>
+          <a:p>
+            <a:r>
+              <a:rPr lang="es-ES" dirty="0" err="1"/>
+              <a:t>Algorithm</a:t>
+            </a:r>
+            <a:endParaRPr lang="es-ES" dirty="0"/>
+          </a:p>
+          <a:p>
+            <a:pPr lvl="1"/>
+            <a:r>
+              <a:rPr lang="es-ES" sz="2500" err="1">
+                <a:solidFill>
+                  <a:schemeClr val="tx1"/>
+                </a:solidFill>
+              </a:rPr>
+              <a:t>Immunity</a:t>
+            </a:r>
+            <a:r>
+              <a:rPr lang="es-ES" sz="2500">
+                <a:solidFill>
+                  <a:schemeClr val="tx1"/>
+                </a:solidFill>
+              </a:rPr>
+              <a:t> and </a:t>
+            </a:r>
+            <a:r>
+              <a:rPr lang="es-ES" sz="2500" err="1">
+                <a:solidFill>
+                  <a:schemeClr val="tx1"/>
+                </a:solidFill>
+              </a:rPr>
+              <a:t>contagiousness</a:t>
+            </a:r>
+            <a:endParaRPr lang="es-ES" sz="2500">
+              <a:solidFill>
+                <a:schemeClr val="tx1"/>
+              </a:solidFill>
+            </a:endParaRPr>
+          </a:p>
+        </p:txBody>
+      </p:sp>
+      <p:pic>
+        <p:nvPicPr>
+          <p:cNvPr id="5" name="Imagen 4" descr="Imagen que contiene Esquemático&#10;&#10;Descripción generada automáticamente">
+            <a:extLst>
+              <a:ext uri="{FF2B5EF4-FFF2-40B4-BE49-F238E27FC236}">
+                <a16:creationId xmlns:a16="http://schemas.microsoft.com/office/drawing/2014/main" id="{83055C44-C790-4185-8883-7B2E2680446D}"/>
+              </a:ext>
+            </a:extLst>
+          </p:cNvPr>
+          <p:cNvPicPr>
+            <a:picLocks noChangeAspect="1"/>
+          </p:cNvPicPr>
+          <p:nvPr/>
+        </p:nvPicPr>
+        <p:blipFill>
+          <a:blip r:embed="rId3" cstate="email">
+            <a:extLst>
+              <a:ext uri="{28A0092B-C50C-407E-A947-70E740481C1C}">
+                <a14:useLocalDpi xmlns:a14="http://schemas.microsoft.com/office/drawing/2010/main" val="0"/>
+              </a:ext>
+            </a:extLst>
+          </a:blip>
+          <a:stretch>
+            <a:fillRect/>
+          </a:stretch>
+        </p:blipFill>
+        <p:spPr>
+          <a:xfrm>
+            <a:off x="4800600" y="2364583"/>
+            <a:ext cx="4038600" cy="2695762"/>
+          </a:xfrm>
+          <a:prstGeom prst="rect">
+            <a:avLst/>
+          </a:prstGeom>
+          <a:noFill/>
+        </p:spPr>
+      </p:pic>
     </p:spTree>
     <p:extLst>
       <p:ext uri="{BB962C8B-B14F-4D97-AF65-F5344CB8AC3E}">
-        <p14:creationId xmlns:p14="http://schemas.microsoft.com/office/powerpoint/2010/main" val="1276898751"/>
+        <p14:creationId xmlns:p14="http://schemas.microsoft.com/office/powerpoint/2010/main" val="1051367934"/>
       </p:ext>
     </p:extLst>
   </p:cSld>
@@ -11140,29 +11576,69 @@
             <p:ph type="title"/>
           </p:nvPr>
         </p:nvSpPr>
+        <p:spPr>
+          <a:xfrm>
+            <a:off x="304800" y="301028"/>
+            <a:ext cx="8534400" cy="758952"/>
+          </a:xfrm>
+        </p:spPr>
+        <p:txBody>
+          <a:bodyPr>
+            <a:normAutofit fontScale="90000"/>
+          </a:bodyPr>
+          <a:lstStyle/>
+          <a:p>
+            <a:r>
+              <a:rPr lang="en-US" noProof="0" dirty="0"/>
+              <a:t>Development/Deployment</a:t>
+            </a:r>
+            <a:br>
+              <a:rPr lang="en-US" noProof="0" dirty="0"/>
+            </a:br>
+            <a:r>
+              <a:rPr lang="en-US" noProof="0" dirty="0"/>
+              <a:t>(Implementation model)</a:t>
+            </a:r>
+          </a:p>
+        </p:txBody>
+      </p:sp>
+      <p:sp>
+        <p:nvSpPr>
+          <p:cNvPr id="3" name="Marcador de contenido 2"/>
+          <p:cNvSpPr>
+            <a:spLocks noGrp="1"/>
+          </p:cNvSpPr>
+          <p:nvPr>
+            <p:ph sz="quarter" idx="1"/>
+          </p:nvPr>
+        </p:nvSpPr>
         <p:spPr/>
         <p:txBody>
           <a:bodyPr/>
           <a:lstStyle/>
           <a:p>
-            <a:endParaRPr lang="en-US" noProof="0" dirty="0"/>
-          </a:p>
-        </p:txBody>
-      </p:sp>
-      <p:sp>
-        <p:nvSpPr>
-          <p:cNvPr id="3" name="Marcador de contenido 2"/>
-          <p:cNvSpPr>
-            <a:spLocks noGrp="1"/>
-          </p:cNvSpPr>
-          <p:nvPr>
-            <p:ph sz="quarter" idx="1"/>
-          </p:nvPr>
-        </p:nvSpPr>
-        <p:spPr/>
-        <p:txBody>
-          <a:bodyPr/>
-          <a:lstStyle/>
+            <a:r>
+              <a:rPr lang="es-ES" dirty="0" err="1"/>
+              <a:t>Algorithm</a:t>
+            </a:r>
+            <a:endParaRPr lang="es-ES" dirty="0"/>
+          </a:p>
+          <a:p>
+            <a:pPr lvl="1"/>
+            <a:r>
+              <a:rPr lang="es-ES" dirty="0" err="1"/>
+              <a:t>Evolution</a:t>
+            </a:r>
+            <a:endParaRPr lang="es-ES" dirty="0"/>
+          </a:p>
+          <a:p>
+            <a:pPr lvl="1"/>
+            <a:r>
+              <a:rPr lang="es-ES" dirty="0" err="1"/>
+              <a:t>Results</a:t>
+            </a:r>
+            <a:endParaRPr lang="es-ES" dirty="0"/>
+          </a:p>
           <a:p>
             <a:endParaRPr lang="es-ES" dirty="0"/>
           </a:p>
@@ -11173,7 +11649,7 @@
           <p:cNvPr id="4" name="Marcador de pie de página 3">
             <a:extLst>
               <a:ext uri="{FF2B5EF4-FFF2-40B4-BE49-F238E27FC236}">
-                <a16:creationId xmlns:a16="http://schemas.microsoft.com/office/drawing/2014/main" id="{71247F06-A509-4F4C-A224-AC6BB090C011}"/>
+                <a16:creationId xmlns:a16="http://schemas.microsoft.com/office/drawing/2014/main" id="{D35142AB-08DA-E14A-AF1C-7BD7E9FBC720}"/>
               </a:ext>
             </a:extLst>
           </p:cNvPr>
@@ -11197,10 +11673,45 @@
           </a:p>
         </p:txBody>
       </p:sp>
+      <p:pic>
+        <p:nvPicPr>
+          <p:cNvPr id="5" name="Imagen 4" descr="Interfaz de usuario gráfica&#10;&#10;Descripción generada automáticamente">
+            <a:extLst>
+              <a:ext uri="{FF2B5EF4-FFF2-40B4-BE49-F238E27FC236}">
+                <a16:creationId xmlns:a16="http://schemas.microsoft.com/office/drawing/2014/main" id="{A73A73F7-B5B9-49A7-B678-258664533B7C}"/>
+              </a:ext>
+            </a:extLst>
+          </p:cNvPr>
+          <p:cNvPicPr>
+            <a:picLocks noChangeAspect="1"/>
+          </p:cNvPicPr>
+          <p:nvPr/>
+        </p:nvPicPr>
+        <p:blipFill rotWithShape="1">
+          <a:blip r:embed="rId3" cstate="email">
+            <a:extLst>
+              <a:ext uri="{28A0092B-C50C-407E-A947-70E740481C1C}">
+                <a14:useLocalDpi xmlns:a14="http://schemas.microsoft.com/office/drawing/2010/main" val="0"/>
+              </a:ext>
+            </a:extLst>
+          </a:blip>
+          <a:srcRect t="17048"/>
+          <a:stretch/>
+        </p:blipFill>
+        <p:spPr>
+          <a:xfrm>
+            <a:off x="3438144" y="2890214"/>
+            <a:ext cx="4413504" cy="2440738"/>
+          </a:xfrm>
+          <a:prstGeom prst="rect">
+            <a:avLst/>
+          </a:prstGeom>
+        </p:spPr>
+      </p:pic>
     </p:spTree>
     <p:extLst>
       <p:ext uri="{BB962C8B-B14F-4D97-AF65-F5344CB8AC3E}">
-        <p14:creationId xmlns:p14="http://schemas.microsoft.com/office/powerpoint/2010/main" val="86029665"/>
+        <p14:creationId xmlns:p14="http://schemas.microsoft.com/office/powerpoint/2010/main" val="2593276849"/>
       </p:ext>
     </p:extLst>
   </p:cSld>
@@ -11595,7 +12106,10 @@
           <a:bodyPr/>
           <a:lstStyle/>
           <a:p>
-            <a:endParaRPr lang="en-US" noProof="0" dirty="0"/>
+            <a:r>
+              <a:rPr lang="en-US" noProof="0" dirty="0"/>
+              <a:t>Deployment</a:t>
+            </a:r>
           </a:p>
         </p:txBody>
       </p:sp>
@@ -11613,6 +12127,57 @@
         <p:txBody>
           <a:bodyPr/>
           <a:lstStyle/>
+          <a:p>
+            <a:r>
+              <a:rPr lang="es-ES" dirty="0" err="1"/>
+              <a:t>First</a:t>
+            </a:r>
+            <a:r>
+              <a:rPr lang="es-ES" dirty="0"/>
+              <a:t> idea</a:t>
+            </a:r>
+          </a:p>
+          <a:p>
+            <a:pPr lvl="1"/>
+            <a:r>
+              <a:rPr lang="es-ES" dirty="0"/>
+              <a:t>Docker</a:t>
+            </a:r>
+          </a:p>
+          <a:p>
+            <a:r>
+              <a:rPr lang="es-ES" dirty="0" err="1"/>
+              <a:t>Not</a:t>
+            </a:r>
+            <a:r>
+              <a:rPr lang="es-ES" dirty="0"/>
+              <a:t> </a:t>
+            </a:r>
+            <a:r>
+              <a:rPr lang="es-ES" dirty="0" err="1"/>
+              <a:t>finished</a:t>
+            </a:r>
+            <a:r>
+              <a:rPr lang="es-ES" dirty="0"/>
+              <a:t> </a:t>
+            </a:r>
+            <a:r>
+              <a:rPr lang="es-ES" dirty="0" err="1"/>
+              <a:t>yet</a:t>
+            </a:r>
+            <a:endParaRPr lang="es-ES" dirty="0"/>
+          </a:p>
+          <a:p>
+            <a:r>
+              <a:rPr lang="es-ES" dirty="0"/>
+              <a:t>Local </a:t>
+            </a:r>
+            <a:r>
+              <a:rPr lang="es-ES" dirty="0" err="1"/>
+              <a:t>webapp</a:t>
+            </a:r>
+            <a:endParaRPr lang="es-ES" dirty="0"/>
+          </a:p>
           <a:p>
             <a:endParaRPr lang="es-ES" dirty="0"/>
           </a:p>
@@ -11623,7 +12188,7 @@
           <p:cNvPr id="4" name="Marcador de pie de página 3">
             <a:extLst>
               <a:ext uri="{FF2B5EF4-FFF2-40B4-BE49-F238E27FC236}">
-                <a16:creationId xmlns:a16="http://schemas.microsoft.com/office/drawing/2014/main" id="{00E4EA28-BCDE-BB4E-8F72-981B002C0EA4}"/>
+                <a16:creationId xmlns:a16="http://schemas.microsoft.com/office/drawing/2014/main" id="{815D3226-5CF0-6D42-AD4F-3ADC23B3574D}"/>
               </a:ext>
             </a:extLst>
           </p:cNvPr>
@@ -11647,10 +12212,40 @@
           </a:p>
         </p:txBody>
       </p:sp>
+      <p:pic>
+        <p:nvPicPr>
+          <p:cNvPr id="5" name="Imagen 4">
+            <a:extLst>
+              <a:ext uri="{FF2B5EF4-FFF2-40B4-BE49-F238E27FC236}">
+                <a16:creationId xmlns:a16="http://schemas.microsoft.com/office/drawing/2014/main" id="{93B42FD2-AA5D-498F-895E-4F4621B2661A}"/>
+              </a:ext>
+            </a:extLst>
+          </p:cNvPr>
+          <p:cNvPicPr>
+            <a:picLocks noChangeAspect="1"/>
+          </p:cNvPicPr>
+          <p:nvPr/>
+        </p:nvPicPr>
+        <p:blipFill>
+          <a:blip r:embed="rId3"/>
+          <a:stretch>
+            <a:fillRect/>
+          </a:stretch>
+        </p:blipFill>
+        <p:spPr>
+          <a:xfrm>
+            <a:off x="4286109" y="1767455"/>
+            <a:ext cx="3201107" cy="3184564"/>
+          </a:xfrm>
+          <a:prstGeom prst="rect">
+            <a:avLst/>
+          </a:prstGeom>
+        </p:spPr>
+      </p:pic>
     </p:spTree>
     <p:extLst>
       <p:ext uri="{BB962C8B-B14F-4D97-AF65-F5344CB8AC3E}">
-        <p14:creationId xmlns:p14="http://schemas.microsoft.com/office/powerpoint/2010/main" val="2900760504"/>
+        <p14:creationId xmlns:p14="http://schemas.microsoft.com/office/powerpoint/2010/main" val="2331113404"/>
       </p:ext>
     </p:extLst>
   </p:cSld>
@@ -11693,7 +12288,10 @@
           <a:bodyPr/>
           <a:lstStyle/>
           <a:p>
-            <a:endParaRPr lang="en-US" noProof="0" dirty="0"/>
+            <a:r>
+              <a:rPr lang="en-US" noProof="0" dirty="0"/>
+              <a:t>Results</a:t>
+            </a:r>
           </a:p>
         </p:txBody>
       </p:sp>
@@ -11712,6 +12310,93 @@
           <a:bodyPr/>
           <a:lstStyle/>
           <a:p>
+            <a:r>
+              <a:rPr lang="es-ES" dirty="0"/>
+              <a:t>Project </a:t>
+            </a:r>
+            <a:r>
+              <a:rPr lang="es-ES" dirty="0" err="1"/>
+              <a:t>is</a:t>
+            </a:r>
+            <a:r>
+              <a:rPr lang="es-ES" dirty="0"/>
+              <a:t> </a:t>
+            </a:r>
+            <a:r>
+              <a:rPr lang="es-ES" dirty="0" err="1"/>
+              <a:t>not</a:t>
+            </a:r>
+            <a:r>
+              <a:rPr lang="es-ES" dirty="0"/>
+              <a:t> </a:t>
+            </a:r>
+            <a:r>
+              <a:rPr lang="es-ES" dirty="0" err="1"/>
+              <a:t>finished</a:t>
+            </a:r>
+            <a:r>
+              <a:rPr lang="es-ES" dirty="0"/>
+              <a:t>, </a:t>
+            </a:r>
+            <a:r>
+              <a:rPr lang="es-ES" dirty="0" err="1"/>
+              <a:t>but</a:t>
+            </a:r>
+            <a:r>
+              <a:rPr lang="es-ES" dirty="0"/>
+              <a:t>…</a:t>
+            </a:r>
+          </a:p>
+          <a:p>
+            <a:pPr lvl="1"/>
+            <a:r>
+              <a:rPr lang="es-ES" dirty="0" err="1"/>
+              <a:t>Documentation</a:t>
+            </a:r>
+            <a:r>
+              <a:rPr lang="es-ES" dirty="0"/>
+              <a:t> </a:t>
+            </a:r>
+            <a:r>
+              <a:rPr lang="es-ES" dirty="0" err="1"/>
+              <a:t>provided</a:t>
+            </a:r>
+            <a:endParaRPr lang="es-ES" dirty="0"/>
+          </a:p>
+          <a:p>
+            <a:pPr lvl="1"/>
+            <a:r>
+              <a:rPr lang="es-ES" dirty="0" err="1"/>
+              <a:t>Design</a:t>
+            </a:r>
+            <a:r>
+              <a:rPr lang="es-ES" dirty="0"/>
+              <a:t> </a:t>
+            </a:r>
+            <a:r>
+              <a:rPr lang="es-ES" dirty="0" err="1"/>
+              <a:t>completed</a:t>
+            </a:r>
+            <a:endParaRPr lang="es-ES" dirty="0"/>
+          </a:p>
+          <a:p>
+            <a:pPr lvl="1"/>
+            <a:r>
+              <a:rPr lang="es-ES" dirty="0"/>
+              <a:t>System </a:t>
+            </a:r>
+            <a:r>
+              <a:rPr lang="es-ES" dirty="0" err="1"/>
+              <a:t>partially</a:t>
+            </a:r>
+            <a:r>
+              <a:rPr lang="es-ES" dirty="0"/>
+              <a:t> </a:t>
+            </a:r>
+            <a:r>
+              <a:rPr lang="es-ES" dirty="0" err="1"/>
+              <a:t>working</a:t>
+            </a:r>
             <a:endParaRPr lang="es-ES" dirty="0"/>
           </a:p>
         </p:txBody>
@@ -11721,7 +12406,7 @@
           <p:cNvPr id="4" name="Marcador de pie de página 3">
             <a:extLst>
               <a:ext uri="{FF2B5EF4-FFF2-40B4-BE49-F238E27FC236}">
-                <a16:creationId xmlns:a16="http://schemas.microsoft.com/office/drawing/2014/main" id="{EF2929E0-FE95-514D-9C78-F2B11522259F}"/>
+                <a16:creationId xmlns:a16="http://schemas.microsoft.com/office/drawing/2014/main" id="{1BDE6D73-1B46-A842-9097-02AB234BE84B}"/>
               </a:ext>
             </a:extLst>
           </p:cNvPr>
@@ -11748,7 +12433,7 @@
     </p:spTree>
     <p:extLst>
       <p:ext uri="{BB962C8B-B14F-4D97-AF65-F5344CB8AC3E}">
-        <p14:creationId xmlns:p14="http://schemas.microsoft.com/office/powerpoint/2010/main" val="3653626399"/>
+        <p14:creationId xmlns:p14="http://schemas.microsoft.com/office/powerpoint/2010/main" val="1276898751"/>
       </p:ext>
     </p:extLst>
   </p:cSld>
@@ -11791,7 +12476,10 @@
           <a:bodyPr/>
           <a:lstStyle/>
           <a:p>
-            <a:endParaRPr lang="en-US" noProof="0" dirty="0"/>
+            <a:r>
+              <a:rPr lang="en-US" noProof="0" dirty="0"/>
+              <a:t>Conclusion</a:t>
+            </a:r>
           </a:p>
         </p:txBody>
       </p:sp>
@@ -11810,6 +12498,164 @@
           <a:bodyPr/>
           <a:lstStyle/>
           <a:p>
+            <a:r>
+              <a:rPr lang="es-ES" dirty="0"/>
+              <a:t>In </a:t>
+            </a:r>
+            <a:r>
+              <a:rPr lang="es-ES" dirty="0" err="1"/>
+              <a:t>order</a:t>
+            </a:r>
+            <a:r>
+              <a:rPr lang="es-ES" dirty="0"/>
+              <a:t> </a:t>
+            </a:r>
+            <a:r>
+              <a:rPr lang="es-ES" dirty="0" err="1"/>
+              <a:t>to</a:t>
+            </a:r>
+            <a:r>
+              <a:rPr lang="es-ES" dirty="0"/>
+              <a:t> </a:t>
+            </a:r>
+            <a:r>
+              <a:rPr lang="es-ES" dirty="0" err="1"/>
+              <a:t>finish</a:t>
+            </a:r>
+            <a:r>
+              <a:rPr lang="es-ES" dirty="0"/>
+              <a:t> </a:t>
+            </a:r>
+            <a:r>
+              <a:rPr lang="es-ES" dirty="0" err="1"/>
+              <a:t>the</a:t>
+            </a:r>
+            <a:r>
+              <a:rPr lang="es-ES" dirty="0"/>
+              <a:t> final </a:t>
+            </a:r>
+            <a:r>
+              <a:rPr lang="es-ES" dirty="0" err="1"/>
+              <a:t>project</a:t>
+            </a:r>
+            <a:r>
+              <a:rPr lang="es-ES" dirty="0"/>
+              <a:t>:</a:t>
+            </a:r>
+          </a:p>
+          <a:p>
+            <a:pPr lvl="1"/>
+            <a:r>
+              <a:rPr lang="es-ES" dirty="0"/>
+              <a:t>More time </a:t>
+            </a:r>
+            <a:r>
+              <a:rPr lang="es-ES" dirty="0" err="1"/>
+              <a:t>is</a:t>
+            </a:r>
+            <a:r>
+              <a:rPr lang="es-ES" dirty="0"/>
+              <a:t> </a:t>
+            </a:r>
+            <a:r>
+              <a:rPr lang="es-ES" dirty="0" err="1"/>
+              <a:t>needed</a:t>
+            </a:r>
+            <a:r>
+              <a:rPr lang="es-ES" dirty="0"/>
+              <a:t> </a:t>
+            </a:r>
+            <a:r>
+              <a:rPr lang="es-ES" dirty="0" err="1"/>
+              <a:t>for</a:t>
+            </a:r>
+            <a:r>
+              <a:rPr lang="es-ES" dirty="0"/>
+              <a:t>:</a:t>
+            </a:r>
+          </a:p>
+          <a:p>
+            <a:pPr lvl="2"/>
+            <a:r>
+              <a:rPr lang="es-ES" dirty="0" err="1"/>
+              <a:t>Finish</a:t>
+            </a:r>
+            <a:r>
+              <a:rPr lang="es-ES" dirty="0"/>
+              <a:t> </a:t>
+            </a:r>
+            <a:r>
+              <a:rPr lang="es-ES" dirty="0" err="1"/>
+              <a:t>implementations</a:t>
+            </a:r>
+            <a:endParaRPr lang="es-ES" dirty="0"/>
+          </a:p>
+          <a:p>
+            <a:pPr lvl="2"/>
+            <a:r>
+              <a:rPr lang="es-ES" dirty="0" err="1"/>
+              <a:t>Perform</a:t>
+            </a:r>
+            <a:r>
+              <a:rPr lang="es-ES" dirty="0"/>
+              <a:t> </a:t>
+            </a:r>
+            <a:r>
+              <a:rPr lang="es-ES" dirty="0" err="1"/>
+              <a:t>tests</a:t>
+            </a:r>
+            <a:r>
+              <a:rPr lang="es-ES" dirty="0"/>
+              <a:t> </a:t>
+            </a:r>
+            <a:r>
+              <a:rPr lang="es-ES" dirty="0" err="1"/>
+              <a:t>to</a:t>
+            </a:r>
+            <a:r>
+              <a:rPr lang="es-ES" dirty="0"/>
+              <a:t> </a:t>
+            </a:r>
+            <a:r>
+              <a:rPr lang="es-ES" dirty="0" err="1"/>
+              <a:t>ensure</a:t>
+            </a:r>
+            <a:r>
+              <a:rPr lang="es-ES" dirty="0"/>
+              <a:t> </a:t>
+            </a:r>
+            <a:r>
+              <a:rPr lang="es-ES" dirty="0" err="1"/>
+              <a:t>reliability</a:t>
+            </a:r>
+            <a:endParaRPr lang="es-ES" dirty="0"/>
+          </a:p>
+          <a:p>
+            <a:pPr lvl="2"/>
+            <a:r>
+              <a:rPr lang="es-ES" dirty="0" err="1"/>
+              <a:t>Guarantee</a:t>
+            </a:r>
+            <a:r>
+              <a:rPr lang="es-ES" dirty="0"/>
+              <a:t> </a:t>
+            </a:r>
+            <a:r>
+              <a:rPr lang="es-ES" dirty="0" err="1"/>
+              <a:t>client’s</a:t>
+            </a:r>
+            <a:r>
+              <a:rPr lang="es-ES" dirty="0"/>
+              <a:t> </a:t>
+            </a:r>
+            <a:r>
+              <a:rPr lang="es-ES" dirty="0" err="1"/>
+              <a:t>satisfaction</a:t>
+            </a:r>
+            <a:endParaRPr lang="es-ES" dirty="0"/>
+          </a:p>
+          <a:p>
+            <a:pPr lvl="1"/>
             <a:endParaRPr lang="es-ES" dirty="0"/>
           </a:p>
         </p:txBody>
@@ -11819,7 +12665,7 @@
           <p:cNvPr id="4" name="Marcador de pie de página 3">
             <a:extLst>
               <a:ext uri="{FF2B5EF4-FFF2-40B4-BE49-F238E27FC236}">
-                <a16:creationId xmlns:a16="http://schemas.microsoft.com/office/drawing/2014/main" id="{A4847DC6-AB09-FD4A-9029-C7ACF0C90D3E}"/>
+                <a16:creationId xmlns:a16="http://schemas.microsoft.com/office/drawing/2014/main" id="{71247F06-A509-4F4C-A224-AC6BB090C011}"/>
               </a:ext>
             </a:extLst>
           </p:cNvPr>
@@ -11846,7 +12692,7 @@
     </p:spTree>
     <p:extLst>
       <p:ext uri="{BB962C8B-B14F-4D97-AF65-F5344CB8AC3E}">
-        <p14:creationId xmlns:p14="http://schemas.microsoft.com/office/powerpoint/2010/main" val="1730115534"/>
+        <p14:creationId xmlns:p14="http://schemas.microsoft.com/office/powerpoint/2010/main" val="86029665"/>
       </p:ext>
     </p:extLst>
   </p:cSld>
@@ -13253,7 +14099,7 @@
             </a:r>
             <a:r>
               <a:rPr lang="es-ES" dirty="0" err="1"/>
-              <a:t>Design</a:t>
+              <a:t>Domain</a:t>
             </a:r>
             <a:r>
               <a:rPr lang="es-ES" dirty="0"/>
@@ -13271,25 +14117,35 @@
           </a:p>
         </p:txBody>
       </p:sp>
-      <p:sp>
-        <p:nvSpPr>
-          <p:cNvPr id="3" name="Marcador de contenido 2"/>
-          <p:cNvSpPr>
-            <a:spLocks noGrp="1"/>
-          </p:cNvSpPr>
+      <p:pic>
+        <p:nvPicPr>
+          <p:cNvPr id="5" name="Marcador de contenido 4">
+            <a:extLst>
+              <a:ext uri="{FF2B5EF4-FFF2-40B4-BE49-F238E27FC236}">
+                <a16:creationId xmlns:a16="http://schemas.microsoft.com/office/drawing/2014/main" id="{143E152C-DD4E-4B27-B04B-B48A8E60F549}"/>
+              </a:ext>
+            </a:extLst>
+          </p:cNvPr>
+          <p:cNvPicPr>
+            <a:picLocks noGrp="1" noChangeAspect="1"/>
+          </p:cNvPicPr>
           <p:nvPr>
             <p:ph sz="quarter" idx="1"/>
           </p:nvPr>
-        </p:nvSpPr>
-        <p:spPr/>
-        <p:txBody>
-          <a:bodyPr/>
-          <a:lstStyle/>
-          <a:p>
-            <a:endParaRPr lang="es-ES" dirty="0"/>
-          </a:p>
-        </p:txBody>
-      </p:sp>
+        </p:nvPicPr>
+        <p:blipFill>
+          <a:blip r:embed="rId3"/>
+          <a:stretch>
+            <a:fillRect/>
+          </a:stretch>
+        </p:blipFill>
+        <p:spPr>
+          <a:xfrm>
+            <a:off x="679759" y="1527175"/>
+            <a:ext cx="7747969" cy="4572000"/>
+          </a:xfrm>
+        </p:spPr>
+      </p:pic>
       <p:sp>
         <p:nvSpPr>
           <p:cNvPr id="4" name="Marcador de pie de página 3">
@@ -13322,7 +14178,7 @@
     </p:spTree>
     <p:extLst>
       <p:ext uri="{BB962C8B-B14F-4D97-AF65-F5344CB8AC3E}">
-        <p14:creationId xmlns:p14="http://schemas.microsoft.com/office/powerpoint/2010/main" val="3635521527"/>
+        <p14:creationId xmlns:p14="http://schemas.microsoft.com/office/powerpoint/2010/main" val="1736405314"/>
       </p:ext>
     </p:extLst>
   </p:cSld>
@@ -13397,7 +14253,7 @@
             </a:r>
             <a:r>
               <a:rPr lang="es-ES" dirty="0" err="1"/>
-              <a:t>Domain</a:t>
+              <a:t>Design</a:t>
             </a:r>
             <a:r>
               <a:rPr lang="es-ES" dirty="0"/>
@@ -13415,25 +14271,35 @@
           </a:p>
         </p:txBody>
       </p:sp>
-      <p:sp>
-        <p:nvSpPr>
-          <p:cNvPr id="3" name="Marcador de contenido 2"/>
-          <p:cNvSpPr>
-            <a:spLocks noGrp="1"/>
-          </p:cNvSpPr>
+      <p:pic>
+        <p:nvPicPr>
+          <p:cNvPr id="5" name="Marcador de contenido 4">
+            <a:extLst>
+              <a:ext uri="{FF2B5EF4-FFF2-40B4-BE49-F238E27FC236}">
+                <a16:creationId xmlns:a16="http://schemas.microsoft.com/office/drawing/2014/main" id="{A6C66B7B-2DD5-484C-B6DD-E2350A7163E9}"/>
+              </a:ext>
+            </a:extLst>
+          </p:cNvPr>
+          <p:cNvPicPr>
+            <a:picLocks noGrp="1" noChangeAspect="1"/>
+          </p:cNvPicPr>
           <p:nvPr>
             <p:ph sz="quarter" idx="1"/>
           </p:nvPr>
-        </p:nvSpPr>
-        <p:spPr/>
-        <p:txBody>
-          <a:bodyPr/>
-          <a:lstStyle/>
-          <a:p>
-            <a:endParaRPr lang="es-ES" dirty="0"/>
-          </a:p>
-        </p:txBody>
-      </p:sp>
+        </p:nvPicPr>
+        <p:blipFill>
+          <a:blip r:embed="rId3"/>
+          <a:stretch>
+            <a:fillRect/>
+          </a:stretch>
+        </p:blipFill>
+        <p:spPr>
+          <a:xfrm>
+            <a:off x="1001492" y="1527175"/>
+            <a:ext cx="7104503" cy="4572000"/>
+          </a:xfrm>
+        </p:spPr>
+      </p:pic>
       <p:sp>
         <p:nvSpPr>
           <p:cNvPr id="4" name="Marcador de pie de página 3">
@@ -13466,7 +14332,7 @@
     </p:spTree>
     <p:extLst>
       <p:ext uri="{BB962C8B-B14F-4D97-AF65-F5344CB8AC3E}">
-        <p14:creationId xmlns:p14="http://schemas.microsoft.com/office/powerpoint/2010/main" val="1736405314"/>
+        <p14:creationId xmlns:p14="http://schemas.microsoft.com/office/powerpoint/2010/main" val="3635521527"/>
       </p:ext>
     </p:extLst>
   </p:cSld>

--- a/IntroSWEng.FinalPresentations.pptx
+++ b/IntroSWEng.FinalPresentations.pptx
@@ -12566,13 +12566,10 @@
               <a:t> </a:t>
             </a:r>
             <a:r>
-              <a:rPr lang="es-ES" dirty="0" err="1"/>
-              <a:t>for</a:t>
-            </a:r>
-            <a:r>
-              <a:rPr lang="es-ES" dirty="0"/>
-              <a:t>:</a:t>
-            </a:r>
+              <a:rPr lang="es-ES"/>
+              <a:t>to:</a:t>
+            </a:r>
+            <a:endParaRPr lang="es-ES" dirty="0"/>
           </a:p>
           <a:p>
             <a:pPr lvl="2"/>
@@ -13065,35 +13062,24 @@
             </a:r>
           </a:p>
           <a:p>
-            <a:pPr lvl="1">
-              <a:lnSpc>
-                <a:spcPct val="90000"/>
-              </a:lnSpc>
-            </a:pPr>
-            <a:r>
-              <a:rPr lang="es-ES" sz="2500" dirty="0" err="1">
-                <a:solidFill>
-                  <a:schemeClr val="tx1"/>
-                </a:solidFill>
-              </a:rPr>
-              <a:t>Frequency</a:t>
-            </a:r>
-            <a:endParaRPr lang="es-ES" sz="2500" dirty="0">
-              <a:solidFill>
-                <a:schemeClr val="tx1"/>
-              </a:solidFill>
-            </a:endParaRPr>
-          </a:p>
-          <a:p>
             <a:pPr>
               <a:lnSpc>
                 <a:spcPct val="90000"/>
               </a:lnSpc>
             </a:pPr>
             <a:r>
+              <a:rPr lang="es-ES" dirty="0" err="1"/>
+              <a:t>Accountability</a:t>
+            </a:r>
+            <a:r>
               <a:rPr lang="es-ES" dirty="0"/>
-              <a:t>Accountability system</a:t>
-            </a:r>
+              <a:t> </a:t>
+            </a:r>
+            <a:r>
+              <a:rPr lang="es-ES" dirty="0" err="1"/>
+              <a:t>system</a:t>
+            </a:r>
+            <a:endParaRPr lang="es-ES" dirty="0"/>
           </a:p>
           <a:p>
             <a:pPr lvl="1">
@@ -13203,21 +13189,6 @@
                 </a:solidFill>
               </a:rPr>
               <a:t>GitHub</a:t>
-            </a:r>
-          </a:p>
-          <a:p>
-            <a:pPr lvl="1">
-              <a:lnSpc>
-                <a:spcPct val="90000"/>
-              </a:lnSpc>
-            </a:pPr>
-            <a:r>
-              <a:rPr lang="es-ES" sz="2500" dirty="0">
-                <a:solidFill>
-                  <a:schemeClr val="tx1"/>
-                </a:solidFill>
-              </a:rPr>
-              <a:t>WhatsApp</a:t>
             </a:r>
           </a:p>
         </p:txBody>
